--- a/PPT/第一部分 软件测试概述/1 软件测试核心概念.pptx
+++ b/PPT/第一部分 软件测试概述/1 软件测试核心概念.pptx
@@ -1089,6 +1089,54 @@
         <p:cNvGrpSpPr/>
         <p:nvPr/>
       </p:nvGrpSpPr>
+      <p:grpSpPr/>
+      <p:sp>
+        <p:nvSpPr>
+          <p:cNvPr id="2" name="幻灯片图像占位符 1"/>
+          <p:cNvSpPr/>
+          <p:nvPr>
+            <p:ph type="sldImg" idx="2"/>
+          </p:nvPr>
+        </p:nvSpPr>
+        <p:spPr/>
+      </p:sp>
+      <p:sp>
+        <p:nvSpPr>
+          <p:cNvPr id="3" name="文本占位符 2"/>
+          <p:cNvSpPr/>
+          <p:nvPr>
+            <p:ph type="body" idx="3"/>
+          </p:nvPr>
+        </p:nvSpPr>
+        <p:spPr/>
+        <p:txBody>
+          <a:bodyPr/>
+          <a:p>
+            <a:r>
+              <a:rPr lang="zh-CN" altLang="en-US"/>
+              <a:t>质量成本：将产品质量保持在规定的质量水平上所需的有关费用。由两部分构成：运行质量成本和外部质量保证成本。</a:t>
+            </a:r>
+            <a:endParaRPr lang="zh-CN" altLang="en-US"/>
+          </a:p>
+        </p:txBody>
+      </p:sp>
+    </p:spTree>
+  </p:cSld>
+  <p:clrMapOvr>
+    <a:masterClrMapping/>
+  </p:clrMapOvr>
+</p:notes>
+</file>
+
+<file path=ppt/notesSlides/notesSlide4.xml><?xml version="1.0" encoding="utf-8"?>
+<p:notes xmlns:a="http://schemas.openxmlformats.org/drawingml/2006/main" xmlns:r="http://schemas.openxmlformats.org/officeDocument/2006/relationships" xmlns:p="http://schemas.openxmlformats.org/presentationml/2006/main">
+  <p:cSld>
+    <p:spTree>
+      <p:nvGrpSpPr>
+        <p:cNvPr id="1" name=""/>
+        <p:cNvGrpSpPr/>
+        <p:nvPr/>
+      </p:nvGrpSpPr>
       <p:grpSpPr>
         <a:xfrm>
           <a:off x="0" y="0"/>
@@ -1284,690 +1332,6 @@
             <a:endParaRPr lang="en-US" altLang="zh-CN" smtClean="0">
               <a:latin typeface="Arial" panose="020B0604020202020204" pitchFamily="34" charset="0"/>
             </a:endParaRPr>
-          </a:p>
-        </p:txBody>
-      </p:sp>
-    </p:spTree>
-  </p:cSld>
-  <p:clrMapOvr>
-    <a:masterClrMapping/>
-  </p:clrMapOvr>
-</p:notes>
-</file>
-
-<file path=ppt/notesSlides/notesSlide4.xml><?xml version="1.0" encoding="utf-8"?>
-<p:notes xmlns:a="http://schemas.openxmlformats.org/drawingml/2006/main" xmlns:r="http://schemas.openxmlformats.org/officeDocument/2006/relationships" xmlns:p="http://schemas.openxmlformats.org/presentationml/2006/main">
-  <p:cSld>
-    <p:spTree>
-      <p:nvGrpSpPr>
-        <p:cNvPr id="1" name=""/>
-        <p:cNvGrpSpPr/>
-        <p:nvPr/>
-      </p:nvGrpSpPr>
-      <p:grpSpPr>
-        <a:xfrm>
-          <a:off x="0" y="0"/>
-          <a:ext cx="0" cy="0"/>
-          <a:chOff x="0" y="0"/>
-          <a:chExt cx="0" cy="0"/>
-        </a:xfrm>
-      </p:grpSpPr>
-      <p:sp>
-        <p:nvSpPr>
-          <p:cNvPr id="2" name="幻灯片图像占位符 1"/>
-          <p:cNvSpPr>
-            <a:spLocks noGrp="1" noRot="1" noChangeAspect="1"/>
-          </p:cNvSpPr>
-          <p:nvPr>
-            <p:ph type="sldImg"/>
-          </p:nvPr>
-        </p:nvSpPr>
-        <p:spPr/>
-      </p:sp>
-      <p:sp>
-        <p:nvSpPr>
-          <p:cNvPr id="3" name="备注占位符 2"/>
-          <p:cNvSpPr>
-            <a:spLocks noGrp="1"/>
-          </p:cNvSpPr>
-          <p:nvPr>
-            <p:ph type="body" idx="1"/>
-          </p:nvPr>
-        </p:nvSpPr>
-        <p:spPr/>
-        <p:txBody>
-          <a:bodyPr/>
-          <a:lstStyle/>
-          <a:p>
-            <a:r>
-              <a:rPr lang="zh-CN" altLang="en-US" dirty="0" smtClean="0"/>
-              <a:t>第一个：大家都知道迪斯尼公司，对吧，迪斯尼公司是做什么的？电影，娱乐，服饰</a:t>
-            </a:r>
-            <a:r>
-              <a:rPr lang="en-US" altLang="zh-CN" dirty="0" smtClean="0"/>
-              <a:t>……</a:t>
-            </a:r>
-            <a:r>
-              <a:rPr lang="zh-CN" altLang="en-US" dirty="0" smtClean="0"/>
-              <a:t> </a:t>
-            </a:r>
-            <a:r>
-              <a:rPr lang="en-US" altLang="zh-CN" dirty="0" smtClean="0"/>
-              <a:t>94</a:t>
-            </a:r>
-            <a:r>
-              <a:rPr lang="zh-CN" altLang="en-US" dirty="0" smtClean="0"/>
-              <a:t>年的时候迪斯尼公司想做新的领域，儿童游戏软件，狮子王游戏，由于是迪斯尼公司第一次做游戏，所以在之前做了大量的宣传和促销，狮子王游戏光碟几乎成为那年圣诞节，家长送儿童的必送礼物。销售额非常可观，但是圣诞节的时候，灾难也来了，什么灾难？迪斯尼公司的客服人员几乎要被电话淹没了，因为光碟在普通用户的</a:t>
-            </a:r>
-            <a:r>
-              <a:rPr lang="en-US" altLang="zh-CN" dirty="0" smtClean="0"/>
-              <a:t>PC</a:t>
-            </a:r>
-            <a:r>
-              <a:rPr lang="zh-CN" altLang="en-US" dirty="0" smtClean="0"/>
-              <a:t>上都不能使用，孩子的哭闹，大人的抱怨，媒体的报道，给迪斯尼公司产生了非常大的负面影响。什么原因呢？因为迪斯尼公司开发人员使用的电脑不是普通大众使用的，软件只在他们自己电脑上运行的顺畅，其他大部分电脑不能运行，缺少兼容性测试，或者市场调查。</a:t>
-            </a:r>
-            <a:endParaRPr lang="en-US" altLang="zh-CN" dirty="0" smtClean="0"/>
-          </a:p>
-          <a:p>
-            <a:endParaRPr lang="en-US" altLang="zh-CN" dirty="0" smtClean="0"/>
-          </a:p>
-          <a:p>
-            <a:r>
-              <a:rPr lang="zh-CN" altLang="en-US" dirty="0" smtClean="0"/>
-              <a:t>第二个案例：美国爱国者导弹系统，首次应用在海湾战争中，对抗伊拉克飞毛腿导弹立下了汗马功劳，但是在多哈战争中却失利了，击毙了</a:t>
-            </a:r>
-            <a:r>
-              <a:rPr lang="en-US" altLang="zh-CN" dirty="0" smtClean="0"/>
-              <a:t>28</a:t>
-            </a:r>
-            <a:r>
-              <a:rPr lang="zh-CN" altLang="en-US" dirty="0" smtClean="0"/>
-              <a:t>名美国士兵，什么原因？难道是神的安排？当然不是，分析发现原因在于一个软件缺陷，系统实战的一个很小的计时错误积累起来到</a:t>
-            </a:r>
-            <a:r>
-              <a:rPr lang="en-US" altLang="zh-CN" dirty="0" smtClean="0"/>
-              <a:t>14</a:t>
-            </a:r>
-            <a:r>
-              <a:rPr lang="zh-CN" altLang="en-US" dirty="0" smtClean="0"/>
-              <a:t>小时后，追踪不再准确，在多哈战争中，系统已经运行了</a:t>
-            </a:r>
-            <a:r>
-              <a:rPr lang="en-US" altLang="zh-CN" dirty="0" smtClean="0"/>
-              <a:t>100</a:t>
-            </a:r>
-            <a:r>
-              <a:rPr lang="zh-CN" altLang="en-US" dirty="0" smtClean="0"/>
-              <a:t>多个小时。</a:t>
-            </a:r>
-            <a:endParaRPr lang="en-US" altLang="zh-CN" dirty="0" smtClean="0"/>
-          </a:p>
-          <a:p>
-            <a:endParaRPr lang="en-US" altLang="zh-CN" dirty="0" smtClean="0"/>
-          </a:p>
-          <a:p>
-            <a:r>
-              <a:rPr lang="zh-CN" altLang="en-US" dirty="0" smtClean="0"/>
-              <a:t>第三个案例：千年虫问题，</a:t>
-            </a:r>
-            <a:r>
-              <a:rPr lang="en-US" altLang="zh-CN" dirty="0" smtClean="0"/>
-              <a:t>20</a:t>
-            </a:r>
-            <a:r>
-              <a:rPr lang="zh-CN" altLang="en-US" dirty="0" smtClean="0"/>
-              <a:t>世纪</a:t>
-            </a:r>
-            <a:r>
-              <a:rPr lang="en-US" altLang="zh-CN" dirty="0" smtClean="0"/>
-              <a:t>70</a:t>
-            </a:r>
-            <a:r>
-              <a:rPr lang="zh-CN" altLang="en-US" dirty="0" smtClean="0"/>
-              <a:t>年代早期的某位程序员设计开发工资系统 ，当时计算机存储空间非常小，迫使他去压缩每一位存储空间，压缩到什么程度呢？</a:t>
-            </a:r>
-            <a:r>
-              <a:rPr lang="en-US" altLang="zh-CN" dirty="0" smtClean="0"/>
-              <a:t>1974</a:t>
-            </a:r>
-            <a:r>
-              <a:rPr lang="zh-CN" altLang="en-US" dirty="0" smtClean="0"/>
-              <a:t>，存成</a:t>
-            </a:r>
-            <a:r>
-              <a:rPr lang="en-US" altLang="zh-CN" dirty="0" smtClean="0"/>
-              <a:t>74</a:t>
-            </a:r>
-            <a:r>
-              <a:rPr lang="zh-CN" altLang="en-US" dirty="0" smtClean="0"/>
-              <a:t>，大家想想这样会不会有问题？当然会了，工资等于什么？时间减时间乘以时薪（或日薪），总之依赖于时间，他当时想到了到了</a:t>
-            </a:r>
-            <a:r>
-              <a:rPr lang="en-US" altLang="zh-CN" dirty="0" smtClean="0"/>
-              <a:t>2000</a:t>
-            </a:r>
-            <a:r>
-              <a:rPr lang="zh-CN" altLang="en-US" dirty="0" smtClean="0"/>
-              <a:t>年时会出问题，但是那是</a:t>
-            </a:r>
-            <a:r>
-              <a:rPr lang="en-US" altLang="zh-CN" dirty="0" smtClean="0"/>
-              <a:t>25</a:t>
-            </a:r>
-            <a:r>
-              <a:rPr lang="zh-CN" altLang="en-US" dirty="0" smtClean="0"/>
-              <a:t>年以后的事情，估计那时候都没人用了，或者升级了，先顾眼下的存储问题，所以，年份只存两位，但是没想到</a:t>
-            </a:r>
-            <a:r>
-              <a:rPr lang="en-US" altLang="zh-CN" dirty="0" smtClean="0"/>
-              <a:t>2000</a:t>
-            </a:r>
-            <a:r>
-              <a:rPr lang="zh-CN" altLang="en-US" dirty="0" smtClean="0"/>
-              <a:t>年时，这个系统还在有很多人用，并且，</a:t>
-            </a:r>
-            <a:r>
-              <a:rPr lang="en-US" altLang="zh-CN" dirty="0" smtClean="0"/>
-              <a:t>Dave</a:t>
-            </a:r>
-            <a:r>
-              <a:rPr lang="zh-CN" altLang="en-US" dirty="0" smtClean="0"/>
-              <a:t>已经退休了，之后的人也不知道他是这么存的，也没有做相应的修改，所以这个问题产生了，由</a:t>
-            </a:r>
-            <a:r>
-              <a:rPr lang="zh-CN" altLang="en-US" baseline="0" dirty="0" smtClean="0"/>
-              <a:t> 这个问题带来的损失达到数亿美元，损失大不大？</a:t>
-            </a:r>
-            <a:endParaRPr lang="en-US" altLang="zh-CN" baseline="0" dirty="0" smtClean="0"/>
-          </a:p>
-          <a:p>
-            <a:endParaRPr lang="en-US" altLang="zh-CN" baseline="0" dirty="0" smtClean="0"/>
-          </a:p>
-          <a:p>
-            <a:r>
-              <a:rPr lang="zh-CN" altLang="en-US" baseline="0" dirty="0" smtClean="0"/>
-              <a:t>第四个案例：</a:t>
-            </a:r>
-            <a:endParaRPr lang="en-US" altLang="zh-CN" baseline="0" dirty="0" smtClean="0"/>
-          </a:p>
-          <a:p>
-            <a:endParaRPr lang="en-US" altLang="zh-CN" baseline="0" dirty="0" smtClean="0"/>
-          </a:p>
-          <a:p>
-            <a:pPr marL="0" marR="0" lvl="0" indent="0" algn="l" defTabSz="914400" rtl="0" eaLnBrk="1" fontAlgn="auto" latinLnBrk="0" hangingPunct="1">
-              <a:lnSpc>
-                <a:spcPct val="100000"/>
-              </a:lnSpc>
-              <a:spcBef>
-                <a:spcPts val="0"/>
-              </a:spcBef>
-              <a:spcAft>
-                <a:spcPts val="0"/>
-              </a:spcAft>
-              <a:buClrTx/>
-              <a:buSzTx/>
-              <a:buFontTx/>
-              <a:buNone/>
-              <a:defRPr/>
-            </a:pPr>
-            <a:r>
-              <a:rPr lang="zh-CN" altLang="en-US" dirty="0" smtClean="0"/>
-              <a:t>使用系统自带的计算器计算这个算式</a:t>
-            </a:r>
-            <a:r>
-              <a:rPr lang="zh-CN" altLang="en-US" dirty="0" smtClean="0">
-                <a:solidFill>
-                  <a:schemeClr val="tx1"/>
-                </a:solidFill>
-              </a:rPr>
-              <a:t>（</a:t>
-            </a:r>
-            <a:r>
-              <a:rPr lang="en-US" altLang="zh-CN" dirty="0" smtClean="0">
-                <a:solidFill>
-                  <a:schemeClr val="tx1"/>
-                </a:solidFill>
-              </a:rPr>
-              <a:t>4195835/3145727</a:t>
-            </a:r>
-            <a:r>
-              <a:rPr lang="zh-CN" altLang="en-US" dirty="0" smtClean="0">
-                <a:solidFill>
-                  <a:schemeClr val="tx1"/>
-                </a:solidFill>
-              </a:rPr>
-              <a:t>）</a:t>
-            </a:r>
-            <a:r>
-              <a:rPr lang="en-US" altLang="zh-CN" dirty="0" smtClean="0">
-                <a:solidFill>
-                  <a:schemeClr val="tx1"/>
-                </a:solidFill>
-              </a:rPr>
-              <a:t>*3145727-4195835</a:t>
-            </a:r>
-            <a:r>
-              <a:rPr lang="zh-CN" altLang="en-US" dirty="0" smtClean="0">
-                <a:solidFill>
-                  <a:schemeClr val="tx1"/>
-                </a:solidFill>
-              </a:rPr>
-              <a:t>，口算下，得几。显然是 </a:t>
-            </a:r>
-            <a:r>
-              <a:rPr lang="en-US" altLang="zh-CN" dirty="0" smtClean="0">
-                <a:solidFill>
-                  <a:schemeClr val="tx1"/>
-                </a:solidFill>
-              </a:rPr>
-              <a:t>0 </a:t>
-            </a:r>
-            <a:r>
-              <a:rPr lang="zh-CN" altLang="en-US" dirty="0" smtClean="0">
-                <a:solidFill>
-                  <a:schemeClr val="tx1"/>
-                </a:solidFill>
-              </a:rPr>
-              <a:t>，而老式的英特尔奔腾处理器计算不等于</a:t>
-            </a:r>
-            <a:r>
-              <a:rPr lang="en-US" altLang="zh-CN" dirty="0" smtClean="0">
-                <a:solidFill>
-                  <a:schemeClr val="tx1"/>
-                </a:solidFill>
-              </a:rPr>
-              <a:t>0</a:t>
-            </a:r>
-            <a:r>
-              <a:rPr lang="zh-CN" altLang="en-US" dirty="0" smtClean="0">
-                <a:solidFill>
-                  <a:schemeClr val="tx1"/>
-                </a:solidFill>
-              </a:rPr>
-              <a:t>，这个问题当时被测试人员 测试出来了，但是英特尔公司的高层没有重视这个问题，他们当时想，只有很少的科研人员才会用到这种算法，所以没有去修改，造成英特尔公司</a:t>
-            </a:r>
-            <a:r>
-              <a:rPr lang="en-US" altLang="zh-CN" dirty="0" smtClean="0">
-                <a:solidFill>
-                  <a:schemeClr val="tx1"/>
-                </a:solidFill>
-              </a:rPr>
-              <a:t>4</a:t>
-            </a:r>
-            <a:r>
-              <a:rPr lang="zh-CN" altLang="en-US" dirty="0" smtClean="0">
-                <a:solidFill>
-                  <a:schemeClr val="tx1"/>
-                </a:solidFill>
-              </a:rPr>
-              <a:t>亿美元的损失和巨大的名誉损失。</a:t>
-            </a:r>
-            <a:endParaRPr lang="en-US" altLang="zh-CN" dirty="0" smtClean="0">
-              <a:solidFill>
-                <a:schemeClr val="tx1"/>
-              </a:solidFill>
-            </a:endParaRPr>
-          </a:p>
-          <a:p>
-            <a:pPr marL="0" marR="0" lvl="0" indent="0" algn="l" defTabSz="914400" rtl="0" eaLnBrk="1" fontAlgn="auto" latinLnBrk="0" hangingPunct="1">
-              <a:lnSpc>
-                <a:spcPct val="100000"/>
-              </a:lnSpc>
-              <a:spcBef>
-                <a:spcPts val="0"/>
-              </a:spcBef>
-              <a:spcAft>
-                <a:spcPts val="0"/>
-              </a:spcAft>
-              <a:buClrTx/>
-              <a:buSzTx/>
-              <a:buFontTx/>
-              <a:buNone/>
-              <a:defRPr/>
-            </a:pPr>
-            <a:endParaRPr lang="en-US" altLang="zh-CN" dirty="0" smtClean="0">
-              <a:solidFill>
-                <a:schemeClr val="tx1"/>
-              </a:solidFill>
-            </a:endParaRPr>
-          </a:p>
-          <a:p>
-            <a:pPr marL="0" marR="0" lvl="0" indent="0" algn="l" defTabSz="914400" rtl="0" eaLnBrk="1" fontAlgn="auto" latinLnBrk="0" hangingPunct="1">
-              <a:lnSpc>
-                <a:spcPct val="100000"/>
-              </a:lnSpc>
-              <a:spcBef>
-                <a:spcPts val="0"/>
-              </a:spcBef>
-              <a:spcAft>
-                <a:spcPts val="0"/>
-              </a:spcAft>
-              <a:buClrTx/>
-              <a:buSzTx/>
-              <a:buFontTx/>
-              <a:buNone/>
-              <a:defRPr/>
-            </a:pPr>
-            <a:r>
-              <a:rPr lang="zh-CN" altLang="en-US" dirty="0" smtClean="0">
-                <a:solidFill>
-                  <a:schemeClr val="tx1"/>
-                </a:solidFill>
-              </a:rPr>
-              <a:t>第五个案例：</a:t>
-            </a:r>
-            <a:endParaRPr lang="en-US" altLang="zh-CN" dirty="0" smtClean="0">
-              <a:solidFill>
-                <a:schemeClr val="tx1"/>
-              </a:solidFill>
-            </a:endParaRPr>
-          </a:p>
-          <a:p>
-            <a:pPr marL="0" marR="0" lvl="0" indent="0" algn="l" defTabSz="914400" rtl="0" eaLnBrk="1" fontAlgn="auto" latinLnBrk="0" hangingPunct="1">
-              <a:lnSpc>
-                <a:spcPct val="100000"/>
-              </a:lnSpc>
-              <a:spcBef>
-                <a:spcPts val="0"/>
-              </a:spcBef>
-              <a:spcAft>
-                <a:spcPts val="0"/>
-              </a:spcAft>
-              <a:buClrTx/>
-              <a:buSzTx/>
-              <a:buFontTx/>
-              <a:buNone/>
-              <a:defRPr/>
-            </a:pPr>
-            <a:endParaRPr lang="en-US" altLang="zh-CN" dirty="0" smtClean="0">
-              <a:solidFill>
-                <a:schemeClr val="tx1"/>
-              </a:solidFill>
-            </a:endParaRPr>
-          </a:p>
-          <a:p>
-            <a:pPr marL="0" marR="0" lvl="0" indent="0" algn="l" defTabSz="914400" rtl="0" eaLnBrk="1" fontAlgn="auto" latinLnBrk="0" hangingPunct="1">
-              <a:lnSpc>
-                <a:spcPct val="100000"/>
-              </a:lnSpc>
-              <a:spcBef>
-                <a:spcPts val="0"/>
-              </a:spcBef>
-              <a:spcAft>
-                <a:spcPts val="0"/>
-              </a:spcAft>
-              <a:buClrTx/>
-              <a:buSzTx/>
-              <a:buFontTx/>
-              <a:buNone/>
-              <a:defRPr/>
-            </a:pPr>
-            <a:r>
-              <a:rPr lang="zh-CN" altLang="en-US" dirty="0" smtClean="0">
-                <a:solidFill>
-                  <a:schemeClr val="tx1"/>
-                </a:solidFill>
-              </a:rPr>
-              <a:t>打开系统自带的记事本，写入写，保存关闭，再打开，可以看到什么？这是微软系统的错误。</a:t>
-            </a:r>
-            <a:endParaRPr lang="en-US" altLang="zh-CN" dirty="0" smtClean="0">
-              <a:solidFill>
-                <a:schemeClr val="tx1"/>
-              </a:solidFill>
-            </a:endParaRPr>
-          </a:p>
-          <a:p>
-            <a:pPr marL="0" marR="0" lvl="0" indent="0" algn="l" defTabSz="914400" rtl="0" eaLnBrk="1" fontAlgn="auto" latinLnBrk="0" hangingPunct="1">
-              <a:lnSpc>
-                <a:spcPct val="100000"/>
-              </a:lnSpc>
-              <a:spcBef>
-                <a:spcPts val="0"/>
-              </a:spcBef>
-              <a:spcAft>
-                <a:spcPts val="0"/>
-              </a:spcAft>
-              <a:buClrTx/>
-              <a:buSzTx/>
-              <a:buFontTx/>
-              <a:buNone/>
-              <a:defRPr/>
-            </a:pPr>
-            <a:endParaRPr lang="en-US" altLang="zh-CN" dirty="0" smtClean="0">
-              <a:solidFill>
-                <a:schemeClr val="tx1"/>
-              </a:solidFill>
-            </a:endParaRPr>
-          </a:p>
-          <a:p>
-            <a:pPr marL="0" marR="0" lvl="0" indent="0" algn="l" defTabSz="914400" rtl="0" eaLnBrk="1" fontAlgn="auto" latinLnBrk="0" hangingPunct="1">
-              <a:lnSpc>
-                <a:spcPct val="100000"/>
-              </a:lnSpc>
-              <a:spcBef>
-                <a:spcPts val="0"/>
-              </a:spcBef>
-              <a:spcAft>
-                <a:spcPts val="0"/>
-              </a:spcAft>
-              <a:buClrTx/>
-              <a:buSzTx/>
-              <a:buFontTx/>
-              <a:buNone/>
-              <a:defRPr/>
-            </a:pPr>
-            <a:r>
-              <a:rPr lang="zh-CN" altLang="en-US" dirty="0" smtClean="0">
-                <a:solidFill>
-                  <a:schemeClr val="tx1"/>
-                </a:solidFill>
-              </a:rPr>
-              <a:t>类似于这样的错误，太多了，如前几年我们的</a:t>
-            </a:r>
-            <a:r>
-              <a:rPr lang="en-US" altLang="zh-CN" dirty="0" smtClean="0">
-                <a:solidFill>
-                  <a:schemeClr val="tx1"/>
-                </a:solidFill>
-              </a:rPr>
-              <a:t>12306</a:t>
-            </a:r>
-            <a:r>
-              <a:rPr lang="zh-CN" altLang="en-US" dirty="0" smtClean="0">
-                <a:solidFill>
-                  <a:schemeClr val="tx1"/>
-                </a:solidFill>
-              </a:rPr>
-              <a:t>铁路订票系统，</a:t>
-            </a:r>
-            <a:r>
-              <a:rPr lang="en-US" altLang="zh-CN" dirty="0" smtClean="0">
-                <a:solidFill>
-                  <a:schemeClr val="tx1"/>
-                </a:solidFill>
-              </a:rPr>
-              <a:t>2008</a:t>
-            </a:r>
-            <a:r>
-              <a:rPr lang="zh-CN" altLang="en-US" dirty="0" smtClean="0">
-                <a:solidFill>
-                  <a:schemeClr val="tx1"/>
-                </a:solidFill>
-              </a:rPr>
-              <a:t>年奥运会订票系统，</a:t>
-            </a:r>
-            <a:r>
-              <a:rPr lang="en-US" altLang="zh-CN" dirty="0" smtClean="0">
-                <a:solidFill>
-                  <a:schemeClr val="tx1"/>
-                </a:solidFill>
-              </a:rPr>
-              <a:t>ATM</a:t>
-            </a:r>
-            <a:r>
-              <a:rPr lang="zh-CN" altLang="en-US" dirty="0" smtClean="0">
-                <a:solidFill>
-                  <a:schemeClr val="tx1"/>
-                </a:solidFill>
-              </a:rPr>
-              <a:t>机多吐钱问题</a:t>
-            </a:r>
-            <a:r>
-              <a:rPr lang="en-US" altLang="zh-CN" dirty="0" smtClean="0">
-                <a:solidFill>
-                  <a:schemeClr val="tx1"/>
-                </a:solidFill>
-              </a:rPr>
-              <a:t>……</a:t>
-            </a:r>
-            <a:r>
-              <a:rPr lang="zh-CN" altLang="en-US" dirty="0" smtClean="0">
-                <a:solidFill>
-                  <a:schemeClr val="tx1"/>
-                </a:solidFill>
-              </a:rPr>
-              <a:t>你可能在想，这多吐钱的事，怎么没让我碰上，你别碰上，碰上是要惹牢狱之灾，没准还有生命危险。</a:t>
-            </a:r>
-            <a:endParaRPr lang="en-US" altLang="zh-CN" dirty="0" smtClean="0">
-              <a:solidFill>
-                <a:schemeClr val="tx1"/>
-              </a:solidFill>
-            </a:endParaRPr>
-          </a:p>
-          <a:p>
-            <a:pPr marL="0" marR="0" lvl="0" indent="0" algn="l" defTabSz="914400" rtl="0" eaLnBrk="1" fontAlgn="auto" latinLnBrk="0" hangingPunct="1">
-              <a:lnSpc>
-                <a:spcPct val="100000"/>
-              </a:lnSpc>
-              <a:spcBef>
-                <a:spcPts val="0"/>
-              </a:spcBef>
-              <a:spcAft>
-                <a:spcPts val="0"/>
-              </a:spcAft>
-              <a:buClrTx/>
-              <a:buSzTx/>
-              <a:buFontTx/>
-              <a:buNone/>
-              <a:defRPr/>
-            </a:pPr>
-            <a:endParaRPr lang="en-US" altLang="zh-CN" dirty="0" smtClean="0">
-              <a:solidFill>
-                <a:schemeClr val="tx1"/>
-              </a:solidFill>
-            </a:endParaRPr>
-          </a:p>
-          <a:p>
-            <a:pPr marL="0" marR="0" lvl="0" indent="0" algn="l" defTabSz="914400" rtl="0" eaLnBrk="1" fontAlgn="auto" latinLnBrk="0" hangingPunct="1">
-              <a:lnSpc>
-                <a:spcPct val="100000"/>
-              </a:lnSpc>
-              <a:spcBef>
-                <a:spcPts val="0"/>
-              </a:spcBef>
-              <a:spcAft>
-                <a:spcPts val="0"/>
-              </a:spcAft>
-              <a:buClrTx/>
-              <a:buSzTx/>
-              <a:buFontTx/>
-              <a:buNone/>
-              <a:defRPr/>
-            </a:pPr>
-            <a:r>
-              <a:rPr lang="zh-CN" altLang="en-US" dirty="0" smtClean="0">
-                <a:solidFill>
-                  <a:schemeClr val="tx1"/>
-                </a:solidFill>
-              </a:rPr>
-              <a:t>所以，大家想想软件的质量重要不重要，非常重要，任何产品的质量的非常重要，软件产品更是。一个计算错误，没准能导致飞机失事，很有可能</a:t>
-            </a:r>
-            <a:r>
-              <a:rPr lang="en-US" altLang="zh-CN" dirty="0" smtClean="0">
-                <a:solidFill>
-                  <a:schemeClr val="tx1"/>
-                </a:solidFill>
-              </a:rPr>
-              <a:t>……</a:t>
-            </a:r>
-            <a:r>
-              <a:rPr lang="zh-CN" altLang="en-US" dirty="0" smtClean="0">
-                <a:solidFill>
-                  <a:schemeClr val="tx1"/>
-                </a:solidFill>
-              </a:rPr>
-              <a:t>，这个事情想想非常恐怖，所以，我们是做软件的，我们要做好软件产品的质量，从学习软件测试开始。</a:t>
-            </a:r>
-            <a:endParaRPr lang="en-US" altLang="zh-CN" dirty="0" smtClean="0">
-              <a:solidFill>
-                <a:schemeClr val="tx1"/>
-              </a:solidFill>
-            </a:endParaRPr>
-          </a:p>
-          <a:p>
-            <a:endParaRPr lang="en-US" altLang="zh-CN" dirty="0" smtClean="0"/>
-          </a:p>
-          <a:p>
-            <a:endParaRPr lang="en-US" altLang="zh-CN" dirty="0" smtClean="0"/>
-          </a:p>
-          <a:p>
-            <a:endParaRPr lang="en-US" altLang="zh-CN" dirty="0" smtClean="0"/>
-          </a:p>
-          <a:p>
-            <a:endParaRPr lang="en-US" altLang="zh-CN" dirty="0" smtClean="0"/>
-          </a:p>
-          <a:p>
-            <a:endParaRPr lang="en-US" altLang="zh-CN" dirty="0" smtClean="0"/>
-          </a:p>
-          <a:p>
-            <a:endParaRPr lang="en-US" altLang="zh-CN" dirty="0" smtClean="0"/>
-          </a:p>
-          <a:p>
-            <a:endParaRPr lang="en-US" altLang="zh-CN" dirty="0" smtClean="0"/>
-          </a:p>
-          <a:p>
-            <a:endParaRPr lang="en-US" altLang="zh-CN" dirty="0" smtClean="0"/>
-          </a:p>
-          <a:p>
-            <a:endParaRPr lang="en-US" altLang="zh-CN" dirty="0" smtClean="0"/>
-          </a:p>
-          <a:p>
-            <a:endParaRPr lang="en-US" altLang="zh-CN" dirty="0" smtClean="0"/>
-          </a:p>
-          <a:p>
-            <a:endParaRPr lang="en-US" altLang="zh-CN" dirty="0" smtClean="0"/>
-          </a:p>
-          <a:p>
-            <a:endParaRPr lang="en-US" altLang="zh-CN" dirty="0" smtClean="0"/>
-          </a:p>
-          <a:p>
-            <a:endParaRPr lang="en-US" altLang="zh-CN" dirty="0" smtClean="0"/>
-          </a:p>
-          <a:p>
-            <a:endParaRPr lang="zh-CN" altLang="en-US" dirty="0"/>
-          </a:p>
-        </p:txBody>
-      </p:sp>
-      <p:sp>
-        <p:nvSpPr>
-          <p:cNvPr id="4" name="灯片编号占位符 3"/>
-          <p:cNvSpPr>
-            <a:spLocks noGrp="1"/>
-          </p:cNvSpPr>
-          <p:nvPr>
-            <p:ph type="sldNum" sz="quarter" idx="10"/>
-          </p:nvPr>
-        </p:nvSpPr>
-        <p:spPr/>
-        <p:txBody>
-          <a:bodyPr/>
-          <a:lstStyle/>
-          <a:p>
-            <a:fld id="{7E6D7D06-67E9-4228-9B8A-6529393A6330}" type="slidenum">
-              <a:rPr lang="zh-CN" altLang="en-US" smtClean="0"/>
-            </a:fld>
-            <a:endParaRPr lang="zh-CN" altLang="en-US"/>
           </a:p>
         </p:txBody>
       </p:sp>
@@ -2024,65 +1388,611 @@
           <a:lstStyle/>
           <a:p>
             <a:r>
-              <a:rPr lang="zh-CN" altLang="en-US" sz="1200" b="0" i="0" kern="1200" dirty="0" smtClean="0">
-                <a:solidFill>
-                  <a:schemeClr val="tx1"/>
-                </a:solidFill>
-                <a:effectLst/>
-                <a:latin typeface="+mn-lt"/>
-                <a:ea typeface="+mn-ea"/>
-                <a:cs typeface="+mn-cs"/>
+              <a:rPr lang="zh-CN" altLang="en-US" dirty="0" smtClean="0"/>
+              <a:t>第一个：大家都知道迪斯尼公司，对吧，迪斯尼公司是做什么的？电影，娱乐，服饰</a:t>
+            </a:r>
+            <a:r>
+              <a:rPr lang="en-US" altLang="zh-CN" dirty="0" smtClean="0"/>
+              <a:t>……</a:t>
+            </a:r>
+            <a:r>
+              <a:rPr lang="zh-CN" altLang="en-US" dirty="0" smtClean="0"/>
+              <a:t> </a:t>
+            </a:r>
+            <a:r>
+              <a:rPr lang="en-US" altLang="zh-CN" dirty="0" smtClean="0"/>
+              <a:t>94</a:t>
+            </a:r>
+            <a:r>
+              <a:rPr lang="zh-CN" altLang="en-US" dirty="0" smtClean="0"/>
+              <a:t>年的时候迪斯尼公司想做新的领域，儿童游戏软件，狮子王游戏，由于是迪斯尼公司第一次做游戏，所以在之前做了大量的宣传和促销，狮子王游戏光碟几乎成为那年圣诞节，家长送儿童的必送礼物。销售额非常可观，但是圣诞节的时候，灾难也来了，什么灾难？迪斯尼公司的客服人员几乎要被电话淹没了，因为光碟在普通用户的</a:t>
+            </a:r>
+            <a:r>
+              <a:rPr lang="en-US" altLang="zh-CN" dirty="0" smtClean="0"/>
+              <a:t>PC</a:t>
+            </a:r>
+            <a:r>
+              <a:rPr lang="zh-CN" altLang="en-US" dirty="0" smtClean="0"/>
+              <a:t>上都不能使用，孩子的哭闹，大人的抱怨，媒体的报道，给迪斯尼公司产生了非常大的负面影响。什么原因呢？因为迪斯尼公司开发人员使用的电脑不是普通大众使用的，软件只在他们自己电脑上运行的顺畅，其他大部分电脑不能运行，缺少兼容性测试，或者市场调查。</a:t>
+            </a:r>
+            <a:endParaRPr lang="en-US" altLang="zh-CN" dirty="0" smtClean="0"/>
+          </a:p>
+          <a:p>
+            <a:endParaRPr lang="en-US" altLang="zh-CN" dirty="0" smtClean="0"/>
+          </a:p>
+          <a:p>
+            <a:r>
+              <a:rPr lang="zh-CN" altLang="en-US" dirty="0" smtClean="0"/>
+              <a:t>第二个案例：美国爱国者导弹系统，首次应用在海湾战争中，对抗伊拉克飞毛腿导弹立下了汗马功劳，但是在多哈战争中却失利了，击毙了</a:t>
+            </a:r>
+            <a:r>
+              <a:rPr lang="en-US" altLang="zh-CN" dirty="0" smtClean="0"/>
+              <a:t>28</a:t>
+            </a:r>
+            <a:r>
+              <a:rPr lang="zh-CN" altLang="en-US" dirty="0" smtClean="0"/>
+              <a:t>名美国士兵，什么原因？难道是神的安排？当然不是，分析发现原因在于一个软件缺陷，系统实战的一个很小的计时错误积累起来到</a:t>
+            </a:r>
+            <a:r>
+              <a:rPr lang="en-US" altLang="zh-CN" dirty="0" smtClean="0"/>
+              <a:t>14</a:t>
+            </a:r>
+            <a:r>
+              <a:rPr lang="zh-CN" altLang="en-US" dirty="0" smtClean="0"/>
+              <a:t>小时后，追踪不再准确，在多哈战争中，系统已经运行了</a:t>
+            </a:r>
+            <a:r>
+              <a:rPr lang="en-US" altLang="zh-CN" dirty="0" smtClean="0"/>
+              <a:t>100</a:t>
+            </a:r>
+            <a:r>
+              <a:rPr lang="zh-CN" altLang="en-US" dirty="0" smtClean="0"/>
+              <a:t>多个小时。</a:t>
+            </a:r>
+            <a:endParaRPr lang="en-US" altLang="zh-CN" dirty="0" smtClean="0"/>
+          </a:p>
+          <a:p>
+            <a:endParaRPr lang="en-US" altLang="zh-CN" dirty="0" smtClean="0"/>
+          </a:p>
+          <a:p>
+            <a:r>
+              <a:rPr lang="zh-CN" altLang="en-US" dirty="0" smtClean="0"/>
+              <a:t>第三个案例：千年虫问题，</a:t>
+            </a:r>
+            <a:r>
+              <a:rPr lang="en-US" altLang="zh-CN" dirty="0" smtClean="0"/>
+              <a:t>20</a:t>
+            </a:r>
+            <a:r>
+              <a:rPr lang="zh-CN" altLang="en-US" dirty="0" smtClean="0"/>
+              <a:t>世纪</a:t>
+            </a:r>
+            <a:r>
+              <a:rPr lang="en-US" altLang="zh-CN" dirty="0" smtClean="0"/>
+              <a:t>70</a:t>
+            </a:r>
+            <a:r>
+              <a:rPr lang="zh-CN" altLang="en-US" dirty="0" smtClean="0"/>
+              <a:t>年代早期的某位程序员设计开发工资系统 ，当时计算机存储空间非常小，迫使他去压缩每一位存储空间，压缩到什么程度呢？</a:t>
+            </a:r>
+            <a:r>
+              <a:rPr lang="en-US" altLang="zh-CN" dirty="0" smtClean="0"/>
+              <a:t>1974</a:t>
+            </a:r>
+            <a:r>
+              <a:rPr lang="zh-CN" altLang="en-US" dirty="0" smtClean="0"/>
+              <a:t>，存成</a:t>
+            </a:r>
+            <a:r>
+              <a:rPr lang="en-US" altLang="zh-CN" dirty="0" smtClean="0"/>
+              <a:t>74</a:t>
+            </a:r>
+            <a:r>
+              <a:rPr lang="zh-CN" altLang="en-US" dirty="0" smtClean="0"/>
+              <a:t>，大家想想这样会不会有问题？当然会了，工资等于什么？时间减时间乘以时薪（或日薪），总之依赖于时间，他当时想到了到了</a:t>
+            </a:r>
+            <a:r>
+              <a:rPr lang="en-US" altLang="zh-CN" dirty="0" smtClean="0"/>
+              <a:t>2000</a:t>
+            </a:r>
+            <a:r>
+              <a:rPr lang="zh-CN" altLang="en-US" dirty="0" smtClean="0"/>
+              <a:t>年时会出问题，但是那是</a:t>
+            </a:r>
+            <a:r>
+              <a:rPr lang="en-US" altLang="zh-CN" dirty="0" smtClean="0"/>
+              <a:t>25</a:t>
+            </a:r>
+            <a:r>
+              <a:rPr lang="zh-CN" altLang="en-US" dirty="0" smtClean="0"/>
+              <a:t>年以后的事情，估计那时候都没人用了，或者升级了，先顾眼下的存储问题，所以，年份只存两位，但是没想到</a:t>
+            </a:r>
+            <a:r>
+              <a:rPr lang="en-US" altLang="zh-CN" dirty="0" smtClean="0"/>
+              <a:t>2000</a:t>
+            </a:r>
+            <a:r>
+              <a:rPr lang="zh-CN" altLang="en-US" dirty="0" smtClean="0"/>
+              <a:t>年时，这个系统还在有很多人用，并且，</a:t>
+            </a:r>
+            <a:r>
+              <a:rPr lang="en-US" altLang="zh-CN" dirty="0" smtClean="0"/>
+              <a:t>Dave</a:t>
+            </a:r>
+            <a:r>
+              <a:rPr lang="zh-CN" altLang="en-US" dirty="0" smtClean="0"/>
+              <a:t>已经退休了，之后的人也不知道他是这么存的，也没有做相应的修改，所以这个问题产生了，由</a:t>
+            </a:r>
+            <a:r>
+              <a:rPr lang="zh-CN" altLang="en-US" baseline="0" dirty="0" smtClean="0"/>
+              <a:t> 这个问题带来的损失达到数亿美元，损失大不大？</a:t>
+            </a:r>
+            <a:endParaRPr lang="en-US" altLang="zh-CN" baseline="0" dirty="0" smtClean="0"/>
+          </a:p>
+          <a:p>
+            <a:endParaRPr lang="en-US" altLang="zh-CN" baseline="0" dirty="0" smtClean="0"/>
+          </a:p>
+          <a:p>
+            <a:r>
+              <a:rPr lang="zh-CN" altLang="en-US" baseline="0" dirty="0" smtClean="0"/>
+              <a:t>第四个案例：</a:t>
+            </a:r>
+            <a:endParaRPr lang="en-US" altLang="zh-CN" baseline="0" dirty="0" smtClean="0"/>
+          </a:p>
+          <a:p>
+            <a:endParaRPr lang="en-US" altLang="zh-CN" baseline="0" dirty="0" smtClean="0"/>
+          </a:p>
+          <a:p>
+            <a:pPr marL="0" marR="0" lvl="0" indent="0" algn="l" defTabSz="914400" rtl="0" eaLnBrk="1" fontAlgn="auto" latinLnBrk="0" hangingPunct="1">
+              <a:lnSpc>
+                <a:spcPct val="100000"/>
+              </a:lnSpc>
+              <a:spcBef>
+                <a:spcPts val="0"/>
+              </a:spcBef>
+              <a:spcAft>
+                <a:spcPts val="0"/>
+              </a:spcAft>
+              <a:buClrTx/>
+              <a:buSzTx/>
+              <a:buFontTx/>
+              <a:buNone/>
+              <a:defRPr/>
+            </a:pPr>
+            <a:r>
+              <a:rPr lang="zh-CN" altLang="en-US" dirty="0" smtClean="0"/>
+              <a:t>使用系统自带的计算器计算这个算式</a:t>
+            </a:r>
+            <a:r>
+              <a:rPr lang="zh-CN" altLang="en-US" dirty="0" smtClean="0">
+                <a:solidFill>
+                  <a:schemeClr val="tx1"/>
+                </a:solidFill>
               </a:rPr>
-              <a:t>让美军引以为荣的</a:t>
-            </a:r>
-            <a:r>
-              <a:rPr lang="en-US" altLang="zh-CN" sz="1200" b="0" i="0" kern="1200" dirty="0" smtClean="0">
-                <a:solidFill>
-                  <a:schemeClr val="tx1"/>
-                </a:solidFill>
-                <a:effectLst/>
-                <a:latin typeface="+mn-lt"/>
-                <a:ea typeface="+mn-ea"/>
-                <a:cs typeface="+mn-cs"/>
+              <a:t>（</a:t>
+            </a:r>
+            <a:r>
+              <a:rPr lang="en-US" altLang="zh-CN" dirty="0" smtClean="0">
+                <a:solidFill>
+                  <a:schemeClr val="tx1"/>
+                </a:solidFill>
               </a:rPr>
-              <a:t>F22</a:t>
-            </a:r>
-            <a:r>
-              <a:rPr lang="zh-CN" altLang="en-US" sz="1200" b="0" i="0" kern="1200" dirty="0" smtClean="0">
-                <a:solidFill>
-                  <a:schemeClr val="tx1"/>
-                </a:solidFill>
-                <a:effectLst/>
-                <a:latin typeface="+mn-lt"/>
-                <a:ea typeface="+mn-ea"/>
-                <a:cs typeface="+mn-cs"/>
+              <a:t>4195835/3145727</a:t>
+            </a:r>
+            <a:r>
+              <a:rPr lang="zh-CN" altLang="en-US" dirty="0" smtClean="0">
+                <a:solidFill>
+                  <a:schemeClr val="tx1"/>
+                </a:solidFill>
               </a:rPr>
-              <a:t>，出现这样小儿科式的失误，表明美国人的高科技和</a:t>
-            </a:r>
-            <a:r>
-              <a:rPr lang="en-US" altLang="zh-CN" sz="1200" b="0" i="0" kern="1200" dirty="0" smtClean="0">
-                <a:solidFill>
-                  <a:schemeClr val="tx1"/>
-                </a:solidFill>
-                <a:effectLst/>
-                <a:latin typeface="+mn-lt"/>
-                <a:ea typeface="+mn-ea"/>
-                <a:cs typeface="+mn-cs"/>
+              <a:t>）</a:t>
+            </a:r>
+            <a:r>
+              <a:rPr lang="en-US" altLang="zh-CN" dirty="0" smtClean="0">
+                <a:solidFill>
+                  <a:schemeClr val="tx1"/>
+                </a:solidFill>
               </a:rPr>
-              <a:t>F22</a:t>
-            </a:r>
-            <a:r>
-              <a:rPr lang="zh-CN" altLang="en-US" sz="1200" b="0" i="0" kern="1200" dirty="0" smtClean="0">
-                <a:solidFill>
-                  <a:schemeClr val="tx1"/>
-                </a:solidFill>
-                <a:effectLst/>
-                <a:latin typeface="+mn-lt"/>
-                <a:ea typeface="+mn-ea"/>
-                <a:cs typeface="+mn-cs"/>
+              <a:t>*3145727-4195835</a:t>
+            </a:r>
+            <a:r>
+              <a:rPr lang="zh-CN" altLang="en-US" dirty="0" smtClean="0">
+                <a:solidFill>
+                  <a:schemeClr val="tx1"/>
+                </a:solidFill>
               </a:rPr>
-              <a:t>优越的性能之中一定潜藏着人为或者人不为的隐患。这一事件，也应该给我国航空科研以深刻启示，技术上的创新和经验上的守旧同样重要，打造中国的空中猛禽，更应该精益求精才是。</a:t>
-            </a:r>
+              <a:t>，口算下，得几。显然是 </a:t>
+            </a:r>
+            <a:r>
+              <a:rPr lang="en-US" altLang="zh-CN" dirty="0" smtClean="0">
+                <a:solidFill>
+                  <a:schemeClr val="tx1"/>
+                </a:solidFill>
+              </a:rPr>
+              <a:t>0 </a:t>
+            </a:r>
+            <a:r>
+              <a:rPr lang="zh-CN" altLang="en-US" dirty="0" smtClean="0">
+                <a:solidFill>
+                  <a:schemeClr val="tx1"/>
+                </a:solidFill>
+              </a:rPr>
+              <a:t>，而老式的英特尔奔腾处理器计算不等于</a:t>
+            </a:r>
+            <a:r>
+              <a:rPr lang="en-US" altLang="zh-CN" dirty="0" smtClean="0">
+                <a:solidFill>
+                  <a:schemeClr val="tx1"/>
+                </a:solidFill>
+              </a:rPr>
+              <a:t>0</a:t>
+            </a:r>
+            <a:r>
+              <a:rPr lang="zh-CN" altLang="en-US" dirty="0" smtClean="0">
+                <a:solidFill>
+                  <a:schemeClr val="tx1"/>
+                </a:solidFill>
+              </a:rPr>
+              <a:t>，这个问题当时被测试人员 测试出来了，但是英特尔公司的高层没有重视这个问题，他们当时想，只有很少的科研人员才会用到这种算法，所以没有去修改，造成英特尔公司</a:t>
+            </a:r>
+            <a:r>
+              <a:rPr lang="en-US" altLang="zh-CN" dirty="0" smtClean="0">
+                <a:solidFill>
+                  <a:schemeClr val="tx1"/>
+                </a:solidFill>
+              </a:rPr>
+              <a:t>4</a:t>
+            </a:r>
+            <a:r>
+              <a:rPr lang="zh-CN" altLang="en-US" dirty="0" smtClean="0">
+                <a:solidFill>
+                  <a:schemeClr val="tx1"/>
+                </a:solidFill>
+              </a:rPr>
+              <a:t>亿美元的损失和巨大的名誉损失。</a:t>
+            </a:r>
+            <a:endParaRPr lang="en-US" altLang="zh-CN" dirty="0" smtClean="0">
+              <a:solidFill>
+                <a:schemeClr val="tx1"/>
+              </a:solidFill>
+            </a:endParaRPr>
+          </a:p>
+          <a:p>
+            <a:pPr marL="0" marR="0" lvl="0" indent="0" algn="l" defTabSz="914400" rtl="0" eaLnBrk="1" fontAlgn="auto" latinLnBrk="0" hangingPunct="1">
+              <a:lnSpc>
+                <a:spcPct val="100000"/>
+              </a:lnSpc>
+              <a:spcBef>
+                <a:spcPts val="0"/>
+              </a:spcBef>
+              <a:spcAft>
+                <a:spcPts val="0"/>
+              </a:spcAft>
+              <a:buClrTx/>
+              <a:buSzTx/>
+              <a:buFontTx/>
+              <a:buNone/>
+              <a:defRPr/>
+            </a:pPr>
+            <a:endParaRPr lang="en-US" altLang="zh-CN" dirty="0" smtClean="0">
+              <a:solidFill>
+                <a:schemeClr val="tx1"/>
+              </a:solidFill>
+            </a:endParaRPr>
+          </a:p>
+          <a:p>
+            <a:pPr marL="0" marR="0" lvl="0" indent="0" algn="l" defTabSz="914400" rtl="0" eaLnBrk="1" fontAlgn="auto" latinLnBrk="0" hangingPunct="1">
+              <a:lnSpc>
+                <a:spcPct val="100000"/>
+              </a:lnSpc>
+              <a:spcBef>
+                <a:spcPts val="0"/>
+              </a:spcBef>
+              <a:spcAft>
+                <a:spcPts val="0"/>
+              </a:spcAft>
+              <a:buClrTx/>
+              <a:buSzTx/>
+              <a:buFontTx/>
+              <a:buNone/>
+              <a:defRPr/>
+            </a:pPr>
+            <a:r>
+              <a:rPr lang="zh-CN" altLang="en-US" dirty="0" smtClean="0">
+                <a:solidFill>
+                  <a:schemeClr val="tx1"/>
+                </a:solidFill>
+              </a:rPr>
+              <a:t>第五个案例：</a:t>
+            </a:r>
+            <a:endParaRPr lang="en-US" altLang="zh-CN" dirty="0" smtClean="0">
+              <a:solidFill>
+                <a:schemeClr val="tx1"/>
+              </a:solidFill>
+            </a:endParaRPr>
+          </a:p>
+          <a:p>
+            <a:pPr marL="0" marR="0" lvl="0" indent="0" algn="l" defTabSz="914400" rtl="0" eaLnBrk="1" fontAlgn="auto" latinLnBrk="0" hangingPunct="1">
+              <a:lnSpc>
+                <a:spcPct val="100000"/>
+              </a:lnSpc>
+              <a:spcBef>
+                <a:spcPts val="0"/>
+              </a:spcBef>
+              <a:spcAft>
+                <a:spcPts val="0"/>
+              </a:spcAft>
+              <a:buClrTx/>
+              <a:buSzTx/>
+              <a:buFontTx/>
+              <a:buNone/>
+              <a:defRPr/>
+            </a:pPr>
+            <a:endParaRPr lang="en-US" altLang="zh-CN" dirty="0" smtClean="0">
+              <a:solidFill>
+                <a:schemeClr val="tx1"/>
+              </a:solidFill>
+            </a:endParaRPr>
+          </a:p>
+          <a:p>
+            <a:pPr marL="0" marR="0" lvl="0" indent="0" algn="l" defTabSz="914400" rtl="0" eaLnBrk="1" fontAlgn="auto" latinLnBrk="0" hangingPunct="1">
+              <a:lnSpc>
+                <a:spcPct val="100000"/>
+              </a:lnSpc>
+              <a:spcBef>
+                <a:spcPts val="0"/>
+              </a:spcBef>
+              <a:spcAft>
+                <a:spcPts val="0"/>
+              </a:spcAft>
+              <a:buClrTx/>
+              <a:buSzTx/>
+              <a:buFontTx/>
+              <a:buNone/>
+              <a:defRPr/>
+            </a:pPr>
+            <a:r>
+              <a:rPr lang="zh-CN" altLang="en-US" dirty="0" smtClean="0">
+                <a:solidFill>
+                  <a:schemeClr val="tx1"/>
+                </a:solidFill>
+              </a:rPr>
+              <a:t>打开系统自带的记事本，写入写，保存关闭，再打开，可以看到什么？这是微软系统的错误。</a:t>
+            </a:r>
+            <a:endParaRPr lang="en-US" altLang="zh-CN" dirty="0" smtClean="0">
+              <a:solidFill>
+                <a:schemeClr val="tx1"/>
+              </a:solidFill>
+            </a:endParaRPr>
+          </a:p>
+          <a:p>
+            <a:pPr marL="0" marR="0" lvl="0" indent="0" algn="l" defTabSz="914400" rtl="0" eaLnBrk="1" fontAlgn="auto" latinLnBrk="0" hangingPunct="1">
+              <a:lnSpc>
+                <a:spcPct val="100000"/>
+              </a:lnSpc>
+              <a:spcBef>
+                <a:spcPts val="0"/>
+              </a:spcBef>
+              <a:spcAft>
+                <a:spcPts val="0"/>
+              </a:spcAft>
+              <a:buClrTx/>
+              <a:buSzTx/>
+              <a:buFontTx/>
+              <a:buNone/>
+              <a:defRPr/>
+            </a:pPr>
+            <a:endParaRPr lang="en-US" altLang="zh-CN" dirty="0" smtClean="0">
+              <a:solidFill>
+                <a:schemeClr val="tx1"/>
+              </a:solidFill>
+            </a:endParaRPr>
+          </a:p>
+          <a:p>
+            <a:pPr marL="0" marR="0" lvl="0" indent="0" algn="l" defTabSz="914400" rtl="0" eaLnBrk="1" fontAlgn="auto" latinLnBrk="0" hangingPunct="1">
+              <a:lnSpc>
+                <a:spcPct val="100000"/>
+              </a:lnSpc>
+              <a:spcBef>
+                <a:spcPts val="0"/>
+              </a:spcBef>
+              <a:spcAft>
+                <a:spcPts val="0"/>
+              </a:spcAft>
+              <a:buClrTx/>
+              <a:buSzTx/>
+              <a:buFontTx/>
+              <a:buNone/>
+              <a:defRPr/>
+            </a:pPr>
+            <a:r>
+              <a:rPr lang="zh-CN" altLang="en-US" dirty="0" smtClean="0">
+                <a:solidFill>
+                  <a:schemeClr val="tx1"/>
+                </a:solidFill>
+              </a:rPr>
+              <a:t>类似于这样的错误，太多了，如前几年我们的</a:t>
+            </a:r>
+            <a:r>
+              <a:rPr lang="en-US" altLang="zh-CN" dirty="0" smtClean="0">
+                <a:solidFill>
+                  <a:schemeClr val="tx1"/>
+                </a:solidFill>
+              </a:rPr>
+              <a:t>12306</a:t>
+            </a:r>
+            <a:r>
+              <a:rPr lang="zh-CN" altLang="en-US" dirty="0" smtClean="0">
+                <a:solidFill>
+                  <a:schemeClr val="tx1"/>
+                </a:solidFill>
+              </a:rPr>
+              <a:t>铁路订票系统，</a:t>
+            </a:r>
+            <a:r>
+              <a:rPr lang="en-US" altLang="zh-CN" dirty="0" smtClean="0">
+                <a:solidFill>
+                  <a:schemeClr val="tx1"/>
+                </a:solidFill>
+              </a:rPr>
+              <a:t>2008</a:t>
+            </a:r>
+            <a:r>
+              <a:rPr lang="zh-CN" altLang="en-US" dirty="0" smtClean="0">
+                <a:solidFill>
+                  <a:schemeClr val="tx1"/>
+                </a:solidFill>
+              </a:rPr>
+              <a:t>年奥运会订票系统，</a:t>
+            </a:r>
+            <a:r>
+              <a:rPr lang="en-US" altLang="zh-CN" dirty="0" smtClean="0">
+                <a:solidFill>
+                  <a:schemeClr val="tx1"/>
+                </a:solidFill>
+              </a:rPr>
+              <a:t>ATM</a:t>
+            </a:r>
+            <a:r>
+              <a:rPr lang="zh-CN" altLang="en-US" dirty="0" smtClean="0">
+                <a:solidFill>
+                  <a:schemeClr val="tx1"/>
+                </a:solidFill>
+              </a:rPr>
+              <a:t>机多吐钱问题</a:t>
+            </a:r>
+            <a:r>
+              <a:rPr lang="en-US" altLang="zh-CN" dirty="0" smtClean="0">
+                <a:solidFill>
+                  <a:schemeClr val="tx1"/>
+                </a:solidFill>
+              </a:rPr>
+              <a:t>……</a:t>
+            </a:r>
+            <a:r>
+              <a:rPr lang="zh-CN" altLang="en-US" dirty="0" smtClean="0">
+                <a:solidFill>
+                  <a:schemeClr val="tx1"/>
+                </a:solidFill>
+              </a:rPr>
+              <a:t>你可能在想，这多吐钱的事，怎么没让我碰上，你别碰上，碰上是要惹牢狱之灾，没准还有生命危险。</a:t>
+            </a:r>
+            <a:endParaRPr lang="en-US" altLang="zh-CN" dirty="0" smtClean="0">
+              <a:solidFill>
+                <a:schemeClr val="tx1"/>
+              </a:solidFill>
+            </a:endParaRPr>
+          </a:p>
+          <a:p>
+            <a:pPr marL="0" marR="0" lvl="0" indent="0" algn="l" defTabSz="914400" rtl="0" eaLnBrk="1" fontAlgn="auto" latinLnBrk="0" hangingPunct="1">
+              <a:lnSpc>
+                <a:spcPct val="100000"/>
+              </a:lnSpc>
+              <a:spcBef>
+                <a:spcPts val="0"/>
+              </a:spcBef>
+              <a:spcAft>
+                <a:spcPts val="0"/>
+              </a:spcAft>
+              <a:buClrTx/>
+              <a:buSzTx/>
+              <a:buFontTx/>
+              <a:buNone/>
+              <a:defRPr/>
+            </a:pPr>
+            <a:endParaRPr lang="en-US" altLang="zh-CN" dirty="0" smtClean="0">
+              <a:solidFill>
+                <a:schemeClr val="tx1"/>
+              </a:solidFill>
+            </a:endParaRPr>
+          </a:p>
+          <a:p>
+            <a:pPr marL="0" marR="0" lvl="0" indent="0" algn="l" defTabSz="914400" rtl="0" eaLnBrk="1" fontAlgn="auto" latinLnBrk="0" hangingPunct="1">
+              <a:lnSpc>
+                <a:spcPct val="100000"/>
+              </a:lnSpc>
+              <a:spcBef>
+                <a:spcPts val="0"/>
+              </a:spcBef>
+              <a:spcAft>
+                <a:spcPts val="0"/>
+              </a:spcAft>
+              <a:buClrTx/>
+              <a:buSzTx/>
+              <a:buFontTx/>
+              <a:buNone/>
+              <a:defRPr/>
+            </a:pPr>
+            <a:r>
+              <a:rPr lang="zh-CN" altLang="en-US" dirty="0" smtClean="0">
+                <a:solidFill>
+                  <a:schemeClr val="tx1"/>
+                </a:solidFill>
+              </a:rPr>
+              <a:t>所以，大家想想软件的质量重要不重要，非常重要，任何产品的质量的非常重要，软件产品更是。一个计算错误，没准能导致飞机失事，很有可能</a:t>
+            </a:r>
+            <a:r>
+              <a:rPr lang="en-US" altLang="zh-CN" dirty="0" smtClean="0">
+                <a:solidFill>
+                  <a:schemeClr val="tx1"/>
+                </a:solidFill>
+              </a:rPr>
+              <a:t>……</a:t>
+            </a:r>
+            <a:r>
+              <a:rPr lang="zh-CN" altLang="en-US" dirty="0" smtClean="0">
+                <a:solidFill>
+                  <a:schemeClr val="tx1"/>
+                </a:solidFill>
+              </a:rPr>
+              <a:t>，这个事情想想非常恐怖，所以，我们是做软件的，我们要做好软件产品的质量，从学习软件测试开始。</a:t>
+            </a:r>
+            <a:endParaRPr lang="en-US" altLang="zh-CN" dirty="0" smtClean="0">
+              <a:solidFill>
+                <a:schemeClr val="tx1"/>
+              </a:solidFill>
+            </a:endParaRPr>
+          </a:p>
+          <a:p>
+            <a:endParaRPr lang="en-US" altLang="zh-CN" dirty="0" smtClean="0"/>
+          </a:p>
+          <a:p>
+            <a:endParaRPr lang="en-US" altLang="zh-CN" dirty="0" smtClean="0"/>
+          </a:p>
+          <a:p>
+            <a:endParaRPr lang="en-US" altLang="zh-CN" dirty="0" smtClean="0"/>
+          </a:p>
+          <a:p>
+            <a:endParaRPr lang="en-US" altLang="zh-CN" dirty="0" smtClean="0"/>
+          </a:p>
+          <a:p>
+            <a:endParaRPr lang="en-US" altLang="zh-CN" dirty="0" smtClean="0"/>
+          </a:p>
+          <a:p>
+            <a:endParaRPr lang="en-US" altLang="zh-CN" dirty="0" smtClean="0"/>
+          </a:p>
+          <a:p>
+            <a:endParaRPr lang="en-US" altLang="zh-CN" dirty="0" smtClean="0"/>
+          </a:p>
+          <a:p>
+            <a:endParaRPr lang="en-US" altLang="zh-CN" dirty="0" smtClean="0"/>
+          </a:p>
+          <a:p>
+            <a:endParaRPr lang="en-US" altLang="zh-CN" dirty="0" smtClean="0"/>
+          </a:p>
+          <a:p>
+            <a:endParaRPr lang="en-US" altLang="zh-CN" dirty="0" smtClean="0"/>
+          </a:p>
+          <a:p>
+            <a:endParaRPr lang="en-US" altLang="zh-CN" dirty="0" smtClean="0"/>
+          </a:p>
+          <a:p>
+            <a:endParaRPr lang="en-US" altLang="zh-CN" dirty="0" smtClean="0"/>
+          </a:p>
+          <a:p>
+            <a:endParaRPr lang="en-US" altLang="zh-CN" dirty="0" smtClean="0"/>
+          </a:p>
+          <a:p>
             <a:endParaRPr lang="zh-CN" altLang="en-US" dirty="0"/>
           </a:p>
         </p:txBody>
@@ -2102,7 +2012,7 @@
           <a:bodyPr/>
           <a:lstStyle/>
           <a:p>
-            <a:fld id="{9294396F-7CC6-42E5-83BE-72592AAF95CF}" type="slidenum">
+            <a:fld id="{7E6D7D06-67E9-4228-9B8A-6529393A6330}" type="slidenum">
               <a:rPr lang="zh-CN" altLang="en-US" smtClean="0"/>
             </a:fld>
             <a:endParaRPr lang="zh-CN" altLang="en-US"/>
@@ -2118,6 +2028,144 @@
 </file>
 
 <file path=ppt/notesSlides/notesSlide6.xml><?xml version="1.0" encoding="utf-8"?>
+<p:notes xmlns:a="http://schemas.openxmlformats.org/drawingml/2006/main" xmlns:r="http://schemas.openxmlformats.org/officeDocument/2006/relationships" xmlns:p="http://schemas.openxmlformats.org/presentationml/2006/main">
+  <p:cSld>
+    <p:spTree>
+      <p:nvGrpSpPr>
+        <p:cNvPr id="1" name=""/>
+        <p:cNvGrpSpPr/>
+        <p:nvPr/>
+      </p:nvGrpSpPr>
+      <p:grpSpPr>
+        <a:xfrm>
+          <a:off x="0" y="0"/>
+          <a:ext cx="0" cy="0"/>
+          <a:chOff x="0" y="0"/>
+          <a:chExt cx="0" cy="0"/>
+        </a:xfrm>
+      </p:grpSpPr>
+      <p:sp>
+        <p:nvSpPr>
+          <p:cNvPr id="2" name="幻灯片图像占位符 1"/>
+          <p:cNvSpPr>
+            <a:spLocks noGrp="1" noRot="1" noChangeAspect="1"/>
+          </p:cNvSpPr>
+          <p:nvPr>
+            <p:ph type="sldImg"/>
+          </p:nvPr>
+        </p:nvSpPr>
+        <p:spPr/>
+      </p:sp>
+      <p:sp>
+        <p:nvSpPr>
+          <p:cNvPr id="3" name="备注占位符 2"/>
+          <p:cNvSpPr>
+            <a:spLocks noGrp="1"/>
+          </p:cNvSpPr>
+          <p:nvPr>
+            <p:ph type="body" idx="1"/>
+          </p:nvPr>
+        </p:nvSpPr>
+        <p:spPr/>
+        <p:txBody>
+          <a:bodyPr/>
+          <a:lstStyle/>
+          <a:p>
+            <a:r>
+              <a:rPr lang="zh-CN" altLang="en-US" sz="1200" b="0" i="0" kern="1200" dirty="0" smtClean="0">
+                <a:solidFill>
+                  <a:schemeClr val="tx1"/>
+                </a:solidFill>
+                <a:effectLst/>
+                <a:latin typeface="+mn-lt"/>
+                <a:ea typeface="+mn-ea"/>
+                <a:cs typeface="+mn-cs"/>
+              </a:rPr>
+              <a:t>让美军引以为荣的</a:t>
+            </a:r>
+            <a:r>
+              <a:rPr lang="en-US" altLang="zh-CN" sz="1200" b="0" i="0" kern="1200" dirty="0" smtClean="0">
+                <a:solidFill>
+                  <a:schemeClr val="tx1"/>
+                </a:solidFill>
+                <a:effectLst/>
+                <a:latin typeface="+mn-lt"/>
+                <a:ea typeface="+mn-ea"/>
+                <a:cs typeface="+mn-cs"/>
+              </a:rPr>
+              <a:t>F22</a:t>
+            </a:r>
+            <a:r>
+              <a:rPr lang="zh-CN" altLang="en-US" sz="1200" b="0" i="0" kern="1200" dirty="0" smtClean="0">
+                <a:solidFill>
+                  <a:schemeClr val="tx1"/>
+                </a:solidFill>
+                <a:effectLst/>
+                <a:latin typeface="+mn-lt"/>
+                <a:ea typeface="+mn-ea"/>
+                <a:cs typeface="+mn-cs"/>
+              </a:rPr>
+              <a:t>，出现这样小儿科式的失误，表明美国人的高科技和</a:t>
+            </a:r>
+            <a:r>
+              <a:rPr lang="en-US" altLang="zh-CN" sz="1200" b="0" i="0" kern="1200" dirty="0" smtClean="0">
+                <a:solidFill>
+                  <a:schemeClr val="tx1"/>
+                </a:solidFill>
+                <a:effectLst/>
+                <a:latin typeface="+mn-lt"/>
+                <a:ea typeface="+mn-ea"/>
+                <a:cs typeface="+mn-cs"/>
+              </a:rPr>
+              <a:t>F22</a:t>
+            </a:r>
+            <a:r>
+              <a:rPr lang="zh-CN" altLang="en-US" sz="1200" b="0" i="0" kern="1200" dirty="0" smtClean="0">
+                <a:solidFill>
+                  <a:schemeClr val="tx1"/>
+                </a:solidFill>
+                <a:effectLst/>
+                <a:latin typeface="+mn-lt"/>
+                <a:ea typeface="+mn-ea"/>
+                <a:cs typeface="+mn-cs"/>
+              </a:rPr>
+              <a:t>优越的性能之中一定潜藏着人为或者人不为的隐患。这一事件，也应该给我国航空科研以深刻启示，技术上的创新和经验上的守旧同样重要，打造中国的空中猛禽，更应该精益求精才是。</a:t>
+            </a:r>
+            <a:endParaRPr lang="zh-CN" altLang="en-US" dirty="0"/>
+          </a:p>
+        </p:txBody>
+      </p:sp>
+      <p:sp>
+        <p:nvSpPr>
+          <p:cNvPr id="4" name="灯片编号占位符 3"/>
+          <p:cNvSpPr>
+            <a:spLocks noGrp="1"/>
+          </p:cNvSpPr>
+          <p:nvPr>
+            <p:ph type="sldNum" sz="quarter" idx="10"/>
+          </p:nvPr>
+        </p:nvSpPr>
+        <p:spPr/>
+        <p:txBody>
+          <a:bodyPr/>
+          <a:lstStyle/>
+          <a:p>
+            <a:fld id="{9294396F-7CC6-42E5-83BE-72592AAF95CF}" type="slidenum">
+              <a:rPr lang="zh-CN" altLang="en-US" smtClean="0"/>
+            </a:fld>
+            <a:endParaRPr lang="zh-CN" altLang="en-US"/>
+          </a:p>
+        </p:txBody>
+      </p:sp>
+    </p:spTree>
+  </p:cSld>
+  <p:clrMapOvr>
+    <a:masterClrMapping/>
+  </p:clrMapOvr>
+</p:notes>
+</file>
+
+<file path=ppt/notesSlides/notesSlide7.xml><?xml version="1.0" encoding="utf-8"?>
 <p:notes xmlns:a="http://schemas.openxmlformats.org/drawingml/2006/main" xmlns:r="http://schemas.openxmlformats.org/officeDocument/2006/relationships" xmlns:p="http://schemas.openxmlformats.org/presentationml/2006/main">
   <p:cSld>
     <p:spTree>
@@ -2169,7 +2217,7 @@
 </p:notes>
 </file>
 
-<file path=ppt/notesSlides/notesSlide7.xml><?xml version="1.0" encoding="utf-8"?>
+<file path=ppt/notesSlides/notesSlide8.xml><?xml version="1.0" encoding="utf-8"?>
 <p:notes xmlns:a="http://schemas.openxmlformats.org/drawingml/2006/main" xmlns:r="http://schemas.openxmlformats.org/officeDocument/2006/relationships" xmlns:p="http://schemas.openxmlformats.org/presentationml/2006/main">
   <p:cSld>
     <p:spTree>
@@ -10091,10 +10139,6 @@
               <a:t>30%~50%</a:t>
             </a:r>
             <a:endParaRPr lang="en-US" altLang="zh-CN" sz="2800" b="1" smtClean="0"/>
-          </a:p>
-          <a:p>
-            <a:pPr lvl="1" eaLnBrk="1" hangingPunct="1"/>
-            <a:endParaRPr lang="en-US" altLang="zh-CN" sz="3100" b="1" smtClean="0"/>
           </a:p>
           <a:p>
             <a:pPr lvl="1" eaLnBrk="1" hangingPunct="1"/>
@@ -33459,7 +33503,7 @@
             <a:pPr lvl="1" algn="just" eaLnBrk="1" hangingPunct="1"/>
             <a:r>
               <a:rPr lang="zh-CN" sz="3100" b="1" smtClean="0"/>
-              <a:t>软件不会磨损，但会随硬件设备及用户需求的不断变化而不断需要进行升级，甚至也可能被淘汰 </a:t>
+              <a:t>软件不会磨损，但会随硬件设备及用户需求的不断变化而不断需要升级，甚至也可能被淘汰 </a:t>
             </a:r>
             <a:endParaRPr lang="zh-CN" sz="3100" b="1" smtClean="0"/>
           </a:p>
@@ -36600,7 +36644,7 @@
         </p:blipFill>
         <p:spPr>
           <a:xfrm>
-            <a:off x="5605145" y="3208020"/>
+            <a:off x="5533390" y="3208020"/>
             <a:ext cx="3521710" cy="2929890"/>
           </a:xfrm>
           <a:prstGeom prst="rect">

--- a/PPT/第一部分 软件测试概述/1 软件测试核心概念.pptx
+++ b/PPT/第一部分 软件测试概述/1 软件测试核心概念.pptx
@@ -6,7 +6,7 @@
     <p:sldMasterId id="2147483854" r:id="rId2"/>
   </p:sldMasterIdLst>
   <p:notesMasterIdLst>
-    <p:notesMasterId r:id="rId68"/>
+    <p:notesMasterId r:id="rId56"/>
   </p:notesMasterIdLst>
   <p:sldIdLst>
     <p:sldId id="256" r:id="rId3"/>
@@ -61,19 +61,7 @@
     <p:sldId id="278" r:id="rId52"/>
     <p:sldId id="340" r:id="rId53"/>
     <p:sldId id="280" r:id="rId54"/>
-    <p:sldId id="303" r:id="rId55"/>
-    <p:sldId id="309" r:id="rId56"/>
-    <p:sldId id="304" r:id="rId57"/>
-    <p:sldId id="305" r:id="rId58"/>
-    <p:sldId id="306" r:id="rId59"/>
-    <p:sldId id="308" r:id="rId60"/>
-    <p:sldId id="310" r:id="rId61"/>
-    <p:sldId id="311" r:id="rId62"/>
-    <p:sldId id="312" r:id="rId63"/>
-    <p:sldId id="313" r:id="rId64"/>
-    <p:sldId id="314" r:id="rId65"/>
-    <p:sldId id="315" r:id="rId66"/>
-    <p:sldId id="316" r:id="rId67"/>
+    <p:sldId id="316" r:id="rId55"/>
   </p:sldIdLst>
   <p:sldSz cx="9144000" cy="6858000" type="screen4x3"/>
   <p:notesSz cx="6858000" cy="9144000"/>
@@ -782,7 +770,12 @@
             <p:ph type="sldImg"/>
           </p:nvPr>
         </p:nvSpPr>
-        <p:spPr/>
+        <p:spPr>
+          <a:xfrm>
+            <a:off x="1143000" y="685800"/>
+            <a:ext cx="4572000" cy="3429000"/>
+          </a:xfrm>
+        </p:spPr>
       </p:sp>
       <p:sp>
         <p:nvSpPr>
@@ -992,7 +985,12 @@
             <p:ph type="sldImg"/>
           </p:nvPr>
         </p:nvSpPr>
-        <p:spPr/>
+        <p:spPr>
+          <a:xfrm>
+            <a:off x="1143000" y="685800"/>
+            <a:ext cx="4572000" cy="3429000"/>
+          </a:xfrm>
+        </p:spPr>
       </p:sp>
       <p:sp>
         <p:nvSpPr>
@@ -1205,7 +1203,12 @@
             <p:ph type="sldImg"/>
           </p:nvPr>
         </p:nvSpPr>
-        <p:spPr/>
+        <p:spPr>
+          <a:xfrm>
+            <a:off x="1143000" y="685800"/>
+            <a:ext cx="4572000" cy="3429000"/>
+          </a:xfrm>
+        </p:spPr>
       </p:sp>
       <p:sp>
         <p:nvSpPr>
@@ -1904,7 +1907,12 @@
             <p:ph type="sldImg"/>
           </p:nvPr>
         </p:nvSpPr>
-        <p:spPr/>
+        <p:spPr>
+          <a:xfrm>
+            <a:off x="1143000" y="685800"/>
+            <a:ext cx="4572000" cy="3429000"/>
+          </a:xfrm>
+        </p:spPr>
       </p:sp>
       <p:sp>
         <p:nvSpPr>
@@ -2050,7 +2058,7 @@
         </p:nvSpPr>
         <p:spPr>
           <a:xfrm>
-            <a:off x="685800" y="2130425"/>
+            <a:off x="685800" y="2130426"/>
             <a:ext cx="7772400" cy="1470025"/>
           </a:xfrm>
         </p:spPr>
@@ -2466,7 +2474,7 @@
         </p:nvSpPr>
         <p:spPr>
           <a:xfrm>
-            <a:off x="6573838" y="304800"/>
+            <a:off x="6573840" y="304800"/>
             <a:ext cx="2001837" cy="5715000"/>
           </a:xfrm>
         </p:spPr>
@@ -2675,7 +2683,7 @@
         </p:nvSpPr>
         <p:spPr>
           <a:xfrm>
-            <a:off x="685800" y="2130425"/>
+            <a:off x="685800" y="2130426"/>
             <a:ext cx="7772400" cy="1470025"/>
           </a:xfrm>
         </p:spPr>
@@ -3091,7 +3099,7 @@
         </p:nvSpPr>
         <p:spPr>
           <a:xfrm>
-            <a:off x="722313" y="4406900"/>
+            <a:off x="722313" y="4406901"/>
             <a:ext cx="7772400" cy="1362075"/>
           </a:xfrm>
         </p:spPr>
@@ -3629,7 +3637,7 @@
         </p:nvSpPr>
         <p:spPr>
           <a:xfrm>
-            <a:off x="457200" y="274638"/>
+            <a:off x="457200" y="274637"/>
             <a:ext cx="8229600" cy="1143000"/>
           </a:xfrm>
         </p:spPr>
@@ -3662,7 +3670,7 @@
         <p:spPr>
           <a:xfrm>
             <a:off x="457200" y="1535113"/>
-            <a:ext cx="4040188" cy="639762"/>
+            <a:ext cx="4040188" cy="639763"/>
           </a:xfrm>
         </p:spPr>
         <p:txBody>
@@ -3811,8 +3819,8 @@
         </p:nvSpPr>
         <p:spPr>
           <a:xfrm>
-            <a:off x="4645025" y="1535113"/>
-            <a:ext cx="4041775" cy="639762"/>
+            <a:off x="4645027" y="1535113"/>
+            <a:ext cx="4041775" cy="639763"/>
           </a:xfrm>
         </p:spPr>
         <p:txBody>
@@ -3876,7 +3884,7 @@
         </p:nvSpPr>
         <p:spPr>
           <a:xfrm>
-            <a:off x="4645025" y="2174875"/>
+            <a:off x="4645027" y="2174875"/>
             <a:ext cx="4041775" cy="3951288"/>
           </a:xfrm>
         </p:spPr>
@@ -4356,8 +4364,8 @@
         </p:nvSpPr>
         <p:spPr>
           <a:xfrm>
-            <a:off x="457200" y="273050"/>
-            <a:ext cx="3008313" cy="1162050"/>
+            <a:off x="457202" y="273049"/>
+            <a:ext cx="3008313" cy="1162051"/>
           </a:xfrm>
         </p:spPr>
         <p:txBody>
@@ -4388,7 +4396,7 @@
         </p:nvSpPr>
         <p:spPr>
           <a:xfrm>
-            <a:off x="3575050" y="273050"/>
+            <a:off x="3575050" y="273052"/>
             <a:ext cx="5111750" cy="5853113"/>
           </a:xfrm>
         </p:spPr>
@@ -4473,7 +4481,7 @@
         </p:nvSpPr>
         <p:spPr>
           <a:xfrm>
-            <a:off x="457200" y="1435100"/>
+            <a:off x="457202" y="1435102"/>
             <a:ext cx="3008313" cy="4691063"/>
           </a:xfrm>
         </p:spPr>
@@ -4862,7 +4870,7 @@
         <p:spPr>
           <a:xfrm>
             <a:off x="1792288" y="4800600"/>
-            <a:ext cx="5486400" cy="566738"/>
+            <a:ext cx="5486400" cy="566739"/>
           </a:xfrm>
         </p:spPr>
         <p:txBody>
@@ -4956,7 +4964,7 @@
         <p:spPr>
           <a:xfrm>
             <a:off x="1792288" y="5367338"/>
-            <a:ext cx="5486400" cy="804862"/>
+            <a:ext cx="5486400" cy="804863"/>
           </a:xfrm>
         </p:spPr>
         <p:txBody>
@@ -5343,7 +5351,7 @@
         </p:nvSpPr>
         <p:spPr>
           <a:xfrm>
-            <a:off x="6573838" y="304800"/>
+            <a:off x="6573840" y="304800"/>
             <a:ext cx="2001837" cy="5715000"/>
           </a:xfrm>
         </p:spPr>
@@ -5552,7 +5560,7 @@
         </p:nvSpPr>
         <p:spPr>
           <a:xfrm>
-            <a:off x="722313" y="4406900"/>
+            <a:off x="722313" y="4406901"/>
             <a:ext cx="7772400" cy="1362075"/>
           </a:xfrm>
         </p:spPr>
@@ -6090,7 +6098,7 @@
         </p:nvSpPr>
         <p:spPr>
           <a:xfrm>
-            <a:off x="457200" y="274638"/>
+            <a:off x="457200" y="274637"/>
             <a:ext cx="8229600" cy="1143000"/>
           </a:xfrm>
         </p:spPr>
@@ -6123,7 +6131,7 @@
         <p:spPr>
           <a:xfrm>
             <a:off x="457200" y="1535113"/>
-            <a:ext cx="4040188" cy="639762"/>
+            <a:ext cx="4040188" cy="639763"/>
           </a:xfrm>
         </p:spPr>
         <p:txBody>
@@ -6272,8 +6280,8 @@
         </p:nvSpPr>
         <p:spPr>
           <a:xfrm>
-            <a:off x="4645025" y="1535113"/>
-            <a:ext cx="4041775" cy="639762"/>
+            <a:off x="4645027" y="1535113"/>
+            <a:ext cx="4041775" cy="639763"/>
           </a:xfrm>
         </p:spPr>
         <p:txBody>
@@ -6337,7 +6345,7 @@
         </p:nvSpPr>
         <p:spPr>
           <a:xfrm>
-            <a:off x="4645025" y="2174875"/>
+            <a:off x="4645027" y="2174875"/>
             <a:ext cx="4041775" cy="3951288"/>
           </a:xfrm>
         </p:spPr>
@@ -6817,8 +6825,8 @@
         </p:nvSpPr>
         <p:spPr>
           <a:xfrm>
-            <a:off x="457200" y="273050"/>
-            <a:ext cx="3008313" cy="1162050"/>
+            <a:off x="457202" y="273049"/>
+            <a:ext cx="3008313" cy="1162051"/>
           </a:xfrm>
         </p:spPr>
         <p:txBody>
@@ -6849,7 +6857,7 @@
         </p:nvSpPr>
         <p:spPr>
           <a:xfrm>
-            <a:off x="3575050" y="273050"/>
+            <a:off x="3575050" y="273052"/>
             <a:ext cx="5111750" cy="5853113"/>
           </a:xfrm>
         </p:spPr>
@@ -6934,7 +6942,7 @@
         </p:nvSpPr>
         <p:spPr>
           <a:xfrm>
-            <a:off x="457200" y="1435100"/>
+            <a:off x="457202" y="1435102"/>
             <a:ext cx="3008313" cy="4691063"/>
           </a:xfrm>
         </p:spPr>
@@ -7124,7 +7132,7 @@
         <p:spPr>
           <a:xfrm>
             <a:off x="1792288" y="4800600"/>
-            <a:ext cx="5486400" cy="566738"/>
+            <a:ext cx="5486400" cy="566739"/>
           </a:xfrm>
         </p:spPr>
         <p:txBody>
@@ -7218,7 +7226,7 @@
         <p:spPr>
           <a:xfrm>
             <a:off x="1792288" y="5367338"/>
-            <a:ext cx="5486400" cy="804862"/>
+            <a:ext cx="5486400" cy="804863"/>
           </a:xfrm>
         </p:spPr>
         <p:txBody>
@@ -7416,7 +7424,7 @@
         </p:nvSpPr>
         <p:spPr bwMode="auto">
           <a:xfrm>
-            <a:off x="574675" y="304800"/>
+            <a:off x="574675" y="304801"/>
             <a:ext cx="8001000" cy="1216025"/>
           </a:xfrm>
           <a:prstGeom prst="rect">
@@ -7558,7 +7566,7 @@
         </p:nvSpPr>
         <p:spPr bwMode="auto">
           <a:xfrm>
-            <a:off x="609600" y="1566863"/>
+            <a:off x="609600" y="1566865"/>
             <a:ext cx="7958138" cy="109537"/>
           </a:xfrm>
           <a:custGeom>
@@ -7712,7 +7720,7 @@
         <p:spPr bwMode="auto">
           <a:xfrm>
             <a:off x="609600" y="6245225"/>
-            <a:ext cx="1981200" cy="476250"/>
+            <a:ext cx="1981200" cy="476251"/>
           </a:xfrm>
           <a:prstGeom prst="rect">
             <a:avLst/>
@@ -7775,7 +7783,7 @@
         <p:spPr bwMode="auto">
           <a:xfrm>
             <a:off x="3124200" y="6245225"/>
-            <a:ext cx="2895600" cy="476250"/>
+            <a:ext cx="2895600" cy="476251"/>
           </a:xfrm>
           <a:prstGeom prst="rect">
             <a:avLst/>
@@ -7838,7 +7846,7 @@
         <p:spPr bwMode="auto">
           <a:xfrm>
             <a:off x="6553200" y="6245225"/>
-            <a:ext cx="1981200" cy="476250"/>
+            <a:ext cx="1981200" cy="476251"/>
           </a:xfrm>
           <a:prstGeom prst="rect">
             <a:avLst/>
@@ -8372,8 +8380,8 @@
         </p:nvSpPr>
         <p:spPr bwMode="auto">
           <a:xfrm>
-            <a:off x="685800" y="2393950"/>
-            <a:ext cx="7772400" cy="109538"/>
+            <a:off x="685800" y="2393949"/>
+            <a:ext cx="7772400" cy="109539"/>
           </a:xfrm>
           <a:custGeom>
             <a:avLst/>
@@ -8484,7 +8492,7 @@
         </p:nvSpPr>
         <p:spPr bwMode="auto">
           <a:xfrm>
-            <a:off x="574675" y="304800"/>
+            <a:off x="574675" y="304801"/>
             <a:ext cx="8001000" cy="1216025"/>
           </a:xfrm>
           <a:prstGeom prst="rect">
@@ -9553,7 +9561,7 @@
         <p:spPr bwMode="auto">
           <a:xfrm>
             <a:off x="6553200" y="6245225"/>
-            <a:ext cx="1981200" cy="476250"/>
+            <a:ext cx="1981200" cy="476251"/>
           </a:xfrm>
           <a:prstGeom prst="rect">
             <a:avLst/>
@@ -9840,7 +9848,7 @@
         <p:spPr bwMode="auto">
           <a:xfrm>
             <a:off x="6553200" y="6245225"/>
-            <a:ext cx="1981200" cy="476250"/>
+            <a:ext cx="1981200" cy="476251"/>
           </a:xfrm>
           <a:prstGeom prst="rect">
             <a:avLst/>
@@ -10127,7 +10135,7 @@
         <p:spPr bwMode="auto">
           <a:xfrm>
             <a:off x="6553200" y="6245225"/>
-            <a:ext cx="1981200" cy="476250"/>
+            <a:ext cx="1981200" cy="476251"/>
           </a:xfrm>
           <a:prstGeom prst="rect">
             <a:avLst/>
@@ -10430,7 +10438,7 @@
         <p:spPr bwMode="auto">
           <a:xfrm>
             <a:off x="6553200" y="6245225"/>
-            <a:ext cx="1981200" cy="476250"/>
+            <a:ext cx="1981200" cy="476251"/>
           </a:xfrm>
           <a:prstGeom prst="rect">
             <a:avLst/>
@@ -10624,7 +10632,7 @@
         </p:nvSpPr>
         <p:spPr>
           <a:xfrm>
-            <a:off x="566738" y="1752600"/>
+            <a:off x="566739" y="1752600"/>
             <a:ext cx="7966075" cy="4267200"/>
           </a:xfrm>
         </p:spPr>
@@ -10651,14 +10659,14 @@
           </p:nvPr>
         </p:nvGraphicFramePr>
         <p:xfrm>
-          <a:off x="2051050" y="2420938"/>
+          <a:off x="2051050" y="2420939"/>
           <a:ext cx="5113338" cy="3711575"/>
         </p:xfrm>
         <a:graphic>
           <a:graphicData uri="http://schemas.openxmlformats.org/presentationml/2006/ole">
             <mc:AlternateContent xmlns:mc="http://schemas.openxmlformats.org/markup-compatibility/2006">
               <mc:Choice xmlns:v="urn:schemas-microsoft-com:vml" Requires="v">
-                <p:oleObj spid="_x0000_s14355" r:id="rId3" imgW="3230280" imgH="2345760" progId="Visio.Drawing.11">
+                <p:oleObj spid="_x0000_s14359" r:id="rId3" imgW="3230280" imgH="2345760" progId="Visio.Drawing.11">
                   <p:embed/>
                 </p:oleObj>
               </mc:Choice>
@@ -10688,7 +10696,7 @@
                     </p:blipFill>
                     <p:spPr bwMode="auto">
                       <a:xfrm>
-                        <a:off x="2051050" y="2420938"/>
+                        <a:off x="2051050" y="2420939"/>
                         <a:ext cx="5113338" cy="3711575"/>
                       </a:xfrm>
                       <a:prstGeom prst="rect">
@@ -10779,7 +10787,7 @@
         <p:spPr bwMode="auto">
           <a:xfrm>
             <a:off x="6553200" y="6245225"/>
-            <a:ext cx="1981200" cy="476250"/>
+            <a:ext cx="1981200" cy="476251"/>
           </a:xfrm>
           <a:prstGeom prst="rect">
             <a:avLst/>
@@ -10999,8 +11007,8 @@
         </p:nvSpPr>
         <p:spPr bwMode="auto">
           <a:xfrm>
-            <a:off x="0" y="523875"/>
-            <a:ext cx="9144000" cy="0"/>
+            <a:off x="0" y="339208"/>
+            <a:ext cx="184731" cy="369332"/>
           </a:xfrm>
           <a:prstGeom prst="rect">
             <a:avLst/>
@@ -11048,14 +11056,14 @@
           <p:nvPr/>
         </p:nvGraphicFramePr>
         <p:xfrm>
-          <a:off x="4067175" y="-95250"/>
+          <a:off x="4067175" y="-95249"/>
           <a:ext cx="3900488" cy="6608763"/>
         </p:xfrm>
         <a:graphic>
           <a:graphicData uri="http://schemas.openxmlformats.org/presentationml/2006/ole">
             <mc:AlternateContent xmlns:mc="http://schemas.openxmlformats.org/markup-compatibility/2006">
               <mc:Choice xmlns:v="urn:schemas-microsoft-com:vml" Requires="v">
-                <p:oleObj spid="_x0000_s15380" r:id="rId3" imgW="4540320" imgH="7686720" progId="Visio.Drawing.11">
+                <p:oleObj spid="_x0000_s15384" r:id="rId3" imgW="4540320" imgH="7686720" progId="Visio.Drawing.11">
                   <p:embed/>
                 </p:oleObj>
               </mc:Choice>
@@ -11085,7 +11093,7 @@
                     </p:blipFill>
                     <p:spPr bwMode="auto">
                       <a:xfrm>
-                        <a:off x="4067175" y="-95250"/>
+                        <a:off x="4067175" y="-95249"/>
                         <a:ext cx="3900488" cy="6608763"/>
                       </a:xfrm>
                       <a:prstGeom prst="rect">
@@ -11161,7 +11169,7 @@
         <p:spPr bwMode="auto">
           <a:xfrm>
             <a:off x="6553200" y="6245225"/>
-            <a:ext cx="1981200" cy="476250"/>
+            <a:ext cx="1981200" cy="476251"/>
           </a:xfrm>
           <a:prstGeom prst="rect">
             <a:avLst/>
@@ -11448,7 +11456,7 @@
         <p:spPr bwMode="auto">
           <a:xfrm>
             <a:off x="6553200" y="6245225"/>
-            <a:ext cx="1981200" cy="476250"/>
+            <a:ext cx="1981200" cy="476251"/>
           </a:xfrm>
           <a:prstGeom prst="rect">
             <a:avLst/>
@@ -11756,7 +11764,7 @@
         <p:spPr bwMode="auto">
           <a:xfrm>
             <a:off x="6553200" y="6245225"/>
-            <a:ext cx="1981200" cy="476250"/>
+            <a:ext cx="1981200" cy="476251"/>
           </a:xfrm>
           <a:prstGeom prst="rect">
             <a:avLst/>
@@ -12099,7 +12107,7 @@
         <p:spPr bwMode="auto">
           <a:xfrm>
             <a:off x="6553200" y="6245225"/>
-            <a:ext cx="1981200" cy="476250"/>
+            <a:ext cx="1981200" cy="476251"/>
           </a:xfrm>
           <a:prstGeom prst="rect">
             <a:avLst/>
@@ -12332,7 +12340,7 @@
         </p:blipFill>
         <p:spPr bwMode="auto">
           <a:xfrm>
-            <a:off x="1979613" y="2565400"/>
+            <a:off x="1979613" y="2565401"/>
             <a:ext cx="4419600" cy="3171825"/>
           </a:xfrm>
           <a:prstGeom prst="rect">
@@ -12407,7 +12415,7 @@
         <p:spPr bwMode="auto">
           <a:xfrm>
             <a:off x="6553200" y="6245225"/>
-            <a:ext cx="1981200" cy="476250"/>
+            <a:ext cx="1981200" cy="476251"/>
           </a:xfrm>
           <a:prstGeom prst="rect">
             <a:avLst/>
@@ -12738,7 +12746,7 @@
         <p:spPr bwMode="auto">
           <a:xfrm>
             <a:off x="6553200" y="6245225"/>
-            <a:ext cx="1981200" cy="476250"/>
+            <a:ext cx="1981200" cy="476251"/>
           </a:xfrm>
           <a:prstGeom prst="rect">
             <a:avLst/>
@@ -13008,7 +13016,7 @@
         <p:spPr bwMode="auto">
           <a:xfrm>
             <a:off x="6553200" y="6245225"/>
-            <a:ext cx="1981200" cy="476250"/>
+            <a:ext cx="1981200" cy="476251"/>
           </a:xfrm>
           <a:prstGeom prst="rect">
             <a:avLst/>
@@ -13356,7 +13364,7 @@
         <p:spPr bwMode="auto">
           <a:xfrm>
             <a:off x="6553200" y="6245225"/>
-            <a:ext cx="1981200" cy="476250"/>
+            <a:ext cx="1981200" cy="476251"/>
           </a:xfrm>
           <a:prstGeom prst="rect">
             <a:avLst/>
@@ -14214,7 +14222,7 @@
         </p:nvSpPr>
         <p:spPr bwMode="auto">
           <a:xfrm rot="20449260">
-            <a:off x="7847013" y="1587500"/>
+            <a:off x="7847015" y="1587502"/>
             <a:ext cx="827087" cy="2517775"/>
           </a:xfrm>
           <a:prstGeom prst="curvedLeftArrow">
@@ -14258,8 +14266,8 @@
         </p:nvSpPr>
         <p:spPr>
           <a:xfrm>
-            <a:off x="534988" y="806450"/>
-            <a:ext cx="4587875" cy="676275"/>
+            <a:off x="534989" y="806450"/>
+            <a:ext cx="4588115" cy="677108"/>
           </a:xfrm>
           <a:prstGeom prst="rect">
             <a:avLst/>
@@ -14322,8 +14330,8 @@
           </p:nvPr>
         </p:nvGraphicFramePr>
         <p:xfrm>
-          <a:off x="350590" y="2133298"/>
-          <a:ext cx="3770313" cy="2874227"/>
+          <a:off x="350591" y="2133299"/>
+          <a:ext cx="3770313" cy="2874228"/>
         </p:xfrm>
         <a:graphic>
           <a:graphicData uri="http://schemas.openxmlformats.org/drawingml/2006/table">
@@ -14333,7 +14341,7 @@
                 <a:gridCol w="1503424"/>
                 <a:gridCol w="2266889"/>
               </a:tblGrid>
-              <a:tr h="286758">
+              <a:tr h="335283">
                 <a:tc>
                   <a:txBody>
                     <a:bodyPr/>
@@ -15548,8 +15556,8 @@
         </p:nvSpPr>
         <p:spPr>
           <a:xfrm>
-            <a:off x="534988" y="806450"/>
-            <a:ext cx="4587875" cy="676275"/>
+            <a:off x="534989" y="806450"/>
+            <a:ext cx="4588115" cy="677108"/>
           </a:xfrm>
           <a:prstGeom prst="rect">
             <a:avLst/>
@@ -15605,7 +15613,7 @@
         </p:nvSpPr>
         <p:spPr>
           <a:xfrm>
-            <a:off x="4998375" y="1899241"/>
+            <a:off x="4998375" y="1899242"/>
             <a:ext cx="4032448" cy="1754326"/>
           </a:xfrm>
           <a:prstGeom prst="rect">
@@ -15771,8 +15779,8 @@
         </p:nvSpPr>
         <p:spPr>
           <a:xfrm>
-            <a:off x="932793" y="2404988"/>
-            <a:ext cx="2443297" cy="584775"/>
+            <a:off x="814172" y="2404990"/>
+            <a:ext cx="2680542" cy="584775"/>
           </a:xfrm>
           <a:prstGeom prst="rect">
             <a:avLst/>
@@ -15908,7 +15916,7 @@
         </p:nvSpPr>
         <p:spPr>
           <a:xfrm>
-            <a:off x="3905366" y="2066433"/>
+            <a:off x="3905368" y="2066433"/>
             <a:ext cx="886781" cy="923330"/>
           </a:xfrm>
           <a:prstGeom prst="rect">
@@ -17941,7 +17949,7 @@
         <p:spPr bwMode="auto">
           <a:xfrm>
             <a:off x="6553200" y="6245225"/>
-            <a:ext cx="1981200" cy="476250"/>
+            <a:ext cx="1981200" cy="476251"/>
           </a:xfrm>
           <a:prstGeom prst="rect">
             <a:avLst/>
@@ -18243,7 +18251,7 @@
         <p:spPr bwMode="auto">
           <a:xfrm>
             <a:off x="6553200" y="6245225"/>
-            <a:ext cx="1981200" cy="476250"/>
+            <a:ext cx="1981200" cy="476251"/>
           </a:xfrm>
           <a:prstGeom prst="rect">
             <a:avLst/>
@@ -18552,7 +18560,7 @@
         <p:spPr bwMode="auto">
           <a:xfrm>
             <a:off x="6553200" y="6245225"/>
-            <a:ext cx="1981200" cy="476250"/>
+            <a:ext cx="1981200" cy="476251"/>
           </a:xfrm>
           <a:prstGeom prst="rect">
             <a:avLst/>
@@ -18854,7 +18862,7 @@
         <p:spPr bwMode="auto">
           <a:xfrm>
             <a:off x="6553200" y="6245225"/>
-            <a:ext cx="1981200" cy="476250"/>
+            <a:ext cx="1981200" cy="476251"/>
           </a:xfrm>
           <a:prstGeom prst="rect">
             <a:avLst/>
@@ -19148,7 +19156,7 @@
         <p:spPr bwMode="auto">
           <a:xfrm>
             <a:off x="6553200" y="6245225"/>
-            <a:ext cx="1981200" cy="476250"/>
+            <a:ext cx="1981200" cy="476251"/>
           </a:xfrm>
           <a:prstGeom prst="rect">
             <a:avLst/>
@@ -19442,7 +19450,7 @@
         </p:blipFill>
         <p:spPr bwMode="auto">
           <a:xfrm>
-            <a:off x="6829425" y="1595438"/>
+            <a:off x="6829427" y="1595439"/>
             <a:ext cx="714375" cy="800100"/>
           </a:xfrm>
           <a:prstGeom prst="rect">
@@ -19506,7 +19514,7 @@
         </p:blipFill>
         <p:spPr bwMode="auto">
           <a:xfrm>
-            <a:off x="6443663" y="2492375"/>
+            <a:off x="6443663" y="2492377"/>
             <a:ext cx="1905000" cy="2867025"/>
           </a:xfrm>
           <a:prstGeom prst="rect">
@@ -19570,8 +19578,8 @@
         </p:blipFill>
         <p:spPr bwMode="auto">
           <a:xfrm>
-            <a:off x="2339752" y="4402053"/>
-            <a:ext cx="3395886" cy="2319422"/>
+            <a:off x="2339752" y="4402054"/>
+            <a:ext cx="3395886" cy="2319423"/>
           </a:xfrm>
           <a:prstGeom prst="rect">
             <a:avLst/>
@@ -19656,7 +19664,7 @@
         </p:nvSpPr>
         <p:spPr>
           <a:xfrm>
-            <a:off x="573881" y="1055287"/>
+            <a:off x="573881" y="1055289"/>
             <a:ext cx="8001000" cy="1216025"/>
           </a:xfrm>
         </p:spPr>
@@ -19802,7 +19810,7 @@
         </p:blipFill>
         <p:spPr>
           <a:xfrm>
-            <a:off x="4904493" y="3212976"/>
+            <a:off x="4904493" y="3212977"/>
             <a:ext cx="2550000" cy="2542857"/>
           </a:xfrm>
           <a:prstGeom prst="rect">
@@ -19820,7 +19828,7 @@
         </p:nvSpPr>
         <p:spPr bwMode="auto">
           <a:xfrm>
-            <a:off x="116681" y="-144463"/>
+            <a:off x="116681" y="-144462"/>
             <a:ext cx="228600" cy="304801"/>
           </a:xfrm>
           <a:prstGeom prst="rect">
@@ -19859,7 +19867,7 @@
         </p:nvSpPr>
         <p:spPr bwMode="auto">
           <a:xfrm>
-            <a:off x="230981" y="7938"/>
+            <a:off x="230981" y="7939"/>
             <a:ext cx="228600" cy="304801"/>
           </a:xfrm>
           <a:prstGeom prst="rect">
@@ -19898,7 +19906,7 @@
         </p:nvSpPr>
         <p:spPr bwMode="auto">
           <a:xfrm>
-            <a:off x="345281" y="160338"/>
+            <a:off x="345281" y="160340"/>
             <a:ext cx="228600" cy="304801"/>
           </a:xfrm>
           <a:prstGeom prst="rect">
@@ -19943,7 +19951,7 @@
         </p:blipFill>
         <p:spPr>
           <a:xfrm>
-            <a:off x="6179493" y="957670"/>
+            <a:off x="6179495" y="957671"/>
             <a:ext cx="1421457" cy="2627284"/>
           </a:xfrm>
           <a:prstGeom prst="rect">
@@ -19961,7 +19969,7 @@
         </p:nvSpPr>
         <p:spPr bwMode="auto">
           <a:xfrm>
-            <a:off x="574675" y="304800"/>
+            <a:off x="574675" y="304801"/>
             <a:ext cx="8001000" cy="1216025"/>
           </a:xfrm>
           <a:prstGeom prst="rect">
@@ -20820,7 +20828,7 @@
         <p:spPr bwMode="auto">
           <a:xfrm>
             <a:off x="6553200" y="6245225"/>
-            <a:ext cx="1981200" cy="476250"/>
+            <a:ext cx="1981200" cy="476251"/>
           </a:xfrm>
           <a:prstGeom prst="rect">
             <a:avLst/>
@@ -21235,7 +21243,7 @@
         </p:blipFill>
         <p:spPr>
           <a:xfrm>
-            <a:off x="5404400" y="2600452"/>
+            <a:off x="5404400" y="2600453"/>
             <a:ext cx="3316540" cy="2758948"/>
           </a:xfrm>
           <a:prstGeom prst="rect">
@@ -21253,7 +21261,7 @@
         </p:nvSpPr>
         <p:spPr bwMode="auto">
           <a:xfrm>
-            <a:off x="539552" y="332656"/>
+            <a:off x="539552" y="332657"/>
             <a:ext cx="8001000" cy="1216025"/>
           </a:xfrm>
           <a:prstGeom prst="rect">
@@ -21879,7 +21887,7 @@
         </p:nvSpPr>
         <p:spPr>
           <a:xfrm>
-            <a:off x="116681" y="1857522"/>
+            <a:off x="116681" y="1857523"/>
             <a:ext cx="7886700" cy="4803775"/>
           </a:xfrm>
         </p:spPr>
@@ -21943,7 +21951,7 @@
         </p:nvSpPr>
         <p:spPr bwMode="auto">
           <a:xfrm>
-            <a:off x="116681" y="-144463"/>
+            <a:off x="116681" y="-144462"/>
             <a:ext cx="228600" cy="304801"/>
           </a:xfrm>
           <a:prstGeom prst="rect">
@@ -21982,7 +21990,7 @@
         </p:nvSpPr>
         <p:spPr bwMode="auto">
           <a:xfrm>
-            <a:off x="230981" y="7938"/>
+            <a:off x="230981" y="7939"/>
             <a:ext cx="228600" cy="304801"/>
           </a:xfrm>
           <a:prstGeom prst="rect">
@@ -22021,7 +22029,7 @@
         </p:nvSpPr>
         <p:spPr bwMode="auto">
           <a:xfrm>
-            <a:off x="345281" y="160338"/>
+            <a:off x="345281" y="160340"/>
             <a:ext cx="228600" cy="304801"/>
           </a:xfrm>
           <a:prstGeom prst="rect">
@@ -22066,7 +22074,7 @@
         </p:blipFill>
         <p:spPr>
           <a:xfrm>
-            <a:off x="5531800" y="4259410"/>
+            <a:off x="5531800" y="4259411"/>
             <a:ext cx="2500000" cy="2352381"/>
           </a:xfrm>
           <a:prstGeom prst="rect">
@@ -22084,7 +22092,7 @@
         </p:nvSpPr>
         <p:spPr bwMode="auto">
           <a:xfrm>
-            <a:off x="539552" y="332656"/>
+            <a:off x="539552" y="332657"/>
             <a:ext cx="8001000" cy="1216025"/>
           </a:xfrm>
           <a:prstGeom prst="rect">
@@ -22328,7 +22336,7 @@
         <p:spPr bwMode="auto">
           <a:xfrm>
             <a:off x="6553200" y="6245225"/>
-            <a:ext cx="1981200" cy="476250"/>
+            <a:ext cx="1981200" cy="476251"/>
           </a:xfrm>
           <a:prstGeom prst="rect">
             <a:avLst/>
@@ -22623,7 +22631,7 @@
         <p:spPr bwMode="auto">
           <a:xfrm>
             <a:off x="6553200" y="6245225"/>
-            <a:ext cx="1981200" cy="476250"/>
+            <a:ext cx="1981200" cy="476251"/>
           </a:xfrm>
           <a:prstGeom prst="rect">
             <a:avLst/>
@@ -22924,7 +22932,7 @@
         <p:spPr bwMode="auto">
           <a:xfrm>
             <a:off x="6553200" y="6245225"/>
-            <a:ext cx="1981200" cy="476250"/>
+            <a:ext cx="1981200" cy="476251"/>
           </a:xfrm>
           <a:prstGeom prst="rect">
             <a:avLst/>
@@ -23218,7 +23226,7 @@
         <p:spPr bwMode="auto">
           <a:xfrm>
             <a:off x="6553200" y="6245225"/>
-            <a:ext cx="1981200" cy="476250"/>
+            <a:ext cx="1981200" cy="476251"/>
           </a:xfrm>
           <a:prstGeom prst="rect">
             <a:avLst/>
@@ -23527,7 +23535,7 @@
         <p:spPr bwMode="auto">
           <a:xfrm>
             <a:off x="6553200" y="6245225"/>
-            <a:ext cx="1981200" cy="476250"/>
+            <a:ext cx="1981200" cy="476251"/>
           </a:xfrm>
           <a:prstGeom prst="rect">
             <a:avLst/>
@@ -23766,7 +23774,7 @@
         </p:blipFill>
         <p:spPr bwMode="auto">
           <a:xfrm>
-            <a:off x="1547813" y="2420938"/>
+            <a:off x="1547813" y="2420940"/>
             <a:ext cx="5619750" cy="3095625"/>
           </a:xfrm>
           <a:prstGeom prst="rect">
@@ -23841,7 +23849,7 @@
         <p:spPr bwMode="auto">
           <a:xfrm>
             <a:off x="6553200" y="6245225"/>
-            <a:ext cx="1981200" cy="476250"/>
+            <a:ext cx="1981200" cy="476251"/>
           </a:xfrm>
           <a:prstGeom prst="rect">
             <a:avLst/>
@@ -24131,7 +24139,7 @@
         <p:spPr bwMode="auto">
           <a:xfrm>
             <a:off x="6553200" y="6245225"/>
-            <a:ext cx="1981200" cy="476250"/>
+            <a:ext cx="1981200" cy="476251"/>
           </a:xfrm>
           <a:prstGeom prst="rect">
             <a:avLst/>
@@ -24450,7 +24458,7 @@
         <p:spPr bwMode="auto">
           <a:xfrm>
             <a:off x="6553200" y="6245225"/>
-            <a:ext cx="1981200" cy="476250"/>
+            <a:ext cx="1981200" cy="476251"/>
           </a:xfrm>
           <a:prstGeom prst="rect">
             <a:avLst/>
@@ -24666,8 +24674,8 @@
         </p:nvSpPr>
         <p:spPr bwMode="auto">
           <a:xfrm>
-            <a:off x="0" y="2476500"/>
-            <a:ext cx="9144000" cy="0"/>
+            <a:off x="0" y="2291834"/>
+            <a:ext cx="184731" cy="369332"/>
           </a:xfrm>
           <a:prstGeom prst="rect">
             <a:avLst/>
@@ -24712,17 +24720,23 @@
           <p:cNvGraphicFramePr>
             <a:graphicFrameLocks noChangeAspect="1"/>
           </p:cNvGraphicFramePr>
-          <p:nvPr/>
+          <p:nvPr>
+            <p:extLst>
+              <p:ext uri="{D42A27DB-BD31-4B8C-83A1-F6EECF244321}">
+                <p14:modId xmlns:p14="http://schemas.microsoft.com/office/powerpoint/2010/main" val="3022870378"/>
+              </p:ext>
+            </p:extLst>
+          </p:nvPr>
         </p:nvGraphicFramePr>
         <p:xfrm>
-          <a:off x="250825" y="2492375"/>
+          <a:off x="216803" y="2852936"/>
           <a:ext cx="8569325" cy="2949575"/>
         </p:xfrm>
         <a:graphic>
           <a:graphicData uri="http://schemas.openxmlformats.org/presentationml/2006/ole">
             <mc:AlternateContent xmlns:mc="http://schemas.openxmlformats.org/markup-compatibility/2006">
               <mc:Choice xmlns:v="urn:schemas-microsoft-com:vml" Requires="v">
-                <p:oleObj spid="_x0000_s39956" r:id="rId3" imgW="5626800" imgH="1936800" progId="Visio.Drawing.11">
+                <p:oleObj spid="_x0000_s39960" r:id="rId3" imgW="5626800" imgH="1936800" progId="Visio.Drawing.11">
                   <p:embed/>
                 </p:oleObj>
               </mc:Choice>
@@ -24752,7 +24766,7 @@
                     </p:blipFill>
                     <p:spPr bwMode="auto">
                       <a:xfrm>
-                        <a:off x="250825" y="2492375"/>
+                        <a:off x="216803" y="2852936"/>
                         <a:ext cx="8569325" cy="2949575"/>
                       </a:xfrm>
                       <a:prstGeom prst="rect">
@@ -24833,7 +24847,7 @@
         <p:spPr bwMode="auto">
           <a:xfrm>
             <a:off x="6553200" y="6245225"/>
-            <a:ext cx="1981200" cy="476250"/>
+            <a:ext cx="1981200" cy="476251"/>
           </a:xfrm>
           <a:prstGeom prst="rect">
             <a:avLst/>
@@ -25107,7 +25121,7 @@
         <p:spPr bwMode="auto">
           <a:xfrm>
             <a:off x="6553200" y="6245225"/>
-            <a:ext cx="1981200" cy="476250"/>
+            <a:ext cx="1981200" cy="476251"/>
           </a:xfrm>
           <a:prstGeom prst="rect">
             <a:avLst/>
@@ -25373,7 +25387,7 @@
         <p:spPr bwMode="auto">
           <a:xfrm>
             <a:off x="6553200" y="6245225"/>
-            <a:ext cx="1981200" cy="476250"/>
+            <a:ext cx="1981200" cy="476251"/>
           </a:xfrm>
           <a:prstGeom prst="rect">
             <a:avLst/>
@@ -25653,7 +25667,7 @@
         <p:spPr bwMode="auto">
           <a:xfrm>
             <a:off x="6553200" y="6245225"/>
-            <a:ext cx="1981200" cy="476250"/>
+            <a:ext cx="1981200" cy="476251"/>
           </a:xfrm>
           <a:prstGeom prst="rect">
             <a:avLst/>
@@ -25925,7 +25939,7 @@
         <p:spPr bwMode="auto">
           <a:xfrm>
             <a:off x="6553200" y="6245225"/>
-            <a:ext cx="1981200" cy="476250"/>
+            <a:ext cx="1981200" cy="476251"/>
           </a:xfrm>
           <a:prstGeom prst="rect">
             <a:avLst/>
@@ -26197,7 +26211,7 @@
         <p:spPr bwMode="auto">
           <a:xfrm>
             <a:off x="6553200" y="6245225"/>
-            <a:ext cx="1981200" cy="476250"/>
+            <a:ext cx="1981200" cy="476251"/>
           </a:xfrm>
           <a:prstGeom prst="rect">
             <a:avLst/>
@@ -26491,7 +26505,7 @@
         <p:spPr bwMode="auto">
           <a:xfrm>
             <a:off x="6553200" y="6245225"/>
-            <a:ext cx="1981200" cy="476250"/>
+            <a:ext cx="1981200" cy="476251"/>
           </a:xfrm>
           <a:prstGeom prst="rect">
             <a:avLst/>
@@ -26807,7 +26821,7 @@
         </p:blipFill>
         <p:spPr bwMode="auto">
           <a:xfrm>
-            <a:off x="285750" y="3786188"/>
+            <a:off x="285750" y="3786189"/>
             <a:ext cx="8540750" cy="1571625"/>
           </a:xfrm>
           <a:prstGeom prst="rect">
@@ -26882,7 +26896,7 @@
         <p:spPr bwMode="auto">
           <a:xfrm>
             <a:off x="6553200" y="6245225"/>
-            <a:ext cx="1981200" cy="476250"/>
+            <a:ext cx="1981200" cy="476251"/>
           </a:xfrm>
           <a:prstGeom prst="rect">
             <a:avLst/>
@@ -27115,7 +27129,7 @@
         </p:blipFill>
         <p:spPr bwMode="auto">
           <a:xfrm>
-            <a:off x="571500" y="2357438"/>
+            <a:off x="571500" y="2357439"/>
             <a:ext cx="8143875" cy="4154487"/>
           </a:xfrm>
           <a:prstGeom prst="rect">
@@ -27190,7 +27204,7 @@
         <p:spPr bwMode="auto">
           <a:xfrm>
             <a:off x="6553200" y="6245225"/>
-            <a:ext cx="1981200" cy="476250"/>
+            <a:ext cx="1981200" cy="476251"/>
           </a:xfrm>
           <a:prstGeom prst="rect">
             <a:avLst/>
@@ -27423,7 +27437,7 @@
         </p:blipFill>
         <p:spPr bwMode="auto">
           <a:xfrm>
-            <a:off x="430213" y="2500313"/>
+            <a:off x="430214" y="2500313"/>
             <a:ext cx="8428037" cy="2643187"/>
           </a:xfrm>
           <a:prstGeom prst="rect">
@@ -27498,7 +27512,7 @@
         <p:spPr bwMode="auto">
           <a:xfrm>
             <a:off x="6553200" y="6245225"/>
-            <a:ext cx="1981200" cy="476250"/>
+            <a:ext cx="1981200" cy="476251"/>
           </a:xfrm>
           <a:prstGeom prst="rect">
             <a:avLst/>
@@ -27871,7 +27885,7 @@
         <p:spPr bwMode="auto">
           <a:xfrm>
             <a:off x="6553200" y="6245225"/>
-            <a:ext cx="1981200" cy="476250"/>
+            <a:ext cx="1981200" cy="476251"/>
           </a:xfrm>
           <a:prstGeom prst="rect">
             <a:avLst/>
@@ -28160,7 +28174,7 @@
         <p:spPr bwMode="auto">
           <a:xfrm>
             <a:off x="6553200" y="6245225"/>
-            <a:ext cx="1981200" cy="476250"/>
+            <a:ext cx="1981200" cy="476251"/>
           </a:xfrm>
           <a:prstGeom prst="rect">
             <a:avLst/>
@@ -28448,7 +28462,7 @@
         <p:spPr bwMode="auto">
           <a:xfrm>
             <a:off x="6553200" y="6245225"/>
-            <a:ext cx="1981200" cy="476250"/>
+            <a:ext cx="1981200" cy="476251"/>
           </a:xfrm>
           <a:prstGeom prst="rect">
             <a:avLst/>
@@ -28713,7 +28727,7 @@
         <p:spPr bwMode="auto">
           <a:xfrm>
             <a:off x="6553200" y="6245225"/>
-            <a:ext cx="1981200" cy="476250"/>
+            <a:ext cx="1981200" cy="476251"/>
           </a:xfrm>
           <a:prstGeom prst="rect">
             <a:avLst/>
@@ -29173,7 +29187,7 @@
         <p:spPr bwMode="auto">
           <a:xfrm>
             <a:off x="6553200" y="6245225"/>
-            <a:ext cx="1981200" cy="476250"/>
+            <a:ext cx="1981200" cy="476251"/>
           </a:xfrm>
           <a:prstGeom prst="rect">
             <a:avLst/>
@@ -29477,7 +29491,57 @@
       </p:grpSpPr>
       <p:sp>
         <p:nvSpPr>
-          <p:cNvPr id="54274" name="灯片编号占位符 5"/>
+          <p:cNvPr id="66562" name="标题 1"/>
+          <p:cNvSpPr>
+            <a:spLocks noGrp="1"/>
+          </p:cNvSpPr>
+          <p:nvPr>
+            <p:ph type="title" idx="4294967295"/>
+          </p:nvPr>
+        </p:nvSpPr>
+        <p:spPr>
+          <a:xfrm>
+            <a:off x="755576" y="3212977"/>
+            <a:ext cx="8001000" cy="1216025"/>
+          </a:xfrm>
+        </p:spPr>
+        <p:txBody>
+          <a:bodyPr/>
+          <a:lstStyle/>
+          <a:p>
+            <a:pPr algn="ctr"/>
+            <a:r>
+              <a:rPr lang="zh-CN" b="1" dirty="0" smtClean="0">
+                <a:latin typeface="黑体" pitchFamily="49" charset="-122"/>
+                <a:ea typeface="黑体" pitchFamily="49" charset="-122"/>
+              </a:rPr>
+              <a:t>谢 谢</a:t>
+            </a:r>
+          </a:p>
+        </p:txBody>
+      </p:sp>
+      <p:sp>
+        <p:nvSpPr>
+          <p:cNvPr id="66563" name="内容占位符 2"/>
+          <p:cNvSpPr>
+            <a:spLocks noGrp="1"/>
+          </p:cNvSpPr>
+          <p:nvPr>
+            <p:ph idx="4294967295"/>
+          </p:nvPr>
+        </p:nvSpPr>
+        <p:spPr/>
+        <p:txBody>
+          <a:bodyPr/>
+          <a:lstStyle/>
+          <a:p>
+            <a:endParaRPr lang="zh-CN" altLang="zh-CN" smtClean="0"/>
+          </a:p>
+        </p:txBody>
+      </p:sp>
+      <p:sp>
+        <p:nvSpPr>
+          <p:cNvPr id="66564" name="灯片编号占位符 3"/>
           <p:cNvSpPr txBox="1">
             <a:spLocks noGrp="1" noChangeArrowheads="1"/>
           </p:cNvSpPr>
@@ -29486,7 +29550,7 @@
         <p:spPr bwMode="auto">
           <a:xfrm>
             <a:off x="6553200" y="6245225"/>
-            <a:ext cx="1981200" cy="476250"/>
+            <a:ext cx="1981200" cy="476251"/>
           </a:xfrm>
           <a:prstGeom prst="rect">
             <a:avLst/>
@@ -29626,7 +29690,7 @@
           </a:lstStyle>
           <a:p>
             <a:pPr algn="r" eaLnBrk="1" hangingPunct="1"/>
-            <a:fld id="{C1538537-197B-45EC-AAAD-8DD44EAF53E5}" type="slidenum">
+            <a:fld id="{2C94674F-49E1-416F-9C4D-1B58472BEB2A}" type="slidenum">
               <a:rPr lang="en-US" altLang="zh-CN" sz="1200"/>
               <a:pPr algn="r" eaLnBrk="1" hangingPunct="1"/>
               <a:t>53</a:t>
@@ -29635,2115 +29699,6 @@
           </a:p>
         </p:txBody>
       </p:sp>
-      <p:sp>
-        <p:nvSpPr>
-          <p:cNvPr id="54275" name="Rectangle 2"/>
-          <p:cNvSpPr>
-            <a:spLocks noGrp="1" noChangeArrowheads="1"/>
-          </p:cNvSpPr>
-          <p:nvPr>
-            <p:ph type="title" idx="4294967295"/>
-          </p:nvPr>
-        </p:nvSpPr>
-        <p:spPr/>
-        <p:txBody>
-          <a:bodyPr/>
-          <a:lstStyle/>
-          <a:p>
-            <a:pPr eaLnBrk="1" hangingPunct="1"/>
-            <a:r>
-              <a:rPr lang="en-US" altLang="zh-CN" b="1" smtClean="0">
-                <a:latin typeface="黑体" pitchFamily="49" charset="-122"/>
-                <a:ea typeface="黑体" pitchFamily="49" charset="-122"/>
-              </a:rPr>
-              <a:t>1.5 </a:t>
-            </a:r>
-            <a:r>
-              <a:rPr lang="zh-CN" b="1" smtClean="0">
-                <a:latin typeface="黑体" pitchFamily="49" charset="-122"/>
-                <a:ea typeface="黑体" pitchFamily="49" charset="-122"/>
-              </a:rPr>
-              <a:t>自动化测试</a:t>
-            </a:r>
-          </a:p>
-        </p:txBody>
-      </p:sp>
-      <p:sp>
-        <p:nvSpPr>
-          <p:cNvPr id="54276" name="Rectangle 3"/>
-          <p:cNvSpPr>
-            <a:spLocks noGrp="1" noChangeArrowheads="1"/>
-          </p:cNvSpPr>
-          <p:nvPr>
-            <p:ph type="body" idx="4294967295"/>
-          </p:nvPr>
-        </p:nvSpPr>
-        <p:spPr/>
-        <p:txBody>
-          <a:bodyPr/>
-          <a:lstStyle/>
-          <a:p>
-            <a:pPr eaLnBrk="1" hangingPunct="1"/>
-            <a:r>
-              <a:rPr lang="zh-CN" sz="3800" b="1" smtClean="0">
-                <a:solidFill>
-                  <a:srgbClr val="0000FF"/>
-                </a:solidFill>
-                <a:ea typeface="华文新魏" pitchFamily="2" charset="-122"/>
-              </a:rPr>
-              <a:t>捉虫实践四：如何消灭所有虫子？</a:t>
-            </a:r>
-          </a:p>
-          <a:p>
-            <a:pPr lvl="1" eaLnBrk="1" hangingPunct="1"/>
-            <a:r>
-              <a:rPr lang="zh-CN" sz="3400" b="1" smtClean="0">
-                <a:solidFill>
-                  <a:srgbClr val="0000FF"/>
-                </a:solidFill>
-                <a:ea typeface="华文新魏" pitchFamily="2" charset="-122"/>
-              </a:rPr>
-              <a:t>功能描述</a:t>
-            </a:r>
-          </a:p>
-          <a:p>
-            <a:pPr lvl="1" eaLnBrk="1" hangingPunct="1"/>
-            <a:r>
-              <a:rPr lang="zh-CN" sz="3400" b="1" smtClean="0">
-                <a:solidFill>
-                  <a:srgbClr val="0000FF"/>
-                </a:solidFill>
-                <a:ea typeface="华文新魏" pitchFamily="2" charset="-122"/>
-              </a:rPr>
-              <a:t>开始测试</a:t>
-            </a:r>
-          </a:p>
-          <a:p>
-            <a:pPr lvl="1" eaLnBrk="1" hangingPunct="1"/>
-            <a:r>
-              <a:rPr lang="zh-CN" sz="3400" b="1" smtClean="0">
-                <a:solidFill>
-                  <a:srgbClr val="0000FF"/>
-                </a:solidFill>
-                <a:ea typeface="华文新魏" pitchFamily="2" charset="-122"/>
-              </a:rPr>
-              <a:t>测试分析</a:t>
-            </a:r>
-          </a:p>
-          <a:p>
-            <a:pPr algn="just" eaLnBrk="1" hangingPunct="1"/>
-            <a:endParaRPr lang="en-US" altLang="zh-CN" sz="3500" b="1" smtClean="0"/>
-          </a:p>
-        </p:txBody>
-      </p:sp>
-    </p:spTree>
-  </p:cSld>
-  <p:clrMapOvr>
-    <a:masterClrMapping/>
-  </p:clrMapOvr>
-  <p:transition/>
-  <p:timing>
-    <p:tnLst>
-      <p:par>
-        <p:cTn id="1" dur="indefinite" restart="never" nodeType="tmRoot"/>
-      </p:par>
-    </p:tnLst>
-  </p:timing>
-</p:sld>
-</file>
-
-<file path=ppt/slides/slide54.xml><?xml version="1.0" encoding="utf-8"?>
-<p:sld xmlns:a="http://schemas.openxmlformats.org/drawingml/2006/main" xmlns:r="http://schemas.openxmlformats.org/officeDocument/2006/relationships" xmlns:p="http://schemas.openxmlformats.org/presentationml/2006/main">
-  <p:cSld>
-    <p:spTree>
-      <p:nvGrpSpPr>
-        <p:cNvPr id="1" name=""/>
-        <p:cNvGrpSpPr/>
-        <p:nvPr/>
-      </p:nvGrpSpPr>
-      <p:grpSpPr>
-        <a:xfrm>
-          <a:off x="0" y="0"/>
-          <a:ext cx="0" cy="0"/>
-          <a:chOff x="0" y="0"/>
-          <a:chExt cx="0" cy="0"/>
-        </a:xfrm>
-      </p:grpSpPr>
-      <p:sp>
-        <p:nvSpPr>
-          <p:cNvPr id="55298" name="灯片编号占位符 5"/>
-          <p:cNvSpPr txBox="1">
-            <a:spLocks noGrp="1" noChangeArrowheads="1"/>
-          </p:cNvSpPr>
-          <p:nvPr/>
-        </p:nvSpPr>
-        <p:spPr bwMode="auto">
-          <a:xfrm>
-            <a:off x="6553200" y="6245225"/>
-            <a:ext cx="1981200" cy="476250"/>
-          </a:xfrm>
-          <a:prstGeom prst="rect">
-            <a:avLst/>
-          </a:prstGeom>
-          <a:noFill/>
-          <a:ln>
-            <a:noFill/>
-          </a:ln>
-          <a:extLst>
-            <a:ext uri="{909E8E84-426E-40DD-AFC4-6F175D3DCCD1}">
-              <a14:hiddenFill xmlns:a14="http://schemas.microsoft.com/office/drawing/2010/main">
-                <a:solidFill>
-                  <a:srgbClr val="FFFFFF"/>
-                </a:solidFill>
-              </a14:hiddenFill>
-            </a:ext>
-            <a:ext uri="{91240B29-F687-4F45-9708-019B960494DF}">
-              <a14:hiddenLine xmlns:a14="http://schemas.microsoft.com/office/drawing/2010/main" w="9525">
-                <a:solidFill>
-                  <a:srgbClr val="000000"/>
-                </a:solidFill>
-                <a:miter lim="800000"/>
-                <a:headEnd/>
-                <a:tailEnd/>
-              </a14:hiddenLine>
-            </a:ext>
-          </a:extLst>
-        </p:spPr>
-        <p:txBody>
-          <a:bodyPr/>
-          <a:lstStyle>
-            <a:lvl1pPr eaLnBrk="0" hangingPunct="0">
-              <a:defRPr>
-                <a:solidFill>
-                  <a:schemeClr val="tx1"/>
-                </a:solidFill>
-                <a:latin typeface="Verdana" pitchFamily="34" charset="0"/>
-                <a:ea typeface="宋体" charset="-122"/>
-              </a:defRPr>
-            </a:lvl1pPr>
-            <a:lvl2pPr marL="742950" indent="-285750" eaLnBrk="0" hangingPunct="0">
-              <a:defRPr>
-                <a:solidFill>
-                  <a:schemeClr val="tx1"/>
-                </a:solidFill>
-                <a:latin typeface="Verdana" pitchFamily="34" charset="0"/>
-                <a:ea typeface="宋体" charset="-122"/>
-              </a:defRPr>
-            </a:lvl2pPr>
-            <a:lvl3pPr marL="1143000" indent="-228600" eaLnBrk="0" hangingPunct="0">
-              <a:defRPr>
-                <a:solidFill>
-                  <a:schemeClr val="tx1"/>
-                </a:solidFill>
-                <a:latin typeface="Verdana" pitchFamily="34" charset="0"/>
-                <a:ea typeface="宋体" charset="-122"/>
-              </a:defRPr>
-            </a:lvl3pPr>
-            <a:lvl4pPr marL="1600200" indent="-228600" eaLnBrk="0" hangingPunct="0">
-              <a:defRPr>
-                <a:solidFill>
-                  <a:schemeClr val="tx1"/>
-                </a:solidFill>
-                <a:latin typeface="Verdana" pitchFamily="34" charset="0"/>
-                <a:ea typeface="宋体" charset="-122"/>
-              </a:defRPr>
-            </a:lvl4pPr>
-            <a:lvl5pPr marL="2057400" indent="-228600" eaLnBrk="0" hangingPunct="0">
-              <a:defRPr>
-                <a:solidFill>
-                  <a:schemeClr val="tx1"/>
-                </a:solidFill>
-                <a:latin typeface="Verdana" pitchFamily="34" charset="0"/>
-                <a:ea typeface="宋体" charset="-122"/>
-              </a:defRPr>
-            </a:lvl5pPr>
-            <a:lvl6pPr marL="2514600" indent="-228600" eaLnBrk="0" fontAlgn="base" hangingPunct="0">
-              <a:spcBef>
-                <a:spcPct val="0"/>
-              </a:spcBef>
-              <a:spcAft>
-                <a:spcPct val="0"/>
-              </a:spcAft>
-              <a:defRPr>
-                <a:solidFill>
-                  <a:schemeClr val="tx1"/>
-                </a:solidFill>
-                <a:latin typeface="Verdana" pitchFamily="34" charset="0"/>
-                <a:ea typeface="宋体" charset="-122"/>
-              </a:defRPr>
-            </a:lvl6pPr>
-            <a:lvl7pPr marL="2971800" indent="-228600" eaLnBrk="0" fontAlgn="base" hangingPunct="0">
-              <a:spcBef>
-                <a:spcPct val="0"/>
-              </a:spcBef>
-              <a:spcAft>
-                <a:spcPct val="0"/>
-              </a:spcAft>
-              <a:defRPr>
-                <a:solidFill>
-                  <a:schemeClr val="tx1"/>
-                </a:solidFill>
-                <a:latin typeface="Verdana" pitchFamily="34" charset="0"/>
-                <a:ea typeface="宋体" charset="-122"/>
-              </a:defRPr>
-            </a:lvl7pPr>
-            <a:lvl8pPr marL="3429000" indent="-228600" eaLnBrk="0" fontAlgn="base" hangingPunct="0">
-              <a:spcBef>
-                <a:spcPct val="0"/>
-              </a:spcBef>
-              <a:spcAft>
-                <a:spcPct val="0"/>
-              </a:spcAft>
-              <a:defRPr>
-                <a:solidFill>
-                  <a:schemeClr val="tx1"/>
-                </a:solidFill>
-                <a:latin typeface="Verdana" pitchFamily="34" charset="0"/>
-                <a:ea typeface="宋体" charset="-122"/>
-              </a:defRPr>
-            </a:lvl8pPr>
-            <a:lvl9pPr marL="3886200" indent="-228600" eaLnBrk="0" fontAlgn="base" hangingPunct="0">
-              <a:spcBef>
-                <a:spcPct val="0"/>
-              </a:spcBef>
-              <a:spcAft>
-                <a:spcPct val="0"/>
-              </a:spcAft>
-              <a:defRPr>
-                <a:solidFill>
-                  <a:schemeClr val="tx1"/>
-                </a:solidFill>
-                <a:latin typeface="Verdana" pitchFamily="34" charset="0"/>
-                <a:ea typeface="宋体" charset="-122"/>
-              </a:defRPr>
-            </a:lvl9pPr>
-          </a:lstStyle>
-          <a:p>
-            <a:pPr algn="r" eaLnBrk="1" hangingPunct="1"/>
-            <a:fld id="{4031267A-9236-41F8-8E13-E1F90DC4A723}" type="slidenum">
-              <a:rPr lang="en-US" altLang="zh-CN" sz="1200"/>
-              <a:pPr algn="r" eaLnBrk="1" hangingPunct="1"/>
-              <a:t>54</a:t>
-            </a:fld>
-            <a:endParaRPr lang="en-US" altLang="zh-CN" sz="1200"/>
-          </a:p>
-        </p:txBody>
-      </p:sp>
-      <p:sp>
-        <p:nvSpPr>
-          <p:cNvPr id="55299" name="Rectangle 2"/>
-          <p:cNvSpPr>
-            <a:spLocks noGrp="1" noChangeArrowheads="1"/>
-          </p:cNvSpPr>
-          <p:nvPr>
-            <p:ph type="title" idx="4294967295"/>
-          </p:nvPr>
-        </p:nvSpPr>
-        <p:spPr/>
-        <p:txBody>
-          <a:bodyPr/>
-          <a:lstStyle/>
-          <a:p>
-            <a:pPr eaLnBrk="1" hangingPunct="1"/>
-            <a:r>
-              <a:rPr lang="en-US" altLang="zh-CN" b="1" smtClean="0">
-                <a:latin typeface="黑体" pitchFamily="49" charset="-122"/>
-                <a:ea typeface="黑体" pitchFamily="49" charset="-122"/>
-              </a:rPr>
-              <a:t>1.5 </a:t>
-            </a:r>
-            <a:r>
-              <a:rPr lang="zh-CN" b="1" smtClean="0">
-                <a:latin typeface="黑体" pitchFamily="49" charset="-122"/>
-                <a:ea typeface="黑体" pitchFamily="49" charset="-122"/>
-              </a:rPr>
-              <a:t>自动化测试</a:t>
-            </a:r>
-          </a:p>
-        </p:txBody>
-      </p:sp>
-      <p:sp>
-        <p:nvSpPr>
-          <p:cNvPr id="55300" name="Rectangle 3"/>
-          <p:cNvSpPr>
-            <a:spLocks noGrp="1" noChangeArrowheads="1"/>
-          </p:cNvSpPr>
-          <p:nvPr>
-            <p:ph type="body" idx="4294967295"/>
-          </p:nvPr>
-        </p:nvSpPr>
-        <p:spPr/>
-        <p:txBody>
-          <a:bodyPr/>
-          <a:lstStyle/>
-          <a:p>
-            <a:pPr eaLnBrk="1" hangingPunct="1"/>
-            <a:r>
-              <a:rPr lang="zh-CN" sz="3400" b="1" smtClean="0">
-                <a:solidFill>
-                  <a:srgbClr val="0000FF"/>
-                </a:solidFill>
-                <a:ea typeface="华文新魏" pitchFamily="2" charset="-122"/>
-              </a:rPr>
-              <a:t>功能描述</a:t>
-            </a:r>
-            <a:endParaRPr lang="zh-CN" sz="3400" b="1" smtClean="0"/>
-          </a:p>
-        </p:txBody>
-      </p:sp>
-      <p:pic>
-        <p:nvPicPr>
-          <p:cNvPr id="55302" name="Picture 5"/>
-          <p:cNvPicPr>
-            <a:picLocks noChangeAspect="1" noChangeArrowheads="1"/>
-          </p:cNvPicPr>
-          <p:nvPr/>
-        </p:nvPicPr>
-        <p:blipFill>
-          <a:blip r:embed="rId2">
-            <a:extLst>
-              <a:ext uri="{28A0092B-C50C-407E-A947-70E740481C1C}">
-                <a14:useLocalDpi xmlns:a14="http://schemas.microsoft.com/office/drawing/2010/main" val="0"/>
-              </a:ext>
-            </a:extLst>
-          </a:blip>
-          <a:srcRect/>
-          <a:stretch>
-            <a:fillRect/>
-          </a:stretch>
-        </p:blipFill>
-        <p:spPr bwMode="auto">
-          <a:xfrm>
-            <a:off x="971550" y="2492375"/>
-            <a:ext cx="7056438" cy="3529013"/>
-          </a:xfrm>
-          <a:prstGeom prst="rect">
-            <a:avLst/>
-          </a:prstGeom>
-          <a:noFill/>
-          <a:ln>
-            <a:noFill/>
-          </a:ln>
-          <a:extLst>
-            <a:ext uri="{909E8E84-426E-40DD-AFC4-6F175D3DCCD1}">
-              <a14:hiddenFill xmlns:a14="http://schemas.microsoft.com/office/drawing/2010/main">
-                <a:solidFill>
-                  <a:srgbClr val="FFFFFF"/>
-                </a:solidFill>
-              </a14:hiddenFill>
-            </a:ext>
-            <a:ext uri="{91240B29-F687-4F45-9708-019B960494DF}">
-              <a14:hiddenLine xmlns:a14="http://schemas.microsoft.com/office/drawing/2010/main" w="9525">
-                <a:solidFill>
-                  <a:srgbClr val="000000"/>
-                </a:solidFill>
-                <a:miter lim="800000"/>
-                <a:headEnd/>
-                <a:tailEnd/>
-              </a14:hiddenLine>
-            </a:ext>
-          </a:extLst>
-        </p:spPr>
-      </p:pic>
-    </p:spTree>
-  </p:cSld>
-  <p:clrMapOvr>
-    <a:masterClrMapping/>
-  </p:clrMapOvr>
-  <p:transition/>
-  <p:timing>
-    <p:tnLst>
-      <p:par>
-        <p:cTn id="1" dur="indefinite" restart="never" nodeType="tmRoot"/>
-      </p:par>
-    </p:tnLst>
-  </p:timing>
-</p:sld>
-</file>
-
-<file path=ppt/slides/slide55.xml><?xml version="1.0" encoding="utf-8"?>
-<p:sld xmlns:a="http://schemas.openxmlformats.org/drawingml/2006/main" xmlns:r="http://schemas.openxmlformats.org/officeDocument/2006/relationships" xmlns:p="http://schemas.openxmlformats.org/presentationml/2006/main">
-  <p:cSld>
-    <p:spTree>
-      <p:nvGrpSpPr>
-        <p:cNvPr id="1" name=""/>
-        <p:cNvGrpSpPr/>
-        <p:nvPr/>
-      </p:nvGrpSpPr>
-      <p:grpSpPr>
-        <a:xfrm>
-          <a:off x="0" y="0"/>
-          <a:ext cx="0" cy="0"/>
-          <a:chOff x="0" y="0"/>
-          <a:chExt cx="0" cy="0"/>
-        </a:xfrm>
-      </p:grpSpPr>
-      <p:sp>
-        <p:nvSpPr>
-          <p:cNvPr id="56322" name="灯片编号占位符 6"/>
-          <p:cNvSpPr txBox="1">
-            <a:spLocks noGrp="1" noChangeArrowheads="1"/>
-          </p:cNvSpPr>
-          <p:nvPr/>
-        </p:nvSpPr>
-        <p:spPr bwMode="auto">
-          <a:xfrm>
-            <a:off x="6553200" y="6245225"/>
-            <a:ext cx="1981200" cy="476250"/>
-          </a:xfrm>
-          <a:prstGeom prst="rect">
-            <a:avLst/>
-          </a:prstGeom>
-          <a:noFill/>
-          <a:ln>
-            <a:noFill/>
-          </a:ln>
-          <a:extLst>
-            <a:ext uri="{909E8E84-426E-40DD-AFC4-6F175D3DCCD1}">
-              <a14:hiddenFill xmlns:a14="http://schemas.microsoft.com/office/drawing/2010/main">
-                <a:solidFill>
-                  <a:srgbClr val="FFFFFF"/>
-                </a:solidFill>
-              </a14:hiddenFill>
-            </a:ext>
-            <a:ext uri="{91240B29-F687-4F45-9708-019B960494DF}">
-              <a14:hiddenLine xmlns:a14="http://schemas.microsoft.com/office/drawing/2010/main" w="9525">
-                <a:solidFill>
-                  <a:srgbClr val="000000"/>
-                </a:solidFill>
-                <a:miter lim="800000"/>
-                <a:headEnd/>
-                <a:tailEnd/>
-              </a14:hiddenLine>
-            </a:ext>
-          </a:extLst>
-        </p:spPr>
-        <p:txBody>
-          <a:bodyPr/>
-          <a:lstStyle>
-            <a:lvl1pPr eaLnBrk="0" hangingPunct="0">
-              <a:defRPr>
-                <a:solidFill>
-                  <a:schemeClr val="tx1"/>
-                </a:solidFill>
-                <a:latin typeface="Verdana" pitchFamily="34" charset="0"/>
-                <a:ea typeface="宋体" charset="-122"/>
-              </a:defRPr>
-            </a:lvl1pPr>
-            <a:lvl2pPr marL="742950" indent="-285750" eaLnBrk="0" hangingPunct="0">
-              <a:defRPr>
-                <a:solidFill>
-                  <a:schemeClr val="tx1"/>
-                </a:solidFill>
-                <a:latin typeface="Verdana" pitchFamily="34" charset="0"/>
-                <a:ea typeface="宋体" charset="-122"/>
-              </a:defRPr>
-            </a:lvl2pPr>
-            <a:lvl3pPr marL="1143000" indent="-228600" eaLnBrk="0" hangingPunct="0">
-              <a:defRPr>
-                <a:solidFill>
-                  <a:schemeClr val="tx1"/>
-                </a:solidFill>
-                <a:latin typeface="Verdana" pitchFamily="34" charset="0"/>
-                <a:ea typeface="宋体" charset="-122"/>
-              </a:defRPr>
-            </a:lvl3pPr>
-            <a:lvl4pPr marL="1600200" indent="-228600" eaLnBrk="0" hangingPunct="0">
-              <a:defRPr>
-                <a:solidFill>
-                  <a:schemeClr val="tx1"/>
-                </a:solidFill>
-                <a:latin typeface="Verdana" pitchFamily="34" charset="0"/>
-                <a:ea typeface="宋体" charset="-122"/>
-              </a:defRPr>
-            </a:lvl4pPr>
-            <a:lvl5pPr marL="2057400" indent="-228600" eaLnBrk="0" hangingPunct="0">
-              <a:defRPr>
-                <a:solidFill>
-                  <a:schemeClr val="tx1"/>
-                </a:solidFill>
-                <a:latin typeface="Verdana" pitchFamily="34" charset="0"/>
-                <a:ea typeface="宋体" charset="-122"/>
-              </a:defRPr>
-            </a:lvl5pPr>
-            <a:lvl6pPr marL="2514600" indent="-228600" eaLnBrk="0" fontAlgn="base" hangingPunct="0">
-              <a:spcBef>
-                <a:spcPct val="0"/>
-              </a:spcBef>
-              <a:spcAft>
-                <a:spcPct val="0"/>
-              </a:spcAft>
-              <a:defRPr>
-                <a:solidFill>
-                  <a:schemeClr val="tx1"/>
-                </a:solidFill>
-                <a:latin typeface="Verdana" pitchFamily="34" charset="0"/>
-                <a:ea typeface="宋体" charset="-122"/>
-              </a:defRPr>
-            </a:lvl6pPr>
-            <a:lvl7pPr marL="2971800" indent="-228600" eaLnBrk="0" fontAlgn="base" hangingPunct="0">
-              <a:spcBef>
-                <a:spcPct val="0"/>
-              </a:spcBef>
-              <a:spcAft>
-                <a:spcPct val="0"/>
-              </a:spcAft>
-              <a:defRPr>
-                <a:solidFill>
-                  <a:schemeClr val="tx1"/>
-                </a:solidFill>
-                <a:latin typeface="Verdana" pitchFamily="34" charset="0"/>
-                <a:ea typeface="宋体" charset="-122"/>
-              </a:defRPr>
-            </a:lvl7pPr>
-            <a:lvl8pPr marL="3429000" indent="-228600" eaLnBrk="0" fontAlgn="base" hangingPunct="0">
-              <a:spcBef>
-                <a:spcPct val="0"/>
-              </a:spcBef>
-              <a:spcAft>
-                <a:spcPct val="0"/>
-              </a:spcAft>
-              <a:defRPr>
-                <a:solidFill>
-                  <a:schemeClr val="tx1"/>
-                </a:solidFill>
-                <a:latin typeface="Verdana" pitchFamily="34" charset="0"/>
-                <a:ea typeface="宋体" charset="-122"/>
-              </a:defRPr>
-            </a:lvl8pPr>
-            <a:lvl9pPr marL="3886200" indent="-228600" eaLnBrk="0" fontAlgn="base" hangingPunct="0">
-              <a:spcBef>
-                <a:spcPct val="0"/>
-              </a:spcBef>
-              <a:spcAft>
-                <a:spcPct val="0"/>
-              </a:spcAft>
-              <a:defRPr>
-                <a:solidFill>
-                  <a:schemeClr val="tx1"/>
-                </a:solidFill>
-                <a:latin typeface="Verdana" pitchFamily="34" charset="0"/>
-                <a:ea typeface="宋体" charset="-122"/>
-              </a:defRPr>
-            </a:lvl9pPr>
-          </a:lstStyle>
-          <a:p>
-            <a:pPr algn="r" eaLnBrk="1" hangingPunct="1"/>
-            <a:fld id="{5E5F21DF-CE4A-488D-942A-61E9C718109E}" type="slidenum">
-              <a:rPr lang="en-US" altLang="zh-CN" sz="1200"/>
-              <a:pPr algn="r" eaLnBrk="1" hangingPunct="1"/>
-              <a:t>55</a:t>
-            </a:fld>
-            <a:endParaRPr lang="en-US" altLang="zh-CN" sz="1200"/>
-          </a:p>
-        </p:txBody>
-      </p:sp>
-      <p:sp>
-        <p:nvSpPr>
-          <p:cNvPr id="56323" name="Rectangle 2"/>
-          <p:cNvSpPr>
-            <a:spLocks noGrp="1" noChangeArrowheads="1"/>
-          </p:cNvSpPr>
-          <p:nvPr>
-            <p:ph type="title" idx="4294967295"/>
-          </p:nvPr>
-        </p:nvSpPr>
-        <p:spPr/>
-        <p:txBody>
-          <a:bodyPr/>
-          <a:lstStyle/>
-          <a:p>
-            <a:pPr eaLnBrk="1" hangingPunct="1"/>
-            <a:r>
-              <a:rPr lang="en-US" altLang="zh-CN" b="1" smtClean="0">
-                <a:latin typeface="黑体" pitchFamily="49" charset="-122"/>
-                <a:ea typeface="黑体" pitchFamily="49" charset="-122"/>
-              </a:rPr>
-              <a:t>1.5 </a:t>
-            </a:r>
-            <a:r>
-              <a:rPr lang="zh-CN" b="1" smtClean="0">
-                <a:latin typeface="黑体" pitchFamily="49" charset="-122"/>
-                <a:ea typeface="黑体" pitchFamily="49" charset="-122"/>
-              </a:rPr>
-              <a:t>自动化测试</a:t>
-            </a:r>
-          </a:p>
-        </p:txBody>
-      </p:sp>
-      <p:sp>
-        <p:nvSpPr>
-          <p:cNvPr id="56324" name="Rectangle 3"/>
-          <p:cNvSpPr>
-            <a:spLocks noGrp="1" noChangeArrowheads="1"/>
-          </p:cNvSpPr>
-          <p:nvPr>
-            <p:ph type="body" sz="half" idx="4294967295"/>
-          </p:nvPr>
-        </p:nvSpPr>
-        <p:spPr>
-          <a:xfrm>
-            <a:off x="566738" y="1752600"/>
-            <a:ext cx="7720012" cy="4267200"/>
-          </a:xfrm>
-        </p:spPr>
-        <p:txBody>
-          <a:bodyPr/>
-          <a:lstStyle/>
-          <a:p>
-            <a:pPr eaLnBrk="1" hangingPunct="1"/>
-            <a:r>
-              <a:rPr lang="zh-CN" sz="3400" b="1" smtClean="0">
-                <a:solidFill>
-                  <a:srgbClr val="0000FF"/>
-                </a:solidFill>
-                <a:ea typeface="华文新魏" pitchFamily="2" charset="-122"/>
-              </a:rPr>
-              <a:t>开始测试</a:t>
-            </a:r>
-          </a:p>
-        </p:txBody>
-      </p:sp>
-      <p:pic>
-        <p:nvPicPr>
-          <p:cNvPr id="56326" name="Picture 7"/>
-          <p:cNvPicPr>
-            <a:picLocks noChangeAspect="1" noChangeArrowheads="1"/>
-          </p:cNvPicPr>
-          <p:nvPr/>
-        </p:nvPicPr>
-        <p:blipFill>
-          <a:blip r:embed="rId2">
-            <a:extLst>
-              <a:ext uri="{28A0092B-C50C-407E-A947-70E740481C1C}">
-                <a14:useLocalDpi xmlns:a14="http://schemas.microsoft.com/office/drawing/2010/main" val="0"/>
-              </a:ext>
-            </a:extLst>
-          </a:blip>
-          <a:srcRect/>
-          <a:stretch>
-            <a:fillRect/>
-          </a:stretch>
-        </p:blipFill>
-        <p:spPr bwMode="auto">
-          <a:xfrm>
-            <a:off x="500063" y="714375"/>
-            <a:ext cx="8286750" cy="5794375"/>
-          </a:xfrm>
-          <a:prstGeom prst="rect">
-            <a:avLst/>
-          </a:prstGeom>
-          <a:noFill/>
-          <a:ln>
-            <a:noFill/>
-          </a:ln>
-          <a:extLst>
-            <a:ext uri="{909E8E84-426E-40DD-AFC4-6F175D3DCCD1}">
-              <a14:hiddenFill xmlns:a14="http://schemas.microsoft.com/office/drawing/2010/main">
-                <a:solidFill>
-                  <a:srgbClr val="FFFFFF"/>
-                </a:solidFill>
-              </a14:hiddenFill>
-            </a:ext>
-            <a:ext uri="{91240B29-F687-4F45-9708-019B960494DF}">
-              <a14:hiddenLine xmlns:a14="http://schemas.microsoft.com/office/drawing/2010/main" w="9525">
-                <a:solidFill>
-                  <a:srgbClr val="000000"/>
-                </a:solidFill>
-                <a:miter lim="800000"/>
-                <a:headEnd/>
-                <a:tailEnd/>
-              </a14:hiddenLine>
-            </a:ext>
-          </a:extLst>
-        </p:spPr>
-      </p:pic>
-    </p:spTree>
-  </p:cSld>
-  <p:clrMapOvr>
-    <a:masterClrMapping/>
-  </p:clrMapOvr>
-  <p:transition/>
-  <p:timing>
-    <p:tnLst>
-      <p:par>
-        <p:cTn id="1" dur="indefinite" restart="never" nodeType="tmRoot"/>
-      </p:par>
-    </p:tnLst>
-  </p:timing>
-</p:sld>
-</file>
-
-<file path=ppt/slides/slide56.xml><?xml version="1.0" encoding="utf-8"?>
-<p:sld xmlns:a="http://schemas.openxmlformats.org/drawingml/2006/main" xmlns:r="http://schemas.openxmlformats.org/officeDocument/2006/relationships" xmlns:p="http://schemas.openxmlformats.org/presentationml/2006/main">
-  <p:cSld>
-    <p:spTree>
-      <p:nvGrpSpPr>
-        <p:cNvPr id="1" name=""/>
-        <p:cNvGrpSpPr/>
-        <p:nvPr/>
-      </p:nvGrpSpPr>
-      <p:grpSpPr>
-        <a:xfrm>
-          <a:off x="0" y="0"/>
-          <a:ext cx="0" cy="0"/>
-          <a:chOff x="0" y="0"/>
-          <a:chExt cx="0" cy="0"/>
-        </a:xfrm>
-      </p:grpSpPr>
-      <p:sp>
-        <p:nvSpPr>
-          <p:cNvPr id="57346" name="灯片编号占位符 5"/>
-          <p:cNvSpPr txBox="1">
-            <a:spLocks noGrp="1" noChangeArrowheads="1"/>
-          </p:cNvSpPr>
-          <p:nvPr/>
-        </p:nvSpPr>
-        <p:spPr bwMode="auto">
-          <a:xfrm>
-            <a:off x="6553200" y="6245225"/>
-            <a:ext cx="1981200" cy="476250"/>
-          </a:xfrm>
-          <a:prstGeom prst="rect">
-            <a:avLst/>
-          </a:prstGeom>
-          <a:noFill/>
-          <a:ln>
-            <a:noFill/>
-          </a:ln>
-          <a:extLst>
-            <a:ext uri="{909E8E84-426E-40DD-AFC4-6F175D3DCCD1}">
-              <a14:hiddenFill xmlns:a14="http://schemas.microsoft.com/office/drawing/2010/main">
-                <a:solidFill>
-                  <a:srgbClr val="FFFFFF"/>
-                </a:solidFill>
-              </a14:hiddenFill>
-            </a:ext>
-            <a:ext uri="{91240B29-F687-4F45-9708-019B960494DF}">
-              <a14:hiddenLine xmlns:a14="http://schemas.microsoft.com/office/drawing/2010/main" w="9525">
-                <a:solidFill>
-                  <a:srgbClr val="000000"/>
-                </a:solidFill>
-                <a:miter lim="800000"/>
-                <a:headEnd/>
-                <a:tailEnd/>
-              </a14:hiddenLine>
-            </a:ext>
-          </a:extLst>
-        </p:spPr>
-        <p:txBody>
-          <a:bodyPr/>
-          <a:lstStyle>
-            <a:lvl1pPr eaLnBrk="0" hangingPunct="0">
-              <a:defRPr>
-                <a:solidFill>
-                  <a:schemeClr val="tx1"/>
-                </a:solidFill>
-                <a:latin typeface="Verdana" pitchFamily="34" charset="0"/>
-                <a:ea typeface="宋体" charset="-122"/>
-              </a:defRPr>
-            </a:lvl1pPr>
-            <a:lvl2pPr marL="742950" indent="-285750" eaLnBrk="0" hangingPunct="0">
-              <a:defRPr>
-                <a:solidFill>
-                  <a:schemeClr val="tx1"/>
-                </a:solidFill>
-                <a:latin typeface="Verdana" pitchFamily="34" charset="0"/>
-                <a:ea typeface="宋体" charset="-122"/>
-              </a:defRPr>
-            </a:lvl2pPr>
-            <a:lvl3pPr marL="1143000" indent="-228600" eaLnBrk="0" hangingPunct="0">
-              <a:defRPr>
-                <a:solidFill>
-                  <a:schemeClr val="tx1"/>
-                </a:solidFill>
-                <a:latin typeface="Verdana" pitchFamily="34" charset="0"/>
-                <a:ea typeface="宋体" charset="-122"/>
-              </a:defRPr>
-            </a:lvl3pPr>
-            <a:lvl4pPr marL="1600200" indent="-228600" eaLnBrk="0" hangingPunct="0">
-              <a:defRPr>
-                <a:solidFill>
-                  <a:schemeClr val="tx1"/>
-                </a:solidFill>
-                <a:latin typeface="Verdana" pitchFamily="34" charset="0"/>
-                <a:ea typeface="宋体" charset="-122"/>
-              </a:defRPr>
-            </a:lvl4pPr>
-            <a:lvl5pPr marL="2057400" indent="-228600" eaLnBrk="0" hangingPunct="0">
-              <a:defRPr>
-                <a:solidFill>
-                  <a:schemeClr val="tx1"/>
-                </a:solidFill>
-                <a:latin typeface="Verdana" pitchFamily="34" charset="0"/>
-                <a:ea typeface="宋体" charset="-122"/>
-              </a:defRPr>
-            </a:lvl5pPr>
-            <a:lvl6pPr marL="2514600" indent="-228600" eaLnBrk="0" fontAlgn="base" hangingPunct="0">
-              <a:spcBef>
-                <a:spcPct val="0"/>
-              </a:spcBef>
-              <a:spcAft>
-                <a:spcPct val="0"/>
-              </a:spcAft>
-              <a:defRPr>
-                <a:solidFill>
-                  <a:schemeClr val="tx1"/>
-                </a:solidFill>
-                <a:latin typeface="Verdana" pitchFamily="34" charset="0"/>
-                <a:ea typeface="宋体" charset="-122"/>
-              </a:defRPr>
-            </a:lvl6pPr>
-            <a:lvl7pPr marL="2971800" indent="-228600" eaLnBrk="0" fontAlgn="base" hangingPunct="0">
-              <a:spcBef>
-                <a:spcPct val="0"/>
-              </a:spcBef>
-              <a:spcAft>
-                <a:spcPct val="0"/>
-              </a:spcAft>
-              <a:defRPr>
-                <a:solidFill>
-                  <a:schemeClr val="tx1"/>
-                </a:solidFill>
-                <a:latin typeface="Verdana" pitchFamily="34" charset="0"/>
-                <a:ea typeface="宋体" charset="-122"/>
-              </a:defRPr>
-            </a:lvl7pPr>
-            <a:lvl8pPr marL="3429000" indent="-228600" eaLnBrk="0" fontAlgn="base" hangingPunct="0">
-              <a:spcBef>
-                <a:spcPct val="0"/>
-              </a:spcBef>
-              <a:spcAft>
-                <a:spcPct val="0"/>
-              </a:spcAft>
-              <a:defRPr>
-                <a:solidFill>
-                  <a:schemeClr val="tx1"/>
-                </a:solidFill>
-                <a:latin typeface="Verdana" pitchFamily="34" charset="0"/>
-                <a:ea typeface="宋体" charset="-122"/>
-              </a:defRPr>
-            </a:lvl8pPr>
-            <a:lvl9pPr marL="3886200" indent="-228600" eaLnBrk="0" fontAlgn="base" hangingPunct="0">
-              <a:spcBef>
-                <a:spcPct val="0"/>
-              </a:spcBef>
-              <a:spcAft>
-                <a:spcPct val="0"/>
-              </a:spcAft>
-              <a:defRPr>
-                <a:solidFill>
-                  <a:schemeClr val="tx1"/>
-                </a:solidFill>
-                <a:latin typeface="Verdana" pitchFamily="34" charset="0"/>
-                <a:ea typeface="宋体" charset="-122"/>
-              </a:defRPr>
-            </a:lvl9pPr>
-          </a:lstStyle>
-          <a:p>
-            <a:pPr algn="r" eaLnBrk="1" hangingPunct="1"/>
-            <a:fld id="{69FC42F1-1154-428B-9B35-69250BB21856}" type="slidenum">
-              <a:rPr lang="en-US" altLang="zh-CN" sz="1200"/>
-              <a:pPr algn="r" eaLnBrk="1" hangingPunct="1"/>
-              <a:t>56</a:t>
-            </a:fld>
-            <a:endParaRPr lang="en-US" altLang="zh-CN" sz="1200"/>
-          </a:p>
-        </p:txBody>
-      </p:sp>
-      <p:sp>
-        <p:nvSpPr>
-          <p:cNvPr id="57347" name="Rectangle 2"/>
-          <p:cNvSpPr>
-            <a:spLocks noGrp="1" noChangeArrowheads="1"/>
-          </p:cNvSpPr>
-          <p:nvPr>
-            <p:ph type="title" idx="4294967295"/>
-          </p:nvPr>
-        </p:nvSpPr>
-        <p:spPr/>
-        <p:txBody>
-          <a:bodyPr/>
-          <a:lstStyle/>
-          <a:p>
-            <a:pPr eaLnBrk="1" hangingPunct="1"/>
-            <a:r>
-              <a:rPr lang="en-US" altLang="zh-CN" b="1" smtClean="0">
-                <a:latin typeface="黑体" pitchFamily="49" charset="-122"/>
-                <a:ea typeface="黑体" pitchFamily="49" charset="-122"/>
-              </a:rPr>
-              <a:t>1.5 </a:t>
-            </a:r>
-            <a:r>
-              <a:rPr lang="zh-CN" b="1" smtClean="0">
-                <a:latin typeface="黑体" pitchFamily="49" charset="-122"/>
-                <a:ea typeface="黑体" pitchFamily="49" charset="-122"/>
-              </a:rPr>
-              <a:t>自动化测试</a:t>
-            </a:r>
-          </a:p>
-        </p:txBody>
-      </p:sp>
-      <p:sp>
-        <p:nvSpPr>
-          <p:cNvPr id="57348" name="Rectangle 3"/>
-          <p:cNvSpPr>
-            <a:spLocks noGrp="1" noChangeArrowheads="1"/>
-          </p:cNvSpPr>
-          <p:nvPr>
-            <p:ph type="body" idx="4294967295"/>
-          </p:nvPr>
-        </p:nvSpPr>
-        <p:spPr/>
-        <p:txBody>
-          <a:bodyPr/>
-          <a:lstStyle/>
-          <a:p>
-            <a:pPr eaLnBrk="1" hangingPunct="1"/>
-            <a:r>
-              <a:rPr lang="zh-CN" sz="3400" b="1" smtClean="0">
-                <a:solidFill>
-                  <a:srgbClr val="0000FF"/>
-                </a:solidFill>
-                <a:ea typeface="华文新魏" pitchFamily="2" charset="-122"/>
-              </a:rPr>
-              <a:t>测试需求</a:t>
-            </a:r>
-            <a:endParaRPr lang="en-US" sz="3400" b="1" smtClean="0">
-              <a:solidFill>
-                <a:srgbClr val="0000FF"/>
-              </a:solidFill>
-              <a:ea typeface="华文新魏" pitchFamily="2" charset="-122"/>
-            </a:endParaRPr>
-          </a:p>
-          <a:p>
-            <a:pPr eaLnBrk="1" hangingPunct="1"/>
-            <a:r>
-              <a:rPr lang="zh-CN" sz="3400" b="1" smtClean="0">
-                <a:solidFill>
-                  <a:srgbClr val="0000FF"/>
-                </a:solidFill>
-                <a:ea typeface="华文新魏" pitchFamily="2" charset="-122"/>
-              </a:rPr>
-              <a:t>核心函数，</a:t>
-            </a:r>
-            <a:r>
-              <a:rPr lang="en-US" altLang="zh-CN" sz="3400" b="1" smtClean="0">
-                <a:solidFill>
-                  <a:srgbClr val="0000FF"/>
-                </a:solidFill>
-                <a:ea typeface="华文新魏" pitchFamily="2" charset="-122"/>
-              </a:rPr>
-              <a:t>CNEXTDAYDlg</a:t>
-            </a:r>
-            <a:r>
-              <a:rPr lang="zh-CN" sz="3400" b="1" smtClean="0">
-                <a:solidFill>
-                  <a:srgbClr val="0000FF"/>
-                </a:solidFill>
-                <a:ea typeface="华文新魏" pitchFamily="2" charset="-122"/>
-              </a:rPr>
-              <a:t>类的</a:t>
-            </a:r>
-            <a:r>
-              <a:rPr lang="en-US" altLang="zh-CN" sz="3400" b="1" smtClean="0">
-                <a:solidFill>
-                  <a:srgbClr val="0000FF"/>
-                </a:solidFill>
-                <a:ea typeface="华文新魏" pitchFamily="2" charset="-122"/>
-              </a:rPr>
-              <a:t>AddOneDay</a:t>
-            </a:r>
-            <a:r>
-              <a:rPr lang="zh-CN" sz="3400" b="1" smtClean="0">
-                <a:solidFill>
-                  <a:srgbClr val="0000FF"/>
-                </a:solidFill>
-                <a:ea typeface="华文新魏" pitchFamily="2" charset="-122"/>
-              </a:rPr>
-              <a:t>方法的自动化单元测试</a:t>
-            </a:r>
-          </a:p>
-          <a:p>
-            <a:pPr lvl="1"/>
-            <a:r>
-              <a:rPr lang="zh-CN" sz="2800" b="1" smtClean="0">
-                <a:solidFill>
-                  <a:srgbClr val="0000FF"/>
-                </a:solidFill>
-                <a:ea typeface="华文新魏" pitchFamily="2" charset="-122"/>
-              </a:rPr>
-              <a:t>自动读取每个测试用例的输入和预期输出；</a:t>
-            </a:r>
-            <a:endParaRPr lang="en-US" sz="2800" b="1" smtClean="0">
-              <a:solidFill>
-                <a:srgbClr val="0000FF"/>
-              </a:solidFill>
-              <a:ea typeface="华文新魏" pitchFamily="2" charset="-122"/>
-            </a:endParaRPr>
-          </a:p>
-          <a:p>
-            <a:pPr lvl="1"/>
-            <a:r>
-              <a:rPr lang="zh-CN" sz="2800" b="1" smtClean="0">
-                <a:solidFill>
-                  <a:srgbClr val="0000FF"/>
-                </a:solidFill>
-                <a:ea typeface="华文新魏" pitchFamily="2" charset="-122"/>
-              </a:rPr>
-              <a:t>自动执行测试用例；</a:t>
-            </a:r>
-          </a:p>
-          <a:p>
-            <a:pPr lvl="1"/>
-            <a:r>
-              <a:rPr lang="zh-CN" sz="2800" b="1" smtClean="0">
-                <a:solidFill>
-                  <a:srgbClr val="0000FF"/>
-                </a:solidFill>
-                <a:ea typeface="华文新魏" pitchFamily="2" charset="-122"/>
-              </a:rPr>
-              <a:t>自动校验测试用例执行结果；</a:t>
-            </a:r>
-          </a:p>
-          <a:p>
-            <a:pPr lvl="1"/>
-            <a:r>
-              <a:rPr lang="zh-CN" sz="2800" b="1" smtClean="0">
-                <a:solidFill>
-                  <a:srgbClr val="0000FF"/>
-                </a:solidFill>
-                <a:ea typeface="华文新魏" pitchFamily="2" charset="-122"/>
-              </a:rPr>
-              <a:t>自动控制测试过程；</a:t>
-            </a:r>
-          </a:p>
-          <a:p>
-            <a:pPr lvl="1"/>
-            <a:r>
-              <a:rPr lang="zh-CN" sz="2800" b="1" smtClean="0">
-                <a:solidFill>
-                  <a:srgbClr val="0000FF"/>
-                </a:solidFill>
-                <a:ea typeface="华文新魏" pitchFamily="2" charset="-122"/>
-              </a:rPr>
-              <a:t>自动生成测试报告。</a:t>
-            </a:r>
-          </a:p>
-        </p:txBody>
-      </p:sp>
-    </p:spTree>
-  </p:cSld>
-  <p:clrMapOvr>
-    <a:masterClrMapping/>
-  </p:clrMapOvr>
-  <p:transition/>
-</p:sld>
-</file>
-
-<file path=ppt/slides/slide57.xml><?xml version="1.0" encoding="utf-8"?>
-<p:sld xmlns:a="http://schemas.openxmlformats.org/drawingml/2006/main" xmlns:r="http://schemas.openxmlformats.org/officeDocument/2006/relationships" xmlns:p="http://schemas.openxmlformats.org/presentationml/2006/main">
-  <p:cSld>
-    <p:spTree>
-      <p:nvGrpSpPr>
-        <p:cNvPr id="1" name=""/>
-        <p:cNvGrpSpPr/>
-        <p:nvPr/>
-      </p:nvGrpSpPr>
-      <p:grpSpPr>
-        <a:xfrm>
-          <a:off x="0" y="0"/>
-          <a:ext cx="0" cy="0"/>
-          <a:chOff x="0" y="0"/>
-          <a:chExt cx="0" cy="0"/>
-        </a:xfrm>
-      </p:grpSpPr>
-      <p:sp>
-        <p:nvSpPr>
-          <p:cNvPr id="58370" name="灯片编号占位符 5"/>
-          <p:cNvSpPr txBox="1">
-            <a:spLocks noGrp="1" noChangeArrowheads="1"/>
-          </p:cNvSpPr>
-          <p:nvPr/>
-        </p:nvSpPr>
-        <p:spPr bwMode="auto">
-          <a:xfrm>
-            <a:off x="6553200" y="6245225"/>
-            <a:ext cx="1981200" cy="476250"/>
-          </a:xfrm>
-          <a:prstGeom prst="rect">
-            <a:avLst/>
-          </a:prstGeom>
-          <a:noFill/>
-          <a:ln>
-            <a:noFill/>
-          </a:ln>
-          <a:extLst>
-            <a:ext uri="{909E8E84-426E-40DD-AFC4-6F175D3DCCD1}">
-              <a14:hiddenFill xmlns:a14="http://schemas.microsoft.com/office/drawing/2010/main">
-                <a:solidFill>
-                  <a:srgbClr val="FFFFFF"/>
-                </a:solidFill>
-              </a14:hiddenFill>
-            </a:ext>
-            <a:ext uri="{91240B29-F687-4F45-9708-019B960494DF}">
-              <a14:hiddenLine xmlns:a14="http://schemas.microsoft.com/office/drawing/2010/main" w="9525">
-                <a:solidFill>
-                  <a:srgbClr val="000000"/>
-                </a:solidFill>
-                <a:miter lim="800000"/>
-                <a:headEnd/>
-                <a:tailEnd/>
-              </a14:hiddenLine>
-            </a:ext>
-          </a:extLst>
-        </p:spPr>
-        <p:txBody>
-          <a:bodyPr/>
-          <a:lstStyle>
-            <a:lvl1pPr eaLnBrk="0" hangingPunct="0">
-              <a:defRPr>
-                <a:solidFill>
-                  <a:schemeClr val="tx1"/>
-                </a:solidFill>
-                <a:latin typeface="Verdana" pitchFamily="34" charset="0"/>
-                <a:ea typeface="宋体" charset="-122"/>
-              </a:defRPr>
-            </a:lvl1pPr>
-            <a:lvl2pPr marL="742950" indent="-285750" eaLnBrk="0" hangingPunct="0">
-              <a:defRPr>
-                <a:solidFill>
-                  <a:schemeClr val="tx1"/>
-                </a:solidFill>
-                <a:latin typeface="Verdana" pitchFamily="34" charset="0"/>
-                <a:ea typeface="宋体" charset="-122"/>
-              </a:defRPr>
-            </a:lvl2pPr>
-            <a:lvl3pPr marL="1143000" indent="-228600" eaLnBrk="0" hangingPunct="0">
-              <a:defRPr>
-                <a:solidFill>
-                  <a:schemeClr val="tx1"/>
-                </a:solidFill>
-                <a:latin typeface="Verdana" pitchFamily="34" charset="0"/>
-                <a:ea typeface="宋体" charset="-122"/>
-              </a:defRPr>
-            </a:lvl3pPr>
-            <a:lvl4pPr marL="1600200" indent="-228600" eaLnBrk="0" hangingPunct="0">
-              <a:defRPr>
-                <a:solidFill>
-                  <a:schemeClr val="tx1"/>
-                </a:solidFill>
-                <a:latin typeface="Verdana" pitchFamily="34" charset="0"/>
-                <a:ea typeface="宋体" charset="-122"/>
-              </a:defRPr>
-            </a:lvl4pPr>
-            <a:lvl5pPr marL="2057400" indent="-228600" eaLnBrk="0" hangingPunct="0">
-              <a:defRPr>
-                <a:solidFill>
-                  <a:schemeClr val="tx1"/>
-                </a:solidFill>
-                <a:latin typeface="Verdana" pitchFamily="34" charset="0"/>
-                <a:ea typeface="宋体" charset="-122"/>
-              </a:defRPr>
-            </a:lvl5pPr>
-            <a:lvl6pPr marL="2514600" indent="-228600" eaLnBrk="0" fontAlgn="base" hangingPunct="0">
-              <a:spcBef>
-                <a:spcPct val="0"/>
-              </a:spcBef>
-              <a:spcAft>
-                <a:spcPct val="0"/>
-              </a:spcAft>
-              <a:defRPr>
-                <a:solidFill>
-                  <a:schemeClr val="tx1"/>
-                </a:solidFill>
-                <a:latin typeface="Verdana" pitchFamily="34" charset="0"/>
-                <a:ea typeface="宋体" charset="-122"/>
-              </a:defRPr>
-            </a:lvl6pPr>
-            <a:lvl7pPr marL="2971800" indent="-228600" eaLnBrk="0" fontAlgn="base" hangingPunct="0">
-              <a:spcBef>
-                <a:spcPct val="0"/>
-              </a:spcBef>
-              <a:spcAft>
-                <a:spcPct val="0"/>
-              </a:spcAft>
-              <a:defRPr>
-                <a:solidFill>
-                  <a:schemeClr val="tx1"/>
-                </a:solidFill>
-                <a:latin typeface="Verdana" pitchFamily="34" charset="0"/>
-                <a:ea typeface="宋体" charset="-122"/>
-              </a:defRPr>
-            </a:lvl7pPr>
-            <a:lvl8pPr marL="3429000" indent="-228600" eaLnBrk="0" fontAlgn="base" hangingPunct="0">
-              <a:spcBef>
-                <a:spcPct val="0"/>
-              </a:spcBef>
-              <a:spcAft>
-                <a:spcPct val="0"/>
-              </a:spcAft>
-              <a:defRPr>
-                <a:solidFill>
-                  <a:schemeClr val="tx1"/>
-                </a:solidFill>
-                <a:latin typeface="Verdana" pitchFamily="34" charset="0"/>
-                <a:ea typeface="宋体" charset="-122"/>
-              </a:defRPr>
-            </a:lvl8pPr>
-            <a:lvl9pPr marL="3886200" indent="-228600" eaLnBrk="0" fontAlgn="base" hangingPunct="0">
-              <a:spcBef>
-                <a:spcPct val="0"/>
-              </a:spcBef>
-              <a:spcAft>
-                <a:spcPct val="0"/>
-              </a:spcAft>
-              <a:defRPr>
-                <a:solidFill>
-                  <a:schemeClr val="tx1"/>
-                </a:solidFill>
-                <a:latin typeface="Verdana" pitchFamily="34" charset="0"/>
-                <a:ea typeface="宋体" charset="-122"/>
-              </a:defRPr>
-            </a:lvl9pPr>
-          </a:lstStyle>
-          <a:p>
-            <a:pPr algn="r" eaLnBrk="1" hangingPunct="1"/>
-            <a:fld id="{557A577B-68A6-4893-81EB-3478D4F491AA}" type="slidenum">
-              <a:rPr lang="en-US" altLang="zh-CN" sz="1200"/>
-              <a:pPr algn="r" eaLnBrk="1" hangingPunct="1"/>
-              <a:t>57</a:t>
-            </a:fld>
-            <a:endParaRPr lang="en-US" altLang="zh-CN" sz="1200"/>
-          </a:p>
-        </p:txBody>
-      </p:sp>
-      <p:sp>
-        <p:nvSpPr>
-          <p:cNvPr id="58371" name="Rectangle 2"/>
-          <p:cNvSpPr>
-            <a:spLocks noGrp="1" noChangeArrowheads="1"/>
-          </p:cNvSpPr>
-          <p:nvPr>
-            <p:ph type="title" idx="4294967295"/>
-          </p:nvPr>
-        </p:nvSpPr>
-        <p:spPr/>
-        <p:txBody>
-          <a:bodyPr/>
-          <a:lstStyle/>
-          <a:p>
-            <a:pPr eaLnBrk="1" hangingPunct="1"/>
-            <a:r>
-              <a:rPr lang="en-US" altLang="zh-CN" b="1" smtClean="0">
-                <a:latin typeface="黑体" pitchFamily="49" charset="-122"/>
-                <a:ea typeface="黑体" pitchFamily="49" charset="-122"/>
-              </a:rPr>
-              <a:t>1.5 </a:t>
-            </a:r>
-            <a:r>
-              <a:rPr lang="zh-CN" b="1" smtClean="0">
-                <a:latin typeface="黑体" pitchFamily="49" charset="-122"/>
-                <a:ea typeface="黑体" pitchFamily="49" charset="-122"/>
-              </a:rPr>
-              <a:t>自动化测试</a:t>
-            </a:r>
-          </a:p>
-        </p:txBody>
-      </p:sp>
-      <p:sp>
-        <p:nvSpPr>
-          <p:cNvPr id="58372" name="Rectangle 3"/>
-          <p:cNvSpPr>
-            <a:spLocks noGrp="1" noChangeArrowheads="1"/>
-          </p:cNvSpPr>
-          <p:nvPr>
-            <p:ph type="body" idx="4294967295"/>
-          </p:nvPr>
-        </p:nvSpPr>
-        <p:spPr/>
-        <p:txBody>
-          <a:bodyPr/>
-          <a:lstStyle/>
-          <a:p>
-            <a:pPr eaLnBrk="1" hangingPunct="1"/>
-            <a:r>
-              <a:rPr lang="zh-CN" sz="3400" b="1" smtClean="0">
-                <a:solidFill>
-                  <a:srgbClr val="0000FF"/>
-                </a:solidFill>
-                <a:ea typeface="华文新魏" pitchFamily="2" charset="-122"/>
-              </a:rPr>
-              <a:t>测试脚本</a:t>
-            </a:r>
-            <a:endParaRPr lang="en-US" sz="3400" b="1" smtClean="0">
-              <a:solidFill>
-                <a:srgbClr val="0000FF"/>
-              </a:solidFill>
-              <a:ea typeface="华文新魏" pitchFamily="2" charset="-122"/>
-            </a:endParaRPr>
-          </a:p>
-          <a:p>
-            <a:pPr eaLnBrk="1" hangingPunct="1"/>
-            <a:r>
-              <a:rPr lang="en-US" altLang="zh-CN" sz="3400" b="1" smtClean="0">
-                <a:solidFill>
-                  <a:srgbClr val="0000FF"/>
-                </a:solidFill>
-                <a:ea typeface="华文新魏" pitchFamily="2" charset="-122"/>
-              </a:rPr>
-              <a:t>1</a:t>
-            </a:r>
-            <a:r>
-              <a:rPr lang="zh-CN" sz="3400" b="1" smtClean="0">
-                <a:solidFill>
-                  <a:srgbClr val="0000FF"/>
-                </a:solidFill>
-                <a:ea typeface="华文新魏" pitchFamily="2" charset="-122"/>
-              </a:rPr>
-              <a:t>、测试</a:t>
-            </a:r>
-            <a:r>
-              <a:rPr lang="en-US" altLang="zh-CN" sz="3400" b="1" smtClean="0">
-                <a:solidFill>
-                  <a:srgbClr val="0000FF"/>
-                </a:solidFill>
-                <a:ea typeface="华文新魏" pitchFamily="2" charset="-122"/>
-              </a:rPr>
-              <a:t>AddOne</a:t>
-            </a:r>
-            <a:r>
-              <a:rPr lang="zh-CN" sz="3400" b="1" smtClean="0">
-                <a:solidFill>
-                  <a:srgbClr val="0000FF"/>
-                </a:solidFill>
-                <a:ea typeface="华文新魏" pitchFamily="2" charset="-122"/>
-              </a:rPr>
-              <a:t>方法</a:t>
-            </a:r>
-          </a:p>
-        </p:txBody>
-      </p:sp>
-      <p:pic>
-        <p:nvPicPr>
-          <p:cNvPr id="58374" name="Picture 7"/>
-          <p:cNvPicPr>
-            <a:picLocks noChangeAspect="1" noChangeArrowheads="1"/>
-          </p:cNvPicPr>
-          <p:nvPr/>
-        </p:nvPicPr>
-        <p:blipFill>
-          <a:blip r:embed="rId2">
-            <a:extLst>
-              <a:ext uri="{28A0092B-C50C-407E-A947-70E740481C1C}">
-                <a14:useLocalDpi xmlns:a14="http://schemas.microsoft.com/office/drawing/2010/main" val="0"/>
-              </a:ext>
-            </a:extLst>
-          </a:blip>
-          <a:srcRect/>
-          <a:stretch>
-            <a:fillRect/>
-          </a:stretch>
-        </p:blipFill>
-        <p:spPr bwMode="auto">
-          <a:xfrm>
-            <a:off x="928688" y="3071813"/>
-            <a:ext cx="7442200" cy="2857500"/>
-          </a:xfrm>
-          <a:prstGeom prst="rect">
-            <a:avLst/>
-          </a:prstGeom>
-          <a:noFill/>
-          <a:ln>
-            <a:noFill/>
-          </a:ln>
-          <a:extLst>
-            <a:ext uri="{909E8E84-426E-40DD-AFC4-6F175D3DCCD1}">
-              <a14:hiddenFill xmlns:a14="http://schemas.microsoft.com/office/drawing/2010/main">
-                <a:solidFill>
-                  <a:srgbClr val="FFFFFF"/>
-                </a:solidFill>
-              </a14:hiddenFill>
-            </a:ext>
-            <a:ext uri="{91240B29-F687-4F45-9708-019B960494DF}">
-              <a14:hiddenLine xmlns:a14="http://schemas.microsoft.com/office/drawing/2010/main" w="9525">
-                <a:solidFill>
-                  <a:srgbClr val="000000"/>
-                </a:solidFill>
-                <a:miter lim="800000"/>
-                <a:headEnd/>
-                <a:tailEnd/>
-              </a14:hiddenLine>
-            </a:ext>
-          </a:extLst>
-        </p:spPr>
-      </p:pic>
-    </p:spTree>
-  </p:cSld>
-  <p:clrMapOvr>
-    <a:masterClrMapping/>
-  </p:clrMapOvr>
-  <p:transition/>
-</p:sld>
-</file>
-
-<file path=ppt/slides/slide58.xml><?xml version="1.0" encoding="utf-8"?>
-<p:sld xmlns:a="http://schemas.openxmlformats.org/drawingml/2006/main" xmlns:r="http://schemas.openxmlformats.org/officeDocument/2006/relationships" xmlns:p="http://schemas.openxmlformats.org/presentationml/2006/main">
-  <p:cSld>
-    <p:spTree>
-      <p:nvGrpSpPr>
-        <p:cNvPr id="1" name=""/>
-        <p:cNvGrpSpPr/>
-        <p:nvPr/>
-      </p:nvGrpSpPr>
-      <p:grpSpPr>
-        <a:xfrm>
-          <a:off x="0" y="0"/>
-          <a:ext cx="0" cy="0"/>
-          <a:chOff x="0" y="0"/>
-          <a:chExt cx="0" cy="0"/>
-        </a:xfrm>
-      </p:grpSpPr>
-      <p:sp>
-        <p:nvSpPr>
-          <p:cNvPr id="59394" name="灯片编号占位符 5"/>
-          <p:cNvSpPr txBox="1">
-            <a:spLocks noGrp="1" noChangeArrowheads="1"/>
-          </p:cNvSpPr>
-          <p:nvPr/>
-        </p:nvSpPr>
-        <p:spPr bwMode="auto">
-          <a:xfrm>
-            <a:off x="6553200" y="6245225"/>
-            <a:ext cx="1981200" cy="476250"/>
-          </a:xfrm>
-          <a:prstGeom prst="rect">
-            <a:avLst/>
-          </a:prstGeom>
-          <a:noFill/>
-          <a:ln>
-            <a:noFill/>
-          </a:ln>
-          <a:extLst>
-            <a:ext uri="{909E8E84-426E-40DD-AFC4-6F175D3DCCD1}">
-              <a14:hiddenFill xmlns:a14="http://schemas.microsoft.com/office/drawing/2010/main">
-                <a:solidFill>
-                  <a:srgbClr val="FFFFFF"/>
-                </a:solidFill>
-              </a14:hiddenFill>
-            </a:ext>
-            <a:ext uri="{91240B29-F687-4F45-9708-019B960494DF}">
-              <a14:hiddenLine xmlns:a14="http://schemas.microsoft.com/office/drawing/2010/main" w="9525">
-                <a:solidFill>
-                  <a:srgbClr val="000000"/>
-                </a:solidFill>
-                <a:miter lim="800000"/>
-                <a:headEnd/>
-                <a:tailEnd/>
-              </a14:hiddenLine>
-            </a:ext>
-          </a:extLst>
-        </p:spPr>
-        <p:txBody>
-          <a:bodyPr/>
-          <a:lstStyle>
-            <a:lvl1pPr eaLnBrk="0" hangingPunct="0">
-              <a:defRPr>
-                <a:solidFill>
-                  <a:schemeClr val="tx1"/>
-                </a:solidFill>
-                <a:latin typeface="Verdana" pitchFamily="34" charset="0"/>
-                <a:ea typeface="宋体" charset="-122"/>
-              </a:defRPr>
-            </a:lvl1pPr>
-            <a:lvl2pPr marL="742950" indent="-285750" eaLnBrk="0" hangingPunct="0">
-              <a:defRPr>
-                <a:solidFill>
-                  <a:schemeClr val="tx1"/>
-                </a:solidFill>
-                <a:latin typeface="Verdana" pitchFamily="34" charset="0"/>
-                <a:ea typeface="宋体" charset="-122"/>
-              </a:defRPr>
-            </a:lvl2pPr>
-            <a:lvl3pPr marL="1143000" indent="-228600" eaLnBrk="0" hangingPunct="0">
-              <a:defRPr>
-                <a:solidFill>
-                  <a:schemeClr val="tx1"/>
-                </a:solidFill>
-                <a:latin typeface="Verdana" pitchFamily="34" charset="0"/>
-                <a:ea typeface="宋体" charset="-122"/>
-              </a:defRPr>
-            </a:lvl3pPr>
-            <a:lvl4pPr marL="1600200" indent="-228600" eaLnBrk="0" hangingPunct="0">
-              <a:defRPr>
-                <a:solidFill>
-                  <a:schemeClr val="tx1"/>
-                </a:solidFill>
-                <a:latin typeface="Verdana" pitchFamily="34" charset="0"/>
-                <a:ea typeface="宋体" charset="-122"/>
-              </a:defRPr>
-            </a:lvl4pPr>
-            <a:lvl5pPr marL="2057400" indent="-228600" eaLnBrk="0" hangingPunct="0">
-              <a:defRPr>
-                <a:solidFill>
-                  <a:schemeClr val="tx1"/>
-                </a:solidFill>
-                <a:latin typeface="Verdana" pitchFamily="34" charset="0"/>
-                <a:ea typeface="宋体" charset="-122"/>
-              </a:defRPr>
-            </a:lvl5pPr>
-            <a:lvl6pPr marL="2514600" indent="-228600" eaLnBrk="0" fontAlgn="base" hangingPunct="0">
-              <a:spcBef>
-                <a:spcPct val="0"/>
-              </a:spcBef>
-              <a:spcAft>
-                <a:spcPct val="0"/>
-              </a:spcAft>
-              <a:defRPr>
-                <a:solidFill>
-                  <a:schemeClr val="tx1"/>
-                </a:solidFill>
-                <a:latin typeface="Verdana" pitchFamily="34" charset="0"/>
-                <a:ea typeface="宋体" charset="-122"/>
-              </a:defRPr>
-            </a:lvl6pPr>
-            <a:lvl7pPr marL="2971800" indent="-228600" eaLnBrk="0" fontAlgn="base" hangingPunct="0">
-              <a:spcBef>
-                <a:spcPct val="0"/>
-              </a:spcBef>
-              <a:spcAft>
-                <a:spcPct val="0"/>
-              </a:spcAft>
-              <a:defRPr>
-                <a:solidFill>
-                  <a:schemeClr val="tx1"/>
-                </a:solidFill>
-                <a:latin typeface="Verdana" pitchFamily="34" charset="0"/>
-                <a:ea typeface="宋体" charset="-122"/>
-              </a:defRPr>
-            </a:lvl7pPr>
-            <a:lvl8pPr marL="3429000" indent="-228600" eaLnBrk="0" fontAlgn="base" hangingPunct="0">
-              <a:spcBef>
-                <a:spcPct val="0"/>
-              </a:spcBef>
-              <a:spcAft>
-                <a:spcPct val="0"/>
-              </a:spcAft>
-              <a:defRPr>
-                <a:solidFill>
-                  <a:schemeClr val="tx1"/>
-                </a:solidFill>
-                <a:latin typeface="Verdana" pitchFamily="34" charset="0"/>
-                <a:ea typeface="宋体" charset="-122"/>
-              </a:defRPr>
-            </a:lvl8pPr>
-            <a:lvl9pPr marL="3886200" indent="-228600" eaLnBrk="0" fontAlgn="base" hangingPunct="0">
-              <a:spcBef>
-                <a:spcPct val="0"/>
-              </a:spcBef>
-              <a:spcAft>
-                <a:spcPct val="0"/>
-              </a:spcAft>
-              <a:defRPr>
-                <a:solidFill>
-                  <a:schemeClr val="tx1"/>
-                </a:solidFill>
-                <a:latin typeface="Verdana" pitchFamily="34" charset="0"/>
-                <a:ea typeface="宋体" charset="-122"/>
-              </a:defRPr>
-            </a:lvl9pPr>
-          </a:lstStyle>
-          <a:p>
-            <a:pPr algn="r" eaLnBrk="1" hangingPunct="1"/>
-            <a:fld id="{44D0A72B-6CFD-48F2-9B13-9F9270B0DB27}" type="slidenum">
-              <a:rPr lang="en-US" altLang="zh-CN" sz="1200"/>
-              <a:pPr algn="r" eaLnBrk="1" hangingPunct="1"/>
-              <a:t>58</a:t>
-            </a:fld>
-            <a:endParaRPr lang="en-US" altLang="zh-CN" sz="1200"/>
-          </a:p>
-        </p:txBody>
-      </p:sp>
-      <p:sp>
-        <p:nvSpPr>
-          <p:cNvPr id="59395" name="Rectangle 2"/>
-          <p:cNvSpPr>
-            <a:spLocks noGrp="1" noChangeArrowheads="1"/>
-          </p:cNvSpPr>
-          <p:nvPr>
-            <p:ph type="title" idx="4294967295"/>
-          </p:nvPr>
-        </p:nvSpPr>
-        <p:spPr/>
-        <p:txBody>
-          <a:bodyPr/>
-          <a:lstStyle/>
-          <a:p>
-            <a:pPr eaLnBrk="1" hangingPunct="1"/>
-            <a:r>
-              <a:rPr lang="en-US" altLang="zh-CN" b="1" smtClean="0">
-                <a:latin typeface="黑体" pitchFamily="49" charset="-122"/>
-                <a:ea typeface="黑体" pitchFamily="49" charset="-122"/>
-              </a:rPr>
-              <a:t>1.5 </a:t>
-            </a:r>
-            <a:r>
-              <a:rPr lang="zh-CN" b="1" smtClean="0">
-                <a:latin typeface="黑体" pitchFamily="49" charset="-122"/>
-                <a:ea typeface="黑体" pitchFamily="49" charset="-122"/>
-              </a:rPr>
-              <a:t>自动化测试</a:t>
-            </a:r>
-          </a:p>
-        </p:txBody>
-      </p:sp>
-      <p:sp>
-        <p:nvSpPr>
-          <p:cNvPr id="59396" name="Rectangle 3"/>
-          <p:cNvSpPr>
-            <a:spLocks noGrp="1" noChangeArrowheads="1"/>
-          </p:cNvSpPr>
-          <p:nvPr>
-            <p:ph type="body" idx="4294967295"/>
-          </p:nvPr>
-        </p:nvSpPr>
-        <p:spPr>
-          <a:xfrm>
-            <a:off x="566738" y="1752600"/>
-            <a:ext cx="8001000" cy="4556125"/>
-          </a:xfrm>
-        </p:spPr>
-        <p:txBody>
-          <a:bodyPr/>
-          <a:lstStyle/>
-          <a:p>
-            <a:pPr eaLnBrk="1" hangingPunct="1"/>
-            <a:r>
-              <a:rPr lang="zh-CN" sz="3400" b="1" smtClean="0">
-                <a:solidFill>
-                  <a:srgbClr val="0000FF"/>
-                </a:solidFill>
-                <a:ea typeface="华文新魏" pitchFamily="2" charset="-122"/>
-              </a:rPr>
-              <a:t>测试脚本</a:t>
-            </a:r>
-            <a:endParaRPr lang="en-US" sz="3400" b="1" smtClean="0">
-              <a:solidFill>
-                <a:srgbClr val="0000FF"/>
-              </a:solidFill>
-              <a:ea typeface="华文新魏" pitchFamily="2" charset="-122"/>
-            </a:endParaRPr>
-          </a:p>
-          <a:p>
-            <a:pPr eaLnBrk="1" hangingPunct="1"/>
-            <a:r>
-              <a:rPr lang="en-US" altLang="zh-CN" sz="3400" b="1" smtClean="0">
-                <a:solidFill>
-                  <a:srgbClr val="0000FF"/>
-                </a:solidFill>
-                <a:ea typeface="华文新魏" pitchFamily="2" charset="-122"/>
-              </a:rPr>
-              <a:t>2</a:t>
-            </a:r>
-            <a:r>
-              <a:rPr lang="zh-CN" sz="3400" b="1" smtClean="0">
-                <a:solidFill>
-                  <a:srgbClr val="0000FF"/>
-                </a:solidFill>
-                <a:ea typeface="华文新魏" pitchFamily="2" charset="-122"/>
-              </a:rPr>
-              <a:t>、读取测试数据和自动测试</a:t>
-            </a:r>
-          </a:p>
-        </p:txBody>
-      </p:sp>
-      <p:pic>
-        <p:nvPicPr>
-          <p:cNvPr id="59398" name="Picture 6"/>
-          <p:cNvPicPr>
-            <a:picLocks noChangeAspect="1" noChangeArrowheads="1"/>
-          </p:cNvPicPr>
-          <p:nvPr/>
-        </p:nvPicPr>
-        <p:blipFill>
-          <a:blip r:embed="rId2">
-            <a:extLst>
-              <a:ext uri="{28A0092B-C50C-407E-A947-70E740481C1C}">
-                <a14:useLocalDpi xmlns:a14="http://schemas.microsoft.com/office/drawing/2010/main" val="0"/>
-              </a:ext>
-            </a:extLst>
-          </a:blip>
-          <a:srcRect/>
-          <a:stretch>
-            <a:fillRect/>
-          </a:stretch>
-        </p:blipFill>
-        <p:spPr bwMode="auto">
-          <a:xfrm>
-            <a:off x="928688" y="3000375"/>
-            <a:ext cx="7288212" cy="3071813"/>
-          </a:xfrm>
-          <a:prstGeom prst="rect">
-            <a:avLst/>
-          </a:prstGeom>
-          <a:noFill/>
-          <a:ln>
-            <a:noFill/>
-          </a:ln>
-          <a:extLst>
-            <a:ext uri="{909E8E84-426E-40DD-AFC4-6F175D3DCCD1}">
-              <a14:hiddenFill xmlns:a14="http://schemas.microsoft.com/office/drawing/2010/main">
-                <a:solidFill>
-                  <a:srgbClr val="FFFFFF"/>
-                </a:solidFill>
-              </a14:hiddenFill>
-            </a:ext>
-            <a:ext uri="{91240B29-F687-4F45-9708-019B960494DF}">
-              <a14:hiddenLine xmlns:a14="http://schemas.microsoft.com/office/drawing/2010/main" w="9525">
-                <a:solidFill>
-                  <a:srgbClr val="000000"/>
-                </a:solidFill>
-                <a:miter lim="800000"/>
-                <a:headEnd/>
-                <a:tailEnd/>
-              </a14:hiddenLine>
-            </a:ext>
-          </a:extLst>
-        </p:spPr>
-      </p:pic>
-    </p:spTree>
-  </p:cSld>
-  <p:clrMapOvr>
-    <a:masterClrMapping/>
-  </p:clrMapOvr>
-  <p:transition/>
-</p:sld>
-</file>
-
-<file path=ppt/slides/slide59.xml><?xml version="1.0" encoding="utf-8"?>
-<p:sld xmlns:a="http://schemas.openxmlformats.org/drawingml/2006/main" xmlns:r="http://schemas.openxmlformats.org/officeDocument/2006/relationships" xmlns:p="http://schemas.openxmlformats.org/presentationml/2006/main">
-  <p:cSld>
-    <p:spTree>
-      <p:nvGrpSpPr>
-        <p:cNvPr id="1" name=""/>
-        <p:cNvGrpSpPr/>
-        <p:nvPr/>
-      </p:nvGrpSpPr>
-      <p:grpSpPr>
-        <a:xfrm>
-          <a:off x="0" y="0"/>
-          <a:ext cx="0" cy="0"/>
-          <a:chOff x="0" y="0"/>
-          <a:chExt cx="0" cy="0"/>
-        </a:xfrm>
-      </p:grpSpPr>
-      <p:sp>
-        <p:nvSpPr>
-          <p:cNvPr id="60418" name="灯片编号占位符 5"/>
-          <p:cNvSpPr txBox="1">
-            <a:spLocks noGrp="1" noChangeArrowheads="1"/>
-          </p:cNvSpPr>
-          <p:nvPr/>
-        </p:nvSpPr>
-        <p:spPr bwMode="auto">
-          <a:xfrm>
-            <a:off x="6553200" y="6245225"/>
-            <a:ext cx="1981200" cy="476250"/>
-          </a:xfrm>
-          <a:prstGeom prst="rect">
-            <a:avLst/>
-          </a:prstGeom>
-          <a:noFill/>
-          <a:ln>
-            <a:noFill/>
-          </a:ln>
-          <a:extLst>
-            <a:ext uri="{909E8E84-426E-40DD-AFC4-6F175D3DCCD1}">
-              <a14:hiddenFill xmlns:a14="http://schemas.microsoft.com/office/drawing/2010/main">
-                <a:solidFill>
-                  <a:srgbClr val="FFFFFF"/>
-                </a:solidFill>
-              </a14:hiddenFill>
-            </a:ext>
-            <a:ext uri="{91240B29-F687-4F45-9708-019B960494DF}">
-              <a14:hiddenLine xmlns:a14="http://schemas.microsoft.com/office/drawing/2010/main" w="9525">
-                <a:solidFill>
-                  <a:srgbClr val="000000"/>
-                </a:solidFill>
-                <a:miter lim="800000"/>
-                <a:headEnd/>
-                <a:tailEnd/>
-              </a14:hiddenLine>
-            </a:ext>
-          </a:extLst>
-        </p:spPr>
-        <p:txBody>
-          <a:bodyPr/>
-          <a:lstStyle>
-            <a:lvl1pPr eaLnBrk="0" hangingPunct="0">
-              <a:defRPr>
-                <a:solidFill>
-                  <a:schemeClr val="tx1"/>
-                </a:solidFill>
-                <a:latin typeface="Verdana" pitchFamily="34" charset="0"/>
-                <a:ea typeface="宋体" charset="-122"/>
-              </a:defRPr>
-            </a:lvl1pPr>
-            <a:lvl2pPr marL="742950" indent="-285750" eaLnBrk="0" hangingPunct="0">
-              <a:defRPr>
-                <a:solidFill>
-                  <a:schemeClr val="tx1"/>
-                </a:solidFill>
-                <a:latin typeface="Verdana" pitchFamily="34" charset="0"/>
-                <a:ea typeface="宋体" charset="-122"/>
-              </a:defRPr>
-            </a:lvl2pPr>
-            <a:lvl3pPr marL="1143000" indent="-228600" eaLnBrk="0" hangingPunct="0">
-              <a:defRPr>
-                <a:solidFill>
-                  <a:schemeClr val="tx1"/>
-                </a:solidFill>
-                <a:latin typeface="Verdana" pitchFamily="34" charset="0"/>
-                <a:ea typeface="宋体" charset="-122"/>
-              </a:defRPr>
-            </a:lvl3pPr>
-            <a:lvl4pPr marL="1600200" indent="-228600" eaLnBrk="0" hangingPunct="0">
-              <a:defRPr>
-                <a:solidFill>
-                  <a:schemeClr val="tx1"/>
-                </a:solidFill>
-                <a:latin typeface="Verdana" pitchFamily="34" charset="0"/>
-                <a:ea typeface="宋体" charset="-122"/>
-              </a:defRPr>
-            </a:lvl4pPr>
-            <a:lvl5pPr marL="2057400" indent="-228600" eaLnBrk="0" hangingPunct="0">
-              <a:defRPr>
-                <a:solidFill>
-                  <a:schemeClr val="tx1"/>
-                </a:solidFill>
-                <a:latin typeface="Verdana" pitchFamily="34" charset="0"/>
-                <a:ea typeface="宋体" charset="-122"/>
-              </a:defRPr>
-            </a:lvl5pPr>
-            <a:lvl6pPr marL="2514600" indent="-228600" eaLnBrk="0" fontAlgn="base" hangingPunct="0">
-              <a:spcBef>
-                <a:spcPct val="0"/>
-              </a:spcBef>
-              <a:spcAft>
-                <a:spcPct val="0"/>
-              </a:spcAft>
-              <a:defRPr>
-                <a:solidFill>
-                  <a:schemeClr val="tx1"/>
-                </a:solidFill>
-                <a:latin typeface="Verdana" pitchFamily="34" charset="0"/>
-                <a:ea typeface="宋体" charset="-122"/>
-              </a:defRPr>
-            </a:lvl6pPr>
-            <a:lvl7pPr marL="2971800" indent="-228600" eaLnBrk="0" fontAlgn="base" hangingPunct="0">
-              <a:spcBef>
-                <a:spcPct val="0"/>
-              </a:spcBef>
-              <a:spcAft>
-                <a:spcPct val="0"/>
-              </a:spcAft>
-              <a:defRPr>
-                <a:solidFill>
-                  <a:schemeClr val="tx1"/>
-                </a:solidFill>
-                <a:latin typeface="Verdana" pitchFamily="34" charset="0"/>
-                <a:ea typeface="宋体" charset="-122"/>
-              </a:defRPr>
-            </a:lvl7pPr>
-            <a:lvl8pPr marL="3429000" indent="-228600" eaLnBrk="0" fontAlgn="base" hangingPunct="0">
-              <a:spcBef>
-                <a:spcPct val="0"/>
-              </a:spcBef>
-              <a:spcAft>
-                <a:spcPct val="0"/>
-              </a:spcAft>
-              <a:defRPr>
-                <a:solidFill>
-                  <a:schemeClr val="tx1"/>
-                </a:solidFill>
-                <a:latin typeface="Verdana" pitchFamily="34" charset="0"/>
-                <a:ea typeface="宋体" charset="-122"/>
-              </a:defRPr>
-            </a:lvl8pPr>
-            <a:lvl9pPr marL="3886200" indent="-228600" eaLnBrk="0" fontAlgn="base" hangingPunct="0">
-              <a:spcBef>
-                <a:spcPct val="0"/>
-              </a:spcBef>
-              <a:spcAft>
-                <a:spcPct val="0"/>
-              </a:spcAft>
-              <a:defRPr>
-                <a:solidFill>
-                  <a:schemeClr val="tx1"/>
-                </a:solidFill>
-                <a:latin typeface="Verdana" pitchFamily="34" charset="0"/>
-                <a:ea typeface="宋体" charset="-122"/>
-              </a:defRPr>
-            </a:lvl9pPr>
-          </a:lstStyle>
-          <a:p>
-            <a:pPr algn="r" eaLnBrk="1" hangingPunct="1"/>
-            <a:fld id="{42E4B974-A9E4-4372-9D21-1AFF22E97176}" type="slidenum">
-              <a:rPr lang="en-US" altLang="zh-CN" sz="1200"/>
-              <a:pPr algn="r" eaLnBrk="1" hangingPunct="1"/>
-              <a:t>59</a:t>
-            </a:fld>
-            <a:endParaRPr lang="en-US" altLang="zh-CN" sz="1200"/>
-          </a:p>
-        </p:txBody>
-      </p:sp>
-      <p:sp>
-        <p:nvSpPr>
-          <p:cNvPr id="60419" name="Rectangle 2"/>
-          <p:cNvSpPr>
-            <a:spLocks noGrp="1" noChangeArrowheads="1"/>
-          </p:cNvSpPr>
-          <p:nvPr>
-            <p:ph type="title" idx="4294967295"/>
-          </p:nvPr>
-        </p:nvSpPr>
-        <p:spPr/>
-        <p:txBody>
-          <a:bodyPr/>
-          <a:lstStyle/>
-          <a:p>
-            <a:pPr eaLnBrk="1" hangingPunct="1"/>
-            <a:r>
-              <a:rPr lang="en-US" altLang="zh-CN" b="1" smtClean="0">
-                <a:latin typeface="黑体" pitchFamily="49" charset="-122"/>
-                <a:ea typeface="黑体" pitchFamily="49" charset="-122"/>
-              </a:rPr>
-              <a:t>1.5 </a:t>
-            </a:r>
-            <a:r>
-              <a:rPr lang="zh-CN" b="1" smtClean="0">
-                <a:latin typeface="黑体" pitchFamily="49" charset="-122"/>
-                <a:ea typeface="黑体" pitchFamily="49" charset="-122"/>
-              </a:rPr>
-              <a:t>自动化测试</a:t>
-            </a:r>
-          </a:p>
-        </p:txBody>
-      </p:sp>
-      <p:sp>
-        <p:nvSpPr>
-          <p:cNvPr id="60420" name="Rectangle 3"/>
-          <p:cNvSpPr>
-            <a:spLocks noGrp="1" noChangeArrowheads="1"/>
-          </p:cNvSpPr>
-          <p:nvPr>
-            <p:ph type="body" idx="4294967295"/>
-          </p:nvPr>
-        </p:nvSpPr>
-        <p:spPr>
-          <a:xfrm>
-            <a:off x="566738" y="1752600"/>
-            <a:ext cx="8001000" cy="4556125"/>
-          </a:xfrm>
-        </p:spPr>
-        <p:txBody>
-          <a:bodyPr/>
-          <a:lstStyle/>
-          <a:p>
-            <a:pPr eaLnBrk="1" hangingPunct="1"/>
-            <a:r>
-              <a:rPr lang="zh-CN" sz="3400" b="1" smtClean="0">
-                <a:solidFill>
-                  <a:srgbClr val="0000FF"/>
-                </a:solidFill>
-                <a:ea typeface="华文新魏" pitchFamily="2" charset="-122"/>
-              </a:rPr>
-              <a:t>测试脚本</a:t>
-            </a:r>
-            <a:endParaRPr lang="en-US" sz="3400" b="1" smtClean="0">
-              <a:solidFill>
-                <a:srgbClr val="0000FF"/>
-              </a:solidFill>
-              <a:ea typeface="华文新魏" pitchFamily="2" charset="-122"/>
-            </a:endParaRPr>
-          </a:p>
-          <a:p>
-            <a:pPr eaLnBrk="1" hangingPunct="1"/>
-            <a:r>
-              <a:rPr lang="en-US" altLang="zh-CN" sz="3400" b="1" smtClean="0">
-                <a:solidFill>
-                  <a:srgbClr val="0000FF"/>
-                </a:solidFill>
-                <a:ea typeface="华文新魏" pitchFamily="2" charset="-122"/>
-              </a:rPr>
-              <a:t>3</a:t>
-            </a:r>
-            <a:r>
-              <a:rPr lang="zh-CN" sz="3400" b="1" smtClean="0">
-                <a:solidFill>
-                  <a:srgbClr val="0000FF"/>
-                </a:solidFill>
-                <a:ea typeface="华文新魏" pitchFamily="2" charset="-122"/>
-              </a:rPr>
-              <a:t>、创建测试类，执行自动化测试</a:t>
-            </a:r>
-          </a:p>
-        </p:txBody>
-      </p:sp>
-      <p:pic>
-        <p:nvPicPr>
-          <p:cNvPr id="60422" name="Picture 2"/>
-          <p:cNvPicPr>
-            <a:picLocks noChangeAspect="1" noChangeArrowheads="1"/>
-          </p:cNvPicPr>
-          <p:nvPr/>
-        </p:nvPicPr>
-        <p:blipFill>
-          <a:blip r:embed="rId2">
-            <a:extLst>
-              <a:ext uri="{28A0092B-C50C-407E-A947-70E740481C1C}">
-                <a14:useLocalDpi xmlns:a14="http://schemas.microsoft.com/office/drawing/2010/main" val="0"/>
-              </a:ext>
-            </a:extLst>
-          </a:blip>
-          <a:srcRect/>
-          <a:stretch>
-            <a:fillRect/>
-          </a:stretch>
-        </p:blipFill>
-        <p:spPr bwMode="auto">
-          <a:xfrm>
-            <a:off x="428625" y="3214688"/>
-            <a:ext cx="8226425" cy="1357312"/>
-          </a:xfrm>
-          <a:prstGeom prst="rect">
-            <a:avLst/>
-          </a:prstGeom>
-          <a:noFill/>
-          <a:ln>
-            <a:noFill/>
-          </a:ln>
-          <a:extLst>
-            <a:ext uri="{909E8E84-426E-40DD-AFC4-6F175D3DCCD1}">
-              <a14:hiddenFill xmlns:a14="http://schemas.microsoft.com/office/drawing/2010/main">
-                <a:solidFill>
-                  <a:srgbClr val="FFFFFF"/>
-                </a:solidFill>
-              </a14:hiddenFill>
-            </a:ext>
-            <a:ext uri="{91240B29-F687-4F45-9708-019B960494DF}">
-              <a14:hiddenLine xmlns:a14="http://schemas.microsoft.com/office/drawing/2010/main" w="9525">
-                <a:solidFill>
-                  <a:srgbClr val="000000"/>
-                </a:solidFill>
-                <a:miter lim="800000"/>
-                <a:headEnd/>
-                <a:tailEnd/>
-              </a14:hiddenLine>
-            </a:ext>
-          </a:extLst>
-        </p:spPr>
-      </p:pic>
     </p:spTree>
   </p:cSld>
   <p:clrMapOvr>
@@ -31781,7 +29736,7 @@
         <p:spPr bwMode="auto">
           <a:xfrm>
             <a:off x="6553200" y="6245225"/>
-            <a:ext cx="1981200" cy="476250"/>
+            <a:ext cx="1981200" cy="476251"/>
           </a:xfrm>
           <a:prstGeom prst="rect">
             <a:avLst/>
@@ -32020,1883 +29975,6 @@
       </p:par>
     </p:tnLst>
   </p:timing>
-</p:sld>
-</file>
-
-<file path=ppt/slides/slide60.xml><?xml version="1.0" encoding="utf-8"?>
-<p:sld xmlns:a="http://schemas.openxmlformats.org/drawingml/2006/main" xmlns:r="http://schemas.openxmlformats.org/officeDocument/2006/relationships" xmlns:p="http://schemas.openxmlformats.org/presentationml/2006/main">
-  <p:cSld>
-    <p:spTree>
-      <p:nvGrpSpPr>
-        <p:cNvPr id="1" name=""/>
-        <p:cNvGrpSpPr/>
-        <p:nvPr/>
-      </p:nvGrpSpPr>
-      <p:grpSpPr>
-        <a:xfrm>
-          <a:off x="0" y="0"/>
-          <a:ext cx="0" cy="0"/>
-          <a:chOff x="0" y="0"/>
-          <a:chExt cx="0" cy="0"/>
-        </a:xfrm>
-      </p:grpSpPr>
-      <p:sp>
-        <p:nvSpPr>
-          <p:cNvPr id="61442" name="灯片编号占位符 5"/>
-          <p:cNvSpPr txBox="1">
-            <a:spLocks noGrp="1" noChangeArrowheads="1"/>
-          </p:cNvSpPr>
-          <p:nvPr/>
-        </p:nvSpPr>
-        <p:spPr bwMode="auto">
-          <a:xfrm>
-            <a:off x="6553200" y="6245225"/>
-            <a:ext cx="1981200" cy="476250"/>
-          </a:xfrm>
-          <a:prstGeom prst="rect">
-            <a:avLst/>
-          </a:prstGeom>
-          <a:noFill/>
-          <a:ln>
-            <a:noFill/>
-          </a:ln>
-          <a:extLst>
-            <a:ext uri="{909E8E84-426E-40DD-AFC4-6F175D3DCCD1}">
-              <a14:hiddenFill xmlns:a14="http://schemas.microsoft.com/office/drawing/2010/main">
-                <a:solidFill>
-                  <a:srgbClr val="FFFFFF"/>
-                </a:solidFill>
-              </a14:hiddenFill>
-            </a:ext>
-            <a:ext uri="{91240B29-F687-4F45-9708-019B960494DF}">
-              <a14:hiddenLine xmlns:a14="http://schemas.microsoft.com/office/drawing/2010/main" w="9525">
-                <a:solidFill>
-                  <a:srgbClr val="000000"/>
-                </a:solidFill>
-                <a:miter lim="800000"/>
-                <a:headEnd/>
-                <a:tailEnd/>
-              </a14:hiddenLine>
-            </a:ext>
-          </a:extLst>
-        </p:spPr>
-        <p:txBody>
-          <a:bodyPr/>
-          <a:lstStyle>
-            <a:lvl1pPr eaLnBrk="0" hangingPunct="0">
-              <a:defRPr>
-                <a:solidFill>
-                  <a:schemeClr val="tx1"/>
-                </a:solidFill>
-                <a:latin typeface="Verdana" pitchFamily="34" charset="0"/>
-                <a:ea typeface="宋体" charset="-122"/>
-              </a:defRPr>
-            </a:lvl1pPr>
-            <a:lvl2pPr marL="742950" indent="-285750" eaLnBrk="0" hangingPunct="0">
-              <a:defRPr>
-                <a:solidFill>
-                  <a:schemeClr val="tx1"/>
-                </a:solidFill>
-                <a:latin typeface="Verdana" pitchFamily="34" charset="0"/>
-                <a:ea typeface="宋体" charset="-122"/>
-              </a:defRPr>
-            </a:lvl2pPr>
-            <a:lvl3pPr marL="1143000" indent="-228600" eaLnBrk="0" hangingPunct="0">
-              <a:defRPr>
-                <a:solidFill>
-                  <a:schemeClr val="tx1"/>
-                </a:solidFill>
-                <a:latin typeface="Verdana" pitchFamily="34" charset="0"/>
-                <a:ea typeface="宋体" charset="-122"/>
-              </a:defRPr>
-            </a:lvl3pPr>
-            <a:lvl4pPr marL="1600200" indent="-228600" eaLnBrk="0" hangingPunct="0">
-              <a:defRPr>
-                <a:solidFill>
-                  <a:schemeClr val="tx1"/>
-                </a:solidFill>
-                <a:latin typeface="Verdana" pitchFamily="34" charset="0"/>
-                <a:ea typeface="宋体" charset="-122"/>
-              </a:defRPr>
-            </a:lvl4pPr>
-            <a:lvl5pPr marL="2057400" indent="-228600" eaLnBrk="0" hangingPunct="0">
-              <a:defRPr>
-                <a:solidFill>
-                  <a:schemeClr val="tx1"/>
-                </a:solidFill>
-                <a:latin typeface="Verdana" pitchFamily="34" charset="0"/>
-                <a:ea typeface="宋体" charset="-122"/>
-              </a:defRPr>
-            </a:lvl5pPr>
-            <a:lvl6pPr marL="2514600" indent="-228600" eaLnBrk="0" fontAlgn="base" hangingPunct="0">
-              <a:spcBef>
-                <a:spcPct val="0"/>
-              </a:spcBef>
-              <a:spcAft>
-                <a:spcPct val="0"/>
-              </a:spcAft>
-              <a:defRPr>
-                <a:solidFill>
-                  <a:schemeClr val="tx1"/>
-                </a:solidFill>
-                <a:latin typeface="Verdana" pitchFamily="34" charset="0"/>
-                <a:ea typeface="宋体" charset="-122"/>
-              </a:defRPr>
-            </a:lvl6pPr>
-            <a:lvl7pPr marL="2971800" indent="-228600" eaLnBrk="0" fontAlgn="base" hangingPunct="0">
-              <a:spcBef>
-                <a:spcPct val="0"/>
-              </a:spcBef>
-              <a:spcAft>
-                <a:spcPct val="0"/>
-              </a:spcAft>
-              <a:defRPr>
-                <a:solidFill>
-                  <a:schemeClr val="tx1"/>
-                </a:solidFill>
-                <a:latin typeface="Verdana" pitchFamily="34" charset="0"/>
-                <a:ea typeface="宋体" charset="-122"/>
-              </a:defRPr>
-            </a:lvl7pPr>
-            <a:lvl8pPr marL="3429000" indent="-228600" eaLnBrk="0" fontAlgn="base" hangingPunct="0">
-              <a:spcBef>
-                <a:spcPct val="0"/>
-              </a:spcBef>
-              <a:spcAft>
-                <a:spcPct val="0"/>
-              </a:spcAft>
-              <a:defRPr>
-                <a:solidFill>
-                  <a:schemeClr val="tx1"/>
-                </a:solidFill>
-                <a:latin typeface="Verdana" pitchFamily="34" charset="0"/>
-                <a:ea typeface="宋体" charset="-122"/>
-              </a:defRPr>
-            </a:lvl8pPr>
-            <a:lvl9pPr marL="3886200" indent="-228600" eaLnBrk="0" fontAlgn="base" hangingPunct="0">
-              <a:spcBef>
-                <a:spcPct val="0"/>
-              </a:spcBef>
-              <a:spcAft>
-                <a:spcPct val="0"/>
-              </a:spcAft>
-              <a:defRPr>
-                <a:solidFill>
-                  <a:schemeClr val="tx1"/>
-                </a:solidFill>
-                <a:latin typeface="Verdana" pitchFamily="34" charset="0"/>
-                <a:ea typeface="宋体" charset="-122"/>
-              </a:defRPr>
-            </a:lvl9pPr>
-          </a:lstStyle>
-          <a:p>
-            <a:pPr algn="r" eaLnBrk="1" hangingPunct="1"/>
-            <a:fld id="{9C2B8357-892F-4271-80BA-E73F5674ECD7}" type="slidenum">
-              <a:rPr lang="en-US" altLang="zh-CN" sz="1200"/>
-              <a:pPr algn="r" eaLnBrk="1" hangingPunct="1"/>
-              <a:t>60</a:t>
-            </a:fld>
-            <a:endParaRPr lang="en-US" altLang="zh-CN" sz="1200"/>
-          </a:p>
-        </p:txBody>
-      </p:sp>
-      <p:sp>
-        <p:nvSpPr>
-          <p:cNvPr id="61443" name="Rectangle 2"/>
-          <p:cNvSpPr>
-            <a:spLocks noGrp="1" noChangeArrowheads="1"/>
-          </p:cNvSpPr>
-          <p:nvPr>
-            <p:ph type="title" idx="4294967295"/>
-          </p:nvPr>
-        </p:nvSpPr>
-        <p:spPr/>
-        <p:txBody>
-          <a:bodyPr/>
-          <a:lstStyle/>
-          <a:p>
-            <a:pPr eaLnBrk="1" hangingPunct="1"/>
-            <a:r>
-              <a:rPr lang="en-US" altLang="zh-CN" b="1" smtClean="0">
-                <a:latin typeface="黑体" pitchFamily="49" charset="-122"/>
-                <a:ea typeface="黑体" pitchFamily="49" charset="-122"/>
-              </a:rPr>
-              <a:t>1.5 </a:t>
-            </a:r>
-            <a:r>
-              <a:rPr lang="zh-CN" b="1" smtClean="0">
-                <a:latin typeface="黑体" pitchFamily="49" charset="-122"/>
-                <a:ea typeface="黑体" pitchFamily="49" charset="-122"/>
-              </a:rPr>
-              <a:t>自动化测试</a:t>
-            </a:r>
-          </a:p>
-        </p:txBody>
-      </p:sp>
-      <p:sp>
-        <p:nvSpPr>
-          <p:cNvPr id="61444" name="Rectangle 3"/>
-          <p:cNvSpPr>
-            <a:spLocks noGrp="1" noChangeArrowheads="1"/>
-          </p:cNvSpPr>
-          <p:nvPr>
-            <p:ph type="body" idx="4294967295"/>
-          </p:nvPr>
-        </p:nvSpPr>
-        <p:spPr>
-          <a:xfrm>
-            <a:off x="566738" y="1752600"/>
-            <a:ext cx="8001000" cy="4556125"/>
-          </a:xfrm>
-        </p:spPr>
-        <p:txBody>
-          <a:bodyPr/>
-          <a:lstStyle/>
-          <a:p>
-            <a:pPr eaLnBrk="1" hangingPunct="1"/>
-            <a:r>
-              <a:rPr lang="zh-CN" sz="3400" b="1" smtClean="0">
-                <a:solidFill>
-                  <a:srgbClr val="0000FF"/>
-                </a:solidFill>
-                <a:ea typeface="华文新魏" pitchFamily="2" charset="-122"/>
-              </a:rPr>
-              <a:t>执行测试：测试数据</a:t>
-            </a:r>
-            <a:r>
-              <a:rPr lang="en-US" altLang="zh-CN" sz="3400" b="1" smtClean="0">
-                <a:solidFill>
-                  <a:srgbClr val="0000FF"/>
-                </a:solidFill>
-                <a:ea typeface="华文新魏" pitchFamily="2" charset="-122"/>
-              </a:rPr>
-              <a:t>1</a:t>
-            </a:r>
-            <a:endParaRPr lang="zh-CN" altLang="zh-CN" sz="3400" b="1" smtClean="0">
-              <a:solidFill>
-                <a:srgbClr val="0000FF"/>
-              </a:solidFill>
-              <a:ea typeface="华文新魏" pitchFamily="2" charset="-122"/>
-            </a:endParaRPr>
-          </a:p>
-        </p:txBody>
-      </p:sp>
-      <p:pic>
-        <p:nvPicPr>
-          <p:cNvPr id="61446" name="Picture 3"/>
-          <p:cNvPicPr>
-            <a:picLocks noChangeAspect="1" noChangeArrowheads="1"/>
-          </p:cNvPicPr>
-          <p:nvPr/>
-        </p:nvPicPr>
-        <p:blipFill>
-          <a:blip r:embed="rId2">
-            <a:extLst>
-              <a:ext uri="{28A0092B-C50C-407E-A947-70E740481C1C}">
-                <a14:useLocalDpi xmlns:a14="http://schemas.microsoft.com/office/drawing/2010/main" val="0"/>
-              </a:ext>
-            </a:extLst>
-          </a:blip>
-          <a:srcRect/>
-          <a:stretch>
-            <a:fillRect/>
-          </a:stretch>
-        </p:blipFill>
-        <p:spPr bwMode="auto">
-          <a:xfrm>
-            <a:off x="714375" y="2357438"/>
-            <a:ext cx="7540625" cy="3643312"/>
-          </a:xfrm>
-          <a:prstGeom prst="rect">
-            <a:avLst/>
-          </a:prstGeom>
-          <a:noFill/>
-          <a:ln>
-            <a:noFill/>
-          </a:ln>
-          <a:extLst>
-            <a:ext uri="{909E8E84-426E-40DD-AFC4-6F175D3DCCD1}">
-              <a14:hiddenFill xmlns:a14="http://schemas.microsoft.com/office/drawing/2010/main">
-                <a:solidFill>
-                  <a:srgbClr val="FFFFFF"/>
-                </a:solidFill>
-              </a14:hiddenFill>
-            </a:ext>
-            <a:ext uri="{91240B29-F687-4F45-9708-019B960494DF}">
-              <a14:hiddenLine xmlns:a14="http://schemas.microsoft.com/office/drawing/2010/main" w="9525">
-                <a:solidFill>
-                  <a:srgbClr val="000000"/>
-                </a:solidFill>
-                <a:miter lim="800000"/>
-                <a:headEnd/>
-                <a:tailEnd/>
-              </a14:hiddenLine>
-            </a:ext>
-          </a:extLst>
-        </p:spPr>
-      </p:pic>
-    </p:spTree>
-  </p:cSld>
-  <p:clrMapOvr>
-    <a:masterClrMapping/>
-  </p:clrMapOvr>
-  <p:transition/>
-</p:sld>
-</file>
-
-<file path=ppt/slides/slide61.xml><?xml version="1.0" encoding="utf-8"?>
-<p:sld xmlns:a="http://schemas.openxmlformats.org/drawingml/2006/main" xmlns:r="http://schemas.openxmlformats.org/officeDocument/2006/relationships" xmlns:p="http://schemas.openxmlformats.org/presentationml/2006/main">
-  <p:cSld>
-    <p:spTree>
-      <p:nvGrpSpPr>
-        <p:cNvPr id="1" name=""/>
-        <p:cNvGrpSpPr/>
-        <p:nvPr/>
-      </p:nvGrpSpPr>
-      <p:grpSpPr>
-        <a:xfrm>
-          <a:off x="0" y="0"/>
-          <a:ext cx="0" cy="0"/>
-          <a:chOff x="0" y="0"/>
-          <a:chExt cx="0" cy="0"/>
-        </a:xfrm>
-      </p:grpSpPr>
-      <p:sp>
-        <p:nvSpPr>
-          <p:cNvPr id="62466" name="灯片编号占位符 5"/>
-          <p:cNvSpPr txBox="1">
-            <a:spLocks noGrp="1" noChangeArrowheads="1"/>
-          </p:cNvSpPr>
-          <p:nvPr/>
-        </p:nvSpPr>
-        <p:spPr bwMode="auto">
-          <a:xfrm>
-            <a:off x="6553200" y="6245225"/>
-            <a:ext cx="1981200" cy="476250"/>
-          </a:xfrm>
-          <a:prstGeom prst="rect">
-            <a:avLst/>
-          </a:prstGeom>
-          <a:noFill/>
-          <a:ln>
-            <a:noFill/>
-          </a:ln>
-          <a:extLst>
-            <a:ext uri="{909E8E84-426E-40DD-AFC4-6F175D3DCCD1}">
-              <a14:hiddenFill xmlns:a14="http://schemas.microsoft.com/office/drawing/2010/main">
-                <a:solidFill>
-                  <a:srgbClr val="FFFFFF"/>
-                </a:solidFill>
-              </a14:hiddenFill>
-            </a:ext>
-            <a:ext uri="{91240B29-F687-4F45-9708-019B960494DF}">
-              <a14:hiddenLine xmlns:a14="http://schemas.microsoft.com/office/drawing/2010/main" w="9525">
-                <a:solidFill>
-                  <a:srgbClr val="000000"/>
-                </a:solidFill>
-                <a:miter lim="800000"/>
-                <a:headEnd/>
-                <a:tailEnd/>
-              </a14:hiddenLine>
-            </a:ext>
-          </a:extLst>
-        </p:spPr>
-        <p:txBody>
-          <a:bodyPr/>
-          <a:lstStyle>
-            <a:lvl1pPr eaLnBrk="0" hangingPunct="0">
-              <a:defRPr>
-                <a:solidFill>
-                  <a:schemeClr val="tx1"/>
-                </a:solidFill>
-                <a:latin typeface="Verdana" pitchFamily="34" charset="0"/>
-                <a:ea typeface="宋体" charset="-122"/>
-              </a:defRPr>
-            </a:lvl1pPr>
-            <a:lvl2pPr marL="742950" indent="-285750" eaLnBrk="0" hangingPunct="0">
-              <a:defRPr>
-                <a:solidFill>
-                  <a:schemeClr val="tx1"/>
-                </a:solidFill>
-                <a:latin typeface="Verdana" pitchFamily="34" charset="0"/>
-                <a:ea typeface="宋体" charset="-122"/>
-              </a:defRPr>
-            </a:lvl2pPr>
-            <a:lvl3pPr marL="1143000" indent="-228600" eaLnBrk="0" hangingPunct="0">
-              <a:defRPr>
-                <a:solidFill>
-                  <a:schemeClr val="tx1"/>
-                </a:solidFill>
-                <a:latin typeface="Verdana" pitchFamily="34" charset="0"/>
-                <a:ea typeface="宋体" charset="-122"/>
-              </a:defRPr>
-            </a:lvl3pPr>
-            <a:lvl4pPr marL="1600200" indent="-228600" eaLnBrk="0" hangingPunct="0">
-              <a:defRPr>
-                <a:solidFill>
-                  <a:schemeClr val="tx1"/>
-                </a:solidFill>
-                <a:latin typeface="Verdana" pitchFamily="34" charset="0"/>
-                <a:ea typeface="宋体" charset="-122"/>
-              </a:defRPr>
-            </a:lvl4pPr>
-            <a:lvl5pPr marL="2057400" indent="-228600" eaLnBrk="0" hangingPunct="0">
-              <a:defRPr>
-                <a:solidFill>
-                  <a:schemeClr val="tx1"/>
-                </a:solidFill>
-                <a:latin typeface="Verdana" pitchFamily="34" charset="0"/>
-                <a:ea typeface="宋体" charset="-122"/>
-              </a:defRPr>
-            </a:lvl5pPr>
-            <a:lvl6pPr marL="2514600" indent="-228600" eaLnBrk="0" fontAlgn="base" hangingPunct="0">
-              <a:spcBef>
-                <a:spcPct val="0"/>
-              </a:spcBef>
-              <a:spcAft>
-                <a:spcPct val="0"/>
-              </a:spcAft>
-              <a:defRPr>
-                <a:solidFill>
-                  <a:schemeClr val="tx1"/>
-                </a:solidFill>
-                <a:latin typeface="Verdana" pitchFamily="34" charset="0"/>
-                <a:ea typeface="宋体" charset="-122"/>
-              </a:defRPr>
-            </a:lvl6pPr>
-            <a:lvl7pPr marL="2971800" indent="-228600" eaLnBrk="0" fontAlgn="base" hangingPunct="0">
-              <a:spcBef>
-                <a:spcPct val="0"/>
-              </a:spcBef>
-              <a:spcAft>
-                <a:spcPct val="0"/>
-              </a:spcAft>
-              <a:defRPr>
-                <a:solidFill>
-                  <a:schemeClr val="tx1"/>
-                </a:solidFill>
-                <a:latin typeface="Verdana" pitchFamily="34" charset="0"/>
-                <a:ea typeface="宋体" charset="-122"/>
-              </a:defRPr>
-            </a:lvl7pPr>
-            <a:lvl8pPr marL="3429000" indent="-228600" eaLnBrk="0" fontAlgn="base" hangingPunct="0">
-              <a:spcBef>
-                <a:spcPct val="0"/>
-              </a:spcBef>
-              <a:spcAft>
-                <a:spcPct val="0"/>
-              </a:spcAft>
-              <a:defRPr>
-                <a:solidFill>
-                  <a:schemeClr val="tx1"/>
-                </a:solidFill>
-                <a:latin typeface="Verdana" pitchFamily="34" charset="0"/>
-                <a:ea typeface="宋体" charset="-122"/>
-              </a:defRPr>
-            </a:lvl8pPr>
-            <a:lvl9pPr marL="3886200" indent="-228600" eaLnBrk="0" fontAlgn="base" hangingPunct="0">
-              <a:spcBef>
-                <a:spcPct val="0"/>
-              </a:spcBef>
-              <a:spcAft>
-                <a:spcPct val="0"/>
-              </a:spcAft>
-              <a:defRPr>
-                <a:solidFill>
-                  <a:schemeClr val="tx1"/>
-                </a:solidFill>
-                <a:latin typeface="Verdana" pitchFamily="34" charset="0"/>
-                <a:ea typeface="宋体" charset="-122"/>
-              </a:defRPr>
-            </a:lvl9pPr>
-          </a:lstStyle>
-          <a:p>
-            <a:pPr algn="r" eaLnBrk="1" hangingPunct="1"/>
-            <a:fld id="{5C223C58-A825-44D0-9416-4CEE9FC1BE62}" type="slidenum">
-              <a:rPr lang="en-US" altLang="zh-CN" sz="1200"/>
-              <a:pPr algn="r" eaLnBrk="1" hangingPunct="1"/>
-              <a:t>61</a:t>
-            </a:fld>
-            <a:endParaRPr lang="en-US" altLang="zh-CN" sz="1200"/>
-          </a:p>
-        </p:txBody>
-      </p:sp>
-      <p:sp>
-        <p:nvSpPr>
-          <p:cNvPr id="62467" name="Rectangle 2"/>
-          <p:cNvSpPr>
-            <a:spLocks noGrp="1" noChangeArrowheads="1"/>
-          </p:cNvSpPr>
-          <p:nvPr>
-            <p:ph type="title" idx="4294967295"/>
-          </p:nvPr>
-        </p:nvSpPr>
-        <p:spPr/>
-        <p:txBody>
-          <a:bodyPr/>
-          <a:lstStyle/>
-          <a:p>
-            <a:pPr eaLnBrk="1" hangingPunct="1"/>
-            <a:r>
-              <a:rPr lang="en-US" altLang="zh-CN" b="1" smtClean="0">
-                <a:latin typeface="黑体" pitchFamily="49" charset="-122"/>
-                <a:ea typeface="黑体" pitchFamily="49" charset="-122"/>
-              </a:rPr>
-              <a:t>1.5 </a:t>
-            </a:r>
-            <a:r>
-              <a:rPr lang="zh-CN" b="1" smtClean="0">
-                <a:latin typeface="黑体" pitchFamily="49" charset="-122"/>
-                <a:ea typeface="黑体" pitchFamily="49" charset="-122"/>
-              </a:rPr>
-              <a:t>自动化测试</a:t>
-            </a:r>
-          </a:p>
-        </p:txBody>
-      </p:sp>
-      <p:sp>
-        <p:nvSpPr>
-          <p:cNvPr id="62468" name="Rectangle 3"/>
-          <p:cNvSpPr>
-            <a:spLocks noGrp="1" noChangeArrowheads="1"/>
-          </p:cNvSpPr>
-          <p:nvPr>
-            <p:ph type="body" idx="4294967295"/>
-          </p:nvPr>
-        </p:nvSpPr>
-        <p:spPr>
-          <a:xfrm>
-            <a:off x="566738" y="1752600"/>
-            <a:ext cx="8001000" cy="4556125"/>
-          </a:xfrm>
-        </p:spPr>
-        <p:txBody>
-          <a:bodyPr/>
-          <a:lstStyle/>
-          <a:p>
-            <a:pPr eaLnBrk="1" hangingPunct="1"/>
-            <a:r>
-              <a:rPr lang="zh-CN" sz="3400" b="1" smtClean="0">
-                <a:solidFill>
-                  <a:srgbClr val="0000FF"/>
-                </a:solidFill>
-                <a:ea typeface="华文新魏" pitchFamily="2" charset="-122"/>
-              </a:rPr>
-              <a:t>执行测试：测试数据</a:t>
-            </a:r>
-            <a:r>
-              <a:rPr lang="en-US" altLang="zh-CN" sz="3400" b="1" smtClean="0">
-                <a:solidFill>
-                  <a:srgbClr val="0000FF"/>
-                </a:solidFill>
-                <a:ea typeface="华文新魏" pitchFamily="2" charset="-122"/>
-              </a:rPr>
-              <a:t>1</a:t>
-            </a:r>
-            <a:r>
-              <a:rPr lang="zh-CN" sz="3400" b="1" smtClean="0">
-                <a:solidFill>
-                  <a:srgbClr val="0000FF"/>
-                </a:solidFill>
-                <a:ea typeface="华文新魏" pitchFamily="2" charset="-122"/>
-              </a:rPr>
-              <a:t>的结果</a:t>
-            </a:r>
-          </a:p>
-        </p:txBody>
-      </p:sp>
-      <p:pic>
-        <p:nvPicPr>
-          <p:cNvPr id="62470" name="Picture 2"/>
-          <p:cNvPicPr>
-            <a:picLocks noChangeAspect="1" noChangeArrowheads="1"/>
-          </p:cNvPicPr>
-          <p:nvPr/>
-        </p:nvPicPr>
-        <p:blipFill>
-          <a:blip r:embed="rId2">
-            <a:extLst>
-              <a:ext uri="{28A0092B-C50C-407E-A947-70E740481C1C}">
-                <a14:useLocalDpi xmlns:a14="http://schemas.microsoft.com/office/drawing/2010/main" val="0"/>
-              </a:ext>
-            </a:extLst>
-          </a:blip>
-          <a:srcRect/>
-          <a:stretch>
-            <a:fillRect/>
-          </a:stretch>
-        </p:blipFill>
-        <p:spPr bwMode="auto">
-          <a:xfrm>
-            <a:off x="642938" y="2357438"/>
-            <a:ext cx="7858125" cy="3721100"/>
-          </a:xfrm>
-          <a:prstGeom prst="rect">
-            <a:avLst/>
-          </a:prstGeom>
-          <a:noFill/>
-          <a:ln>
-            <a:noFill/>
-          </a:ln>
-          <a:extLst>
-            <a:ext uri="{909E8E84-426E-40DD-AFC4-6F175D3DCCD1}">
-              <a14:hiddenFill xmlns:a14="http://schemas.microsoft.com/office/drawing/2010/main">
-                <a:solidFill>
-                  <a:srgbClr val="FFFFFF"/>
-                </a:solidFill>
-              </a14:hiddenFill>
-            </a:ext>
-            <a:ext uri="{91240B29-F687-4F45-9708-019B960494DF}">
-              <a14:hiddenLine xmlns:a14="http://schemas.microsoft.com/office/drawing/2010/main" w="9525">
-                <a:solidFill>
-                  <a:srgbClr val="000000"/>
-                </a:solidFill>
-                <a:miter lim="800000"/>
-                <a:headEnd/>
-                <a:tailEnd/>
-              </a14:hiddenLine>
-            </a:ext>
-          </a:extLst>
-        </p:spPr>
-      </p:pic>
-    </p:spTree>
-  </p:cSld>
-  <p:clrMapOvr>
-    <a:masterClrMapping/>
-  </p:clrMapOvr>
-  <p:transition/>
-</p:sld>
-</file>
-
-<file path=ppt/slides/slide62.xml><?xml version="1.0" encoding="utf-8"?>
-<p:sld xmlns:a="http://schemas.openxmlformats.org/drawingml/2006/main" xmlns:r="http://schemas.openxmlformats.org/officeDocument/2006/relationships" xmlns:p="http://schemas.openxmlformats.org/presentationml/2006/main">
-  <p:cSld>
-    <p:spTree>
-      <p:nvGrpSpPr>
-        <p:cNvPr id="1" name=""/>
-        <p:cNvGrpSpPr/>
-        <p:nvPr/>
-      </p:nvGrpSpPr>
-      <p:grpSpPr>
-        <a:xfrm>
-          <a:off x="0" y="0"/>
-          <a:ext cx="0" cy="0"/>
-          <a:chOff x="0" y="0"/>
-          <a:chExt cx="0" cy="0"/>
-        </a:xfrm>
-      </p:grpSpPr>
-      <p:sp>
-        <p:nvSpPr>
-          <p:cNvPr id="63490" name="灯片编号占位符 5"/>
-          <p:cNvSpPr txBox="1">
-            <a:spLocks noGrp="1" noChangeArrowheads="1"/>
-          </p:cNvSpPr>
-          <p:nvPr/>
-        </p:nvSpPr>
-        <p:spPr bwMode="auto">
-          <a:xfrm>
-            <a:off x="6553200" y="6245225"/>
-            <a:ext cx="1981200" cy="476250"/>
-          </a:xfrm>
-          <a:prstGeom prst="rect">
-            <a:avLst/>
-          </a:prstGeom>
-          <a:noFill/>
-          <a:ln>
-            <a:noFill/>
-          </a:ln>
-          <a:extLst>
-            <a:ext uri="{909E8E84-426E-40DD-AFC4-6F175D3DCCD1}">
-              <a14:hiddenFill xmlns:a14="http://schemas.microsoft.com/office/drawing/2010/main">
-                <a:solidFill>
-                  <a:srgbClr val="FFFFFF"/>
-                </a:solidFill>
-              </a14:hiddenFill>
-            </a:ext>
-            <a:ext uri="{91240B29-F687-4F45-9708-019B960494DF}">
-              <a14:hiddenLine xmlns:a14="http://schemas.microsoft.com/office/drawing/2010/main" w="9525">
-                <a:solidFill>
-                  <a:srgbClr val="000000"/>
-                </a:solidFill>
-                <a:miter lim="800000"/>
-                <a:headEnd/>
-                <a:tailEnd/>
-              </a14:hiddenLine>
-            </a:ext>
-          </a:extLst>
-        </p:spPr>
-        <p:txBody>
-          <a:bodyPr/>
-          <a:lstStyle>
-            <a:lvl1pPr eaLnBrk="0" hangingPunct="0">
-              <a:defRPr>
-                <a:solidFill>
-                  <a:schemeClr val="tx1"/>
-                </a:solidFill>
-                <a:latin typeface="Verdana" pitchFamily="34" charset="0"/>
-                <a:ea typeface="宋体" charset="-122"/>
-              </a:defRPr>
-            </a:lvl1pPr>
-            <a:lvl2pPr marL="742950" indent="-285750" eaLnBrk="0" hangingPunct="0">
-              <a:defRPr>
-                <a:solidFill>
-                  <a:schemeClr val="tx1"/>
-                </a:solidFill>
-                <a:latin typeface="Verdana" pitchFamily="34" charset="0"/>
-                <a:ea typeface="宋体" charset="-122"/>
-              </a:defRPr>
-            </a:lvl2pPr>
-            <a:lvl3pPr marL="1143000" indent="-228600" eaLnBrk="0" hangingPunct="0">
-              <a:defRPr>
-                <a:solidFill>
-                  <a:schemeClr val="tx1"/>
-                </a:solidFill>
-                <a:latin typeface="Verdana" pitchFamily="34" charset="0"/>
-                <a:ea typeface="宋体" charset="-122"/>
-              </a:defRPr>
-            </a:lvl3pPr>
-            <a:lvl4pPr marL="1600200" indent="-228600" eaLnBrk="0" hangingPunct="0">
-              <a:defRPr>
-                <a:solidFill>
-                  <a:schemeClr val="tx1"/>
-                </a:solidFill>
-                <a:latin typeface="Verdana" pitchFamily="34" charset="0"/>
-                <a:ea typeface="宋体" charset="-122"/>
-              </a:defRPr>
-            </a:lvl4pPr>
-            <a:lvl5pPr marL="2057400" indent="-228600" eaLnBrk="0" hangingPunct="0">
-              <a:defRPr>
-                <a:solidFill>
-                  <a:schemeClr val="tx1"/>
-                </a:solidFill>
-                <a:latin typeface="Verdana" pitchFamily="34" charset="0"/>
-                <a:ea typeface="宋体" charset="-122"/>
-              </a:defRPr>
-            </a:lvl5pPr>
-            <a:lvl6pPr marL="2514600" indent="-228600" eaLnBrk="0" fontAlgn="base" hangingPunct="0">
-              <a:spcBef>
-                <a:spcPct val="0"/>
-              </a:spcBef>
-              <a:spcAft>
-                <a:spcPct val="0"/>
-              </a:spcAft>
-              <a:defRPr>
-                <a:solidFill>
-                  <a:schemeClr val="tx1"/>
-                </a:solidFill>
-                <a:latin typeface="Verdana" pitchFamily="34" charset="0"/>
-                <a:ea typeface="宋体" charset="-122"/>
-              </a:defRPr>
-            </a:lvl6pPr>
-            <a:lvl7pPr marL="2971800" indent="-228600" eaLnBrk="0" fontAlgn="base" hangingPunct="0">
-              <a:spcBef>
-                <a:spcPct val="0"/>
-              </a:spcBef>
-              <a:spcAft>
-                <a:spcPct val="0"/>
-              </a:spcAft>
-              <a:defRPr>
-                <a:solidFill>
-                  <a:schemeClr val="tx1"/>
-                </a:solidFill>
-                <a:latin typeface="Verdana" pitchFamily="34" charset="0"/>
-                <a:ea typeface="宋体" charset="-122"/>
-              </a:defRPr>
-            </a:lvl7pPr>
-            <a:lvl8pPr marL="3429000" indent="-228600" eaLnBrk="0" fontAlgn="base" hangingPunct="0">
-              <a:spcBef>
-                <a:spcPct val="0"/>
-              </a:spcBef>
-              <a:spcAft>
-                <a:spcPct val="0"/>
-              </a:spcAft>
-              <a:defRPr>
-                <a:solidFill>
-                  <a:schemeClr val="tx1"/>
-                </a:solidFill>
-                <a:latin typeface="Verdana" pitchFamily="34" charset="0"/>
-                <a:ea typeface="宋体" charset="-122"/>
-              </a:defRPr>
-            </a:lvl8pPr>
-            <a:lvl9pPr marL="3886200" indent="-228600" eaLnBrk="0" fontAlgn="base" hangingPunct="0">
-              <a:spcBef>
-                <a:spcPct val="0"/>
-              </a:spcBef>
-              <a:spcAft>
-                <a:spcPct val="0"/>
-              </a:spcAft>
-              <a:defRPr>
-                <a:solidFill>
-                  <a:schemeClr val="tx1"/>
-                </a:solidFill>
-                <a:latin typeface="Verdana" pitchFamily="34" charset="0"/>
-                <a:ea typeface="宋体" charset="-122"/>
-              </a:defRPr>
-            </a:lvl9pPr>
-          </a:lstStyle>
-          <a:p>
-            <a:pPr algn="r" eaLnBrk="1" hangingPunct="1"/>
-            <a:fld id="{4E74296A-D30A-44BD-BC25-BF59C4EF04F9}" type="slidenum">
-              <a:rPr lang="en-US" altLang="zh-CN" sz="1200"/>
-              <a:pPr algn="r" eaLnBrk="1" hangingPunct="1"/>
-              <a:t>62</a:t>
-            </a:fld>
-            <a:endParaRPr lang="en-US" altLang="zh-CN" sz="1200"/>
-          </a:p>
-        </p:txBody>
-      </p:sp>
-      <p:sp>
-        <p:nvSpPr>
-          <p:cNvPr id="63491" name="Rectangle 2"/>
-          <p:cNvSpPr>
-            <a:spLocks noGrp="1" noChangeArrowheads="1"/>
-          </p:cNvSpPr>
-          <p:nvPr>
-            <p:ph type="title" idx="4294967295"/>
-          </p:nvPr>
-        </p:nvSpPr>
-        <p:spPr/>
-        <p:txBody>
-          <a:bodyPr/>
-          <a:lstStyle/>
-          <a:p>
-            <a:pPr eaLnBrk="1" hangingPunct="1"/>
-            <a:r>
-              <a:rPr lang="en-US" altLang="zh-CN" b="1" smtClean="0">
-                <a:latin typeface="黑体" pitchFamily="49" charset="-122"/>
-                <a:ea typeface="黑体" pitchFamily="49" charset="-122"/>
-              </a:rPr>
-              <a:t>1.5 </a:t>
-            </a:r>
-            <a:r>
-              <a:rPr lang="zh-CN" b="1" smtClean="0">
-                <a:latin typeface="黑体" pitchFamily="49" charset="-122"/>
-                <a:ea typeface="黑体" pitchFamily="49" charset="-122"/>
-              </a:rPr>
-              <a:t>自动化测试</a:t>
-            </a:r>
-          </a:p>
-        </p:txBody>
-      </p:sp>
-      <p:sp>
-        <p:nvSpPr>
-          <p:cNvPr id="63492" name="Rectangle 3"/>
-          <p:cNvSpPr>
-            <a:spLocks noGrp="1" noChangeArrowheads="1"/>
-          </p:cNvSpPr>
-          <p:nvPr>
-            <p:ph type="body" idx="4294967295"/>
-          </p:nvPr>
-        </p:nvSpPr>
-        <p:spPr>
-          <a:xfrm>
-            <a:off x="566738" y="1752600"/>
-            <a:ext cx="8001000" cy="4556125"/>
-          </a:xfrm>
-        </p:spPr>
-        <p:txBody>
-          <a:bodyPr/>
-          <a:lstStyle/>
-          <a:p>
-            <a:pPr eaLnBrk="1" hangingPunct="1"/>
-            <a:r>
-              <a:rPr lang="zh-CN" sz="3400" b="1" smtClean="0">
-                <a:solidFill>
-                  <a:srgbClr val="0000FF"/>
-                </a:solidFill>
-                <a:ea typeface="华文新魏" pitchFamily="2" charset="-122"/>
-              </a:rPr>
-              <a:t>执行测试：空数据的结果</a:t>
-            </a:r>
-          </a:p>
-        </p:txBody>
-      </p:sp>
-      <p:pic>
-        <p:nvPicPr>
-          <p:cNvPr id="63494" name="Picture 3"/>
-          <p:cNvPicPr>
-            <a:picLocks noChangeAspect="1" noChangeArrowheads="1"/>
-          </p:cNvPicPr>
-          <p:nvPr/>
-        </p:nvPicPr>
-        <p:blipFill>
-          <a:blip r:embed="rId2">
-            <a:extLst>
-              <a:ext uri="{28A0092B-C50C-407E-A947-70E740481C1C}">
-                <a14:useLocalDpi xmlns:a14="http://schemas.microsoft.com/office/drawing/2010/main" val="0"/>
-              </a:ext>
-            </a:extLst>
-          </a:blip>
-          <a:srcRect/>
-          <a:stretch>
-            <a:fillRect/>
-          </a:stretch>
-        </p:blipFill>
-        <p:spPr bwMode="auto">
-          <a:xfrm>
-            <a:off x="714375" y="2428875"/>
-            <a:ext cx="7694613" cy="3571875"/>
-          </a:xfrm>
-          <a:prstGeom prst="rect">
-            <a:avLst/>
-          </a:prstGeom>
-          <a:noFill/>
-          <a:ln>
-            <a:noFill/>
-          </a:ln>
-          <a:extLst>
-            <a:ext uri="{909E8E84-426E-40DD-AFC4-6F175D3DCCD1}">
-              <a14:hiddenFill xmlns:a14="http://schemas.microsoft.com/office/drawing/2010/main">
-                <a:solidFill>
-                  <a:srgbClr val="FFFFFF"/>
-                </a:solidFill>
-              </a14:hiddenFill>
-            </a:ext>
-            <a:ext uri="{91240B29-F687-4F45-9708-019B960494DF}">
-              <a14:hiddenLine xmlns:a14="http://schemas.microsoft.com/office/drawing/2010/main" w="9525">
-                <a:solidFill>
-                  <a:srgbClr val="000000"/>
-                </a:solidFill>
-                <a:miter lim="800000"/>
-                <a:headEnd/>
-                <a:tailEnd/>
-              </a14:hiddenLine>
-            </a:ext>
-          </a:extLst>
-        </p:spPr>
-      </p:pic>
-    </p:spTree>
-  </p:cSld>
-  <p:clrMapOvr>
-    <a:masterClrMapping/>
-  </p:clrMapOvr>
-  <p:transition/>
-</p:sld>
-</file>
-
-<file path=ppt/slides/slide63.xml><?xml version="1.0" encoding="utf-8"?>
-<p:sld xmlns:a="http://schemas.openxmlformats.org/drawingml/2006/main" xmlns:r="http://schemas.openxmlformats.org/officeDocument/2006/relationships" xmlns:p="http://schemas.openxmlformats.org/presentationml/2006/main">
-  <p:cSld>
-    <p:spTree>
-      <p:nvGrpSpPr>
-        <p:cNvPr id="1" name=""/>
-        <p:cNvGrpSpPr/>
-        <p:nvPr/>
-      </p:nvGrpSpPr>
-      <p:grpSpPr>
-        <a:xfrm>
-          <a:off x="0" y="0"/>
-          <a:ext cx="0" cy="0"/>
-          <a:chOff x="0" y="0"/>
-          <a:chExt cx="0" cy="0"/>
-        </a:xfrm>
-      </p:grpSpPr>
-      <p:sp>
-        <p:nvSpPr>
-          <p:cNvPr id="64514" name="灯片编号占位符 5"/>
-          <p:cNvSpPr txBox="1">
-            <a:spLocks noGrp="1" noChangeArrowheads="1"/>
-          </p:cNvSpPr>
-          <p:nvPr/>
-        </p:nvSpPr>
-        <p:spPr bwMode="auto">
-          <a:xfrm>
-            <a:off x="6553200" y="6245225"/>
-            <a:ext cx="1981200" cy="476250"/>
-          </a:xfrm>
-          <a:prstGeom prst="rect">
-            <a:avLst/>
-          </a:prstGeom>
-          <a:noFill/>
-          <a:ln>
-            <a:noFill/>
-          </a:ln>
-          <a:extLst>
-            <a:ext uri="{909E8E84-426E-40DD-AFC4-6F175D3DCCD1}">
-              <a14:hiddenFill xmlns:a14="http://schemas.microsoft.com/office/drawing/2010/main">
-                <a:solidFill>
-                  <a:srgbClr val="FFFFFF"/>
-                </a:solidFill>
-              </a14:hiddenFill>
-            </a:ext>
-            <a:ext uri="{91240B29-F687-4F45-9708-019B960494DF}">
-              <a14:hiddenLine xmlns:a14="http://schemas.microsoft.com/office/drawing/2010/main" w="9525">
-                <a:solidFill>
-                  <a:srgbClr val="000000"/>
-                </a:solidFill>
-                <a:miter lim="800000"/>
-                <a:headEnd/>
-                <a:tailEnd/>
-              </a14:hiddenLine>
-            </a:ext>
-          </a:extLst>
-        </p:spPr>
-        <p:txBody>
-          <a:bodyPr/>
-          <a:lstStyle>
-            <a:lvl1pPr eaLnBrk="0" hangingPunct="0">
-              <a:defRPr>
-                <a:solidFill>
-                  <a:schemeClr val="tx1"/>
-                </a:solidFill>
-                <a:latin typeface="Verdana" pitchFamily="34" charset="0"/>
-                <a:ea typeface="宋体" charset="-122"/>
-              </a:defRPr>
-            </a:lvl1pPr>
-            <a:lvl2pPr marL="742950" indent="-285750" eaLnBrk="0" hangingPunct="0">
-              <a:defRPr>
-                <a:solidFill>
-                  <a:schemeClr val="tx1"/>
-                </a:solidFill>
-                <a:latin typeface="Verdana" pitchFamily="34" charset="0"/>
-                <a:ea typeface="宋体" charset="-122"/>
-              </a:defRPr>
-            </a:lvl2pPr>
-            <a:lvl3pPr marL="1143000" indent="-228600" eaLnBrk="0" hangingPunct="0">
-              <a:defRPr>
-                <a:solidFill>
-                  <a:schemeClr val="tx1"/>
-                </a:solidFill>
-                <a:latin typeface="Verdana" pitchFamily="34" charset="0"/>
-                <a:ea typeface="宋体" charset="-122"/>
-              </a:defRPr>
-            </a:lvl3pPr>
-            <a:lvl4pPr marL="1600200" indent="-228600" eaLnBrk="0" hangingPunct="0">
-              <a:defRPr>
-                <a:solidFill>
-                  <a:schemeClr val="tx1"/>
-                </a:solidFill>
-                <a:latin typeface="Verdana" pitchFamily="34" charset="0"/>
-                <a:ea typeface="宋体" charset="-122"/>
-              </a:defRPr>
-            </a:lvl4pPr>
-            <a:lvl5pPr marL="2057400" indent="-228600" eaLnBrk="0" hangingPunct="0">
-              <a:defRPr>
-                <a:solidFill>
-                  <a:schemeClr val="tx1"/>
-                </a:solidFill>
-                <a:latin typeface="Verdana" pitchFamily="34" charset="0"/>
-                <a:ea typeface="宋体" charset="-122"/>
-              </a:defRPr>
-            </a:lvl5pPr>
-            <a:lvl6pPr marL="2514600" indent="-228600" eaLnBrk="0" fontAlgn="base" hangingPunct="0">
-              <a:spcBef>
-                <a:spcPct val="0"/>
-              </a:spcBef>
-              <a:spcAft>
-                <a:spcPct val="0"/>
-              </a:spcAft>
-              <a:defRPr>
-                <a:solidFill>
-                  <a:schemeClr val="tx1"/>
-                </a:solidFill>
-                <a:latin typeface="Verdana" pitchFamily="34" charset="0"/>
-                <a:ea typeface="宋体" charset="-122"/>
-              </a:defRPr>
-            </a:lvl6pPr>
-            <a:lvl7pPr marL="2971800" indent="-228600" eaLnBrk="0" fontAlgn="base" hangingPunct="0">
-              <a:spcBef>
-                <a:spcPct val="0"/>
-              </a:spcBef>
-              <a:spcAft>
-                <a:spcPct val="0"/>
-              </a:spcAft>
-              <a:defRPr>
-                <a:solidFill>
-                  <a:schemeClr val="tx1"/>
-                </a:solidFill>
-                <a:latin typeface="Verdana" pitchFamily="34" charset="0"/>
-                <a:ea typeface="宋体" charset="-122"/>
-              </a:defRPr>
-            </a:lvl7pPr>
-            <a:lvl8pPr marL="3429000" indent="-228600" eaLnBrk="0" fontAlgn="base" hangingPunct="0">
-              <a:spcBef>
-                <a:spcPct val="0"/>
-              </a:spcBef>
-              <a:spcAft>
-                <a:spcPct val="0"/>
-              </a:spcAft>
-              <a:defRPr>
-                <a:solidFill>
-                  <a:schemeClr val="tx1"/>
-                </a:solidFill>
-                <a:latin typeface="Verdana" pitchFamily="34" charset="0"/>
-                <a:ea typeface="宋体" charset="-122"/>
-              </a:defRPr>
-            </a:lvl8pPr>
-            <a:lvl9pPr marL="3886200" indent="-228600" eaLnBrk="0" fontAlgn="base" hangingPunct="0">
-              <a:spcBef>
-                <a:spcPct val="0"/>
-              </a:spcBef>
-              <a:spcAft>
-                <a:spcPct val="0"/>
-              </a:spcAft>
-              <a:defRPr>
-                <a:solidFill>
-                  <a:schemeClr val="tx1"/>
-                </a:solidFill>
-                <a:latin typeface="Verdana" pitchFamily="34" charset="0"/>
-                <a:ea typeface="宋体" charset="-122"/>
-              </a:defRPr>
-            </a:lvl9pPr>
-          </a:lstStyle>
-          <a:p>
-            <a:pPr algn="r" eaLnBrk="1" hangingPunct="1"/>
-            <a:fld id="{C53AB12D-FA42-4B7E-ABE6-2B1BB2148577}" type="slidenum">
-              <a:rPr lang="en-US" altLang="zh-CN" sz="1200"/>
-              <a:pPr algn="r" eaLnBrk="1" hangingPunct="1"/>
-              <a:t>63</a:t>
-            </a:fld>
-            <a:endParaRPr lang="en-US" altLang="zh-CN" sz="1200"/>
-          </a:p>
-        </p:txBody>
-      </p:sp>
-      <p:sp>
-        <p:nvSpPr>
-          <p:cNvPr id="64515" name="Rectangle 2"/>
-          <p:cNvSpPr>
-            <a:spLocks noGrp="1" noChangeArrowheads="1"/>
-          </p:cNvSpPr>
-          <p:nvPr>
-            <p:ph type="title" idx="4294967295"/>
-          </p:nvPr>
-        </p:nvSpPr>
-        <p:spPr/>
-        <p:txBody>
-          <a:bodyPr/>
-          <a:lstStyle/>
-          <a:p>
-            <a:pPr eaLnBrk="1" hangingPunct="1"/>
-            <a:r>
-              <a:rPr lang="en-US" altLang="zh-CN" b="1" smtClean="0">
-                <a:latin typeface="黑体" pitchFamily="49" charset="-122"/>
-                <a:ea typeface="黑体" pitchFamily="49" charset="-122"/>
-              </a:rPr>
-              <a:t>1.5 </a:t>
-            </a:r>
-            <a:r>
-              <a:rPr lang="zh-CN" b="1" smtClean="0">
-                <a:latin typeface="黑体" pitchFamily="49" charset="-122"/>
-                <a:ea typeface="黑体" pitchFamily="49" charset="-122"/>
-              </a:rPr>
-              <a:t>自动化测试</a:t>
-            </a:r>
-          </a:p>
-        </p:txBody>
-      </p:sp>
-      <p:sp>
-        <p:nvSpPr>
-          <p:cNvPr id="64516" name="Rectangle 3"/>
-          <p:cNvSpPr>
-            <a:spLocks noGrp="1" noChangeArrowheads="1"/>
-          </p:cNvSpPr>
-          <p:nvPr>
-            <p:ph type="body" idx="4294967295"/>
-          </p:nvPr>
-        </p:nvSpPr>
-        <p:spPr>
-          <a:xfrm>
-            <a:off x="566738" y="1752600"/>
-            <a:ext cx="8001000" cy="4556125"/>
-          </a:xfrm>
-        </p:spPr>
-        <p:txBody>
-          <a:bodyPr/>
-          <a:lstStyle/>
-          <a:p>
-            <a:pPr eaLnBrk="1" hangingPunct="1"/>
-            <a:r>
-              <a:rPr lang="zh-CN" sz="3400" b="1" smtClean="0">
-                <a:solidFill>
-                  <a:srgbClr val="0000FF"/>
-                </a:solidFill>
-                <a:ea typeface="华文新魏" pitchFamily="2" charset="-122"/>
-              </a:rPr>
-              <a:t>测试分析：如何消灭所有虫子？</a:t>
-            </a:r>
-            <a:endParaRPr lang="en-US" sz="3400" b="1" smtClean="0">
-              <a:solidFill>
-                <a:srgbClr val="0000FF"/>
-              </a:solidFill>
-              <a:ea typeface="华文新魏" pitchFamily="2" charset="-122"/>
-            </a:endParaRPr>
-          </a:p>
-          <a:p>
-            <a:pPr eaLnBrk="1" hangingPunct="1"/>
-            <a:r>
-              <a:rPr lang="zh-CN" sz="3400" b="1" smtClean="0">
-                <a:solidFill>
-                  <a:srgbClr val="0000FF"/>
-                </a:solidFill>
-                <a:ea typeface="华文新魏" pitchFamily="2" charset="-122"/>
-              </a:rPr>
-              <a:t>函数</a:t>
-            </a:r>
-            <a:r>
-              <a:rPr lang="en-US" altLang="zh-CN" sz="3400" b="1" smtClean="0">
-                <a:solidFill>
-                  <a:srgbClr val="0000FF"/>
-                </a:solidFill>
-                <a:ea typeface="华文新魏" pitchFamily="2" charset="-122"/>
-              </a:rPr>
-              <a:t>AddOneday</a:t>
-            </a:r>
-            <a:r>
-              <a:rPr lang="zh-CN" sz="3400" b="1" smtClean="0">
-                <a:solidFill>
-                  <a:srgbClr val="0000FF"/>
-                </a:solidFill>
-                <a:ea typeface="华文新魏" pitchFamily="2" charset="-122"/>
-              </a:rPr>
-              <a:t>的问题</a:t>
-            </a:r>
-            <a:endParaRPr lang="en-US" sz="3400" b="1" smtClean="0">
-              <a:solidFill>
-                <a:srgbClr val="0000FF"/>
-              </a:solidFill>
-              <a:ea typeface="华文新魏" pitchFamily="2" charset="-122"/>
-            </a:endParaRPr>
-          </a:p>
-          <a:p>
-            <a:pPr lvl="1" eaLnBrk="1" hangingPunct="1"/>
-            <a:r>
-              <a:rPr lang="zh-CN" b="1" smtClean="0">
-                <a:solidFill>
-                  <a:srgbClr val="0000FF"/>
-                </a:solidFill>
-                <a:ea typeface="华文新魏" pitchFamily="2" charset="-122"/>
-              </a:rPr>
-              <a:t>函数未做很好的有效性校验</a:t>
-            </a:r>
-            <a:endParaRPr lang="en-US" b="1" smtClean="0">
-              <a:solidFill>
-                <a:srgbClr val="0000FF"/>
-              </a:solidFill>
-              <a:ea typeface="华文新魏" pitchFamily="2" charset="-122"/>
-            </a:endParaRPr>
-          </a:p>
-          <a:p>
-            <a:pPr lvl="1" eaLnBrk="1" hangingPunct="1"/>
-            <a:r>
-              <a:rPr lang="zh-CN" b="1" smtClean="0">
-                <a:solidFill>
-                  <a:srgbClr val="0000FF"/>
-                </a:solidFill>
-                <a:ea typeface="华文新魏" pitchFamily="2" charset="-122"/>
-              </a:rPr>
-              <a:t>函数中存在多余的语句，导致孤立节点，形成不可行路径</a:t>
-            </a:r>
-            <a:endParaRPr lang="en-US" b="1" smtClean="0">
-              <a:solidFill>
-                <a:srgbClr val="0000FF"/>
-              </a:solidFill>
-              <a:ea typeface="华文新魏" pitchFamily="2" charset="-122"/>
-            </a:endParaRPr>
-          </a:p>
-        </p:txBody>
-      </p:sp>
-    </p:spTree>
-  </p:cSld>
-  <p:clrMapOvr>
-    <a:masterClrMapping/>
-  </p:clrMapOvr>
-  <p:transition/>
-</p:sld>
-</file>
-
-<file path=ppt/slides/slide64.xml><?xml version="1.0" encoding="utf-8"?>
-<p:sld xmlns:a="http://schemas.openxmlformats.org/drawingml/2006/main" xmlns:r="http://schemas.openxmlformats.org/officeDocument/2006/relationships" xmlns:p="http://schemas.openxmlformats.org/presentationml/2006/main">
-  <p:cSld>
-    <p:spTree>
-      <p:nvGrpSpPr>
-        <p:cNvPr id="1" name=""/>
-        <p:cNvGrpSpPr/>
-        <p:nvPr/>
-      </p:nvGrpSpPr>
-      <p:grpSpPr>
-        <a:xfrm>
-          <a:off x="0" y="0"/>
-          <a:ext cx="0" cy="0"/>
-          <a:chOff x="0" y="0"/>
-          <a:chExt cx="0" cy="0"/>
-        </a:xfrm>
-      </p:grpSpPr>
-      <p:sp>
-        <p:nvSpPr>
-          <p:cNvPr id="65538" name="灯片编号占位符 5"/>
-          <p:cNvSpPr txBox="1">
-            <a:spLocks noGrp="1" noChangeArrowheads="1"/>
-          </p:cNvSpPr>
-          <p:nvPr/>
-        </p:nvSpPr>
-        <p:spPr bwMode="auto">
-          <a:xfrm>
-            <a:off x="6553200" y="6245225"/>
-            <a:ext cx="1981200" cy="476250"/>
-          </a:xfrm>
-          <a:prstGeom prst="rect">
-            <a:avLst/>
-          </a:prstGeom>
-          <a:noFill/>
-          <a:ln>
-            <a:noFill/>
-          </a:ln>
-          <a:extLst>
-            <a:ext uri="{909E8E84-426E-40DD-AFC4-6F175D3DCCD1}">
-              <a14:hiddenFill xmlns:a14="http://schemas.microsoft.com/office/drawing/2010/main">
-                <a:solidFill>
-                  <a:srgbClr val="FFFFFF"/>
-                </a:solidFill>
-              </a14:hiddenFill>
-            </a:ext>
-            <a:ext uri="{91240B29-F687-4F45-9708-019B960494DF}">
-              <a14:hiddenLine xmlns:a14="http://schemas.microsoft.com/office/drawing/2010/main" w="9525">
-                <a:solidFill>
-                  <a:srgbClr val="000000"/>
-                </a:solidFill>
-                <a:miter lim="800000"/>
-                <a:headEnd/>
-                <a:tailEnd/>
-              </a14:hiddenLine>
-            </a:ext>
-          </a:extLst>
-        </p:spPr>
-        <p:txBody>
-          <a:bodyPr/>
-          <a:lstStyle>
-            <a:lvl1pPr eaLnBrk="0" hangingPunct="0">
-              <a:defRPr>
-                <a:solidFill>
-                  <a:schemeClr val="tx1"/>
-                </a:solidFill>
-                <a:latin typeface="Verdana" pitchFamily="34" charset="0"/>
-                <a:ea typeface="宋体" charset="-122"/>
-              </a:defRPr>
-            </a:lvl1pPr>
-            <a:lvl2pPr marL="742950" indent="-285750" eaLnBrk="0" hangingPunct="0">
-              <a:defRPr>
-                <a:solidFill>
-                  <a:schemeClr val="tx1"/>
-                </a:solidFill>
-                <a:latin typeface="Verdana" pitchFamily="34" charset="0"/>
-                <a:ea typeface="宋体" charset="-122"/>
-              </a:defRPr>
-            </a:lvl2pPr>
-            <a:lvl3pPr marL="1143000" indent="-228600" eaLnBrk="0" hangingPunct="0">
-              <a:defRPr>
-                <a:solidFill>
-                  <a:schemeClr val="tx1"/>
-                </a:solidFill>
-                <a:latin typeface="Verdana" pitchFamily="34" charset="0"/>
-                <a:ea typeface="宋体" charset="-122"/>
-              </a:defRPr>
-            </a:lvl3pPr>
-            <a:lvl4pPr marL="1600200" indent="-228600" eaLnBrk="0" hangingPunct="0">
-              <a:defRPr>
-                <a:solidFill>
-                  <a:schemeClr val="tx1"/>
-                </a:solidFill>
-                <a:latin typeface="Verdana" pitchFamily="34" charset="0"/>
-                <a:ea typeface="宋体" charset="-122"/>
-              </a:defRPr>
-            </a:lvl4pPr>
-            <a:lvl5pPr marL="2057400" indent="-228600" eaLnBrk="0" hangingPunct="0">
-              <a:defRPr>
-                <a:solidFill>
-                  <a:schemeClr val="tx1"/>
-                </a:solidFill>
-                <a:latin typeface="Verdana" pitchFamily="34" charset="0"/>
-                <a:ea typeface="宋体" charset="-122"/>
-              </a:defRPr>
-            </a:lvl5pPr>
-            <a:lvl6pPr marL="2514600" indent="-228600" eaLnBrk="0" fontAlgn="base" hangingPunct="0">
-              <a:spcBef>
-                <a:spcPct val="0"/>
-              </a:spcBef>
-              <a:spcAft>
-                <a:spcPct val="0"/>
-              </a:spcAft>
-              <a:defRPr>
-                <a:solidFill>
-                  <a:schemeClr val="tx1"/>
-                </a:solidFill>
-                <a:latin typeface="Verdana" pitchFamily="34" charset="0"/>
-                <a:ea typeface="宋体" charset="-122"/>
-              </a:defRPr>
-            </a:lvl6pPr>
-            <a:lvl7pPr marL="2971800" indent="-228600" eaLnBrk="0" fontAlgn="base" hangingPunct="0">
-              <a:spcBef>
-                <a:spcPct val="0"/>
-              </a:spcBef>
-              <a:spcAft>
-                <a:spcPct val="0"/>
-              </a:spcAft>
-              <a:defRPr>
-                <a:solidFill>
-                  <a:schemeClr val="tx1"/>
-                </a:solidFill>
-                <a:latin typeface="Verdana" pitchFamily="34" charset="0"/>
-                <a:ea typeface="宋体" charset="-122"/>
-              </a:defRPr>
-            </a:lvl7pPr>
-            <a:lvl8pPr marL="3429000" indent="-228600" eaLnBrk="0" fontAlgn="base" hangingPunct="0">
-              <a:spcBef>
-                <a:spcPct val="0"/>
-              </a:spcBef>
-              <a:spcAft>
-                <a:spcPct val="0"/>
-              </a:spcAft>
-              <a:defRPr>
-                <a:solidFill>
-                  <a:schemeClr val="tx1"/>
-                </a:solidFill>
-                <a:latin typeface="Verdana" pitchFamily="34" charset="0"/>
-                <a:ea typeface="宋体" charset="-122"/>
-              </a:defRPr>
-            </a:lvl8pPr>
-            <a:lvl9pPr marL="3886200" indent="-228600" eaLnBrk="0" fontAlgn="base" hangingPunct="0">
-              <a:spcBef>
-                <a:spcPct val="0"/>
-              </a:spcBef>
-              <a:spcAft>
-                <a:spcPct val="0"/>
-              </a:spcAft>
-              <a:defRPr>
-                <a:solidFill>
-                  <a:schemeClr val="tx1"/>
-                </a:solidFill>
-                <a:latin typeface="Verdana" pitchFamily="34" charset="0"/>
-                <a:ea typeface="宋体" charset="-122"/>
-              </a:defRPr>
-            </a:lvl9pPr>
-          </a:lstStyle>
-          <a:p>
-            <a:pPr algn="r" eaLnBrk="1" hangingPunct="1"/>
-            <a:fld id="{04F8C619-8C61-4DAA-B47A-81BEF20EB786}" type="slidenum">
-              <a:rPr lang="en-US" altLang="zh-CN" sz="1200"/>
-              <a:pPr algn="r" eaLnBrk="1" hangingPunct="1"/>
-              <a:t>64</a:t>
-            </a:fld>
-            <a:endParaRPr lang="en-US" altLang="zh-CN" sz="1200"/>
-          </a:p>
-        </p:txBody>
-      </p:sp>
-      <p:sp>
-        <p:nvSpPr>
-          <p:cNvPr id="65539" name="Rectangle 2"/>
-          <p:cNvSpPr>
-            <a:spLocks noGrp="1" noChangeArrowheads="1"/>
-          </p:cNvSpPr>
-          <p:nvPr>
-            <p:ph type="title" idx="4294967295"/>
-          </p:nvPr>
-        </p:nvSpPr>
-        <p:spPr/>
-        <p:txBody>
-          <a:bodyPr/>
-          <a:lstStyle/>
-          <a:p>
-            <a:pPr eaLnBrk="1" hangingPunct="1"/>
-            <a:r>
-              <a:rPr lang="en-US" altLang="zh-CN" b="1" smtClean="0">
-                <a:latin typeface="黑体" pitchFamily="49" charset="-122"/>
-                <a:ea typeface="黑体" pitchFamily="49" charset="-122"/>
-              </a:rPr>
-              <a:t>1.5 </a:t>
-            </a:r>
-            <a:r>
-              <a:rPr lang="zh-CN" b="1" smtClean="0">
-                <a:latin typeface="黑体" pitchFamily="49" charset="-122"/>
-                <a:ea typeface="黑体" pitchFamily="49" charset="-122"/>
-              </a:rPr>
-              <a:t>自动化测试</a:t>
-            </a:r>
-          </a:p>
-        </p:txBody>
-      </p:sp>
-      <p:sp>
-        <p:nvSpPr>
-          <p:cNvPr id="65540" name="Rectangle 3"/>
-          <p:cNvSpPr>
-            <a:spLocks noGrp="1" noChangeArrowheads="1"/>
-          </p:cNvSpPr>
-          <p:nvPr>
-            <p:ph type="body" idx="4294967295"/>
-          </p:nvPr>
-        </p:nvSpPr>
-        <p:spPr>
-          <a:xfrm>
-            <a:off x="566738" y="1752600"/>
-            <a:ext cx="8001000" cy="4556125"/>
-          </a:xfrm>
-        </p:spPr>
-        <p:txBody>
-          <a:bodyPr/>
-          <a:lstStyle/>
-          <a:p>
-            <a:pPr eaLnBrk="1" hangingPunct="1"/>
-            <a:r>
-              <a:rPr lang="zh-CN" sz="3400" b="1" smtClean="0">
-                <a:solidFill>
-                  <a:srgbClr val="0000FF"/>
-                </a:solidFill>
-                <a:ea typeface="华文新魏" pitchFamily="2" charset="-122"/>
-              </a:rPr>
-              <a:t>测试分析：如何消灭所有虫子？</a:t>
-            </a:r>
-            <a:endParaRPr lang="en-US" sz="3400" b="1" smtClean="0">
-              <a:solidFill>
-                <a:srgbClr val="0000FF"/>
-              </a:solidFill>
-              <a:ea typeface="华文新魏" pitchFamily="2" charset="-122"/>
-            </a:endParaRPr>
-          </a:p>
-          <a:p>
-            <a:pPr eaLnBrk="1" hangingPunct="1"/>
-            <a:r>
-              <a:rPr lang="zh-CN" sz="3400" b="1" smtClean="0">
-                <a:solidFill>
-                  <a:srgbClr val="0000FF"/>
-                </a:solidFill>
-                <a:ea typeface="华文新魏" pitchFamily="2" charset="-122"/>
-              </a:rPr>
-              <a:t>测试脚本的问题</a:t>
-            </a:r>
-            <a:endParaRPr lang="en-US" sz="3400" b="1" smtClean="0">
-              <a:solidFill>
-                <a:srgbClr val="0000FF"/>
-              </a:solidFill>
-              <a:ea typeface="华文新魏" pitchFamily="2" charset="-122"/>
-            </a:endParaRPr>
-          </a:p>
-          <a:p>
-            <a:pPr lvl="1" eaLnBrk="1" hangingPunct="1"/>
-            <a:r>
-              <a:rPr lang="zh-CN" b="1" smtClean="0">
-                <a:solidFill>
-                  <a:srgbClr val="0000FF"/>
-                </a:solidFill>
-                <a:ea typeface="华文新魏" pitchFamily="2" charset="-122"/>
-              </a:rPr>
-              <a:t>测试驱动程序不应完成被测函数应提供的功能</a:t>
-            </a:r>
-            <a:endParaRPr lang="en-US" b="1" smtClean="0">
-              <a:solidFill>
-                <a:srgbClr val="0000FF"/>
-              </a:solidFill>
-              <a:ea typeface="华文新魏" pitchFamily="2" charset="-122"/>
-            </a:endParaRPr>
-          </a:p>
-          <a:p>
-            <a:pPr lvl="1" eaLnBrk="1" hangingPunct="1"/>
-            <a:r>
-              <a:rPr lang="zh-CN" b="1" smtClean="0">
-                <a:solidFill>
-                  <a:srgbClr val="0000FF"/>
-                </a:solidFill>
-                <a:ea typeface="华文新魏" pitchFamily="2" charset="-122"/>
-              </a:rPr>
-              <a:t>测试的层面不清晰</a:t>
-            </a:r>
-            <a:endParaRPr lang="en-US" b="1" smtClean="0">
-              <a:solidFill>
-                <a:srgbClr val="0000FF"/>
-              </a:solidFill>
-              <a:ea typeface="华文新魏" pitchFamily="2" charset="-122"/>
-            </a:endParaRPr>
-          </a:p>
-          <a:p>
-            <a:pPr lvl="1" eaLnBrk="1" hangingPunct="1"/>
-            <a:r>
-              <a:rPr lang="zh-CN" b="1" smtClean="0">
-                <a:solidFill>
-                  <a:srgbClr val="0000FF"/>
-                </a:solidFill>
-                <a:ea typeface="华文新魏" pitchFamily="2" charset="-122"/>
-              </a:rPr>
-              <a:t>测试脚本应独立于被测对象</a:t>
-            </a:r>
-            <a:endParaRPr lang="en-US" b="1" smtClean="0">
-              <a:solidFill>
-                <a:srgbClr val="0000FF"/>
-              </a:solidFill>
-              <a:ea typeface="华文新魏" pitchFamily="2" charset="-122"/>
-            </a:endParaRPr>
-          </a:p>
-          <a:p>
-            <a:pPr lvl="1" eaLnBrk="1" hangingPunct="1"/>
-            <a:r>
-              <a:rPr lang="zh-CN" b="1" smtClean="0">
-                <a:solidFill>
-                  <a:srgbClr val="0000FF"/>
-                </a:solidFill>
-                <a:ea typeface="华文新魏" pitchFamily="2" charset="-122"/>
-              </a:rPr>
-              <a:t>测试脚本读取测试数据时的有效性校验不完备</a:t>
-            </a:r>
-            <a:endParaRPr lang="en-US" b="1" smtClean="0">
-              <a:solidFill>
-                <a:srgbClr val="0000FF"/>
-              </a:solidFill>
-              <a:ea typeface="华文新魏" pitchFamily="2" charset="-122"/>
-            </a:endParaRPr>
-          </a:p>
-          <a:p>
-            <a:pPr lvl="1" eaLnBrk="1" hangingPunct="1"/>
-            <a:r>
-              <a:rPr lang="zh-CN" b="1" smtClean="0">
-                <a:solidFill>
-                  <a:srgbClr val="0000FF"/>
-                </a:solidFill>
-                <a:ea typeface="华文新魏" pitchFamily="2" charset="-122"/>
-              </a:rPr>
-              <a:t>测试执行完成后，测试结果覆盖了原始测试数据</a:t>
-            </a:r>
-          </a:p>
-        </p:txBody>
-      </p:sp>
-    </p:spTree>
-  </p:cSld>
-  <p:clrMapOvr>
-    <a:masterClrMapping/>
-  </p:clrMapOvr>
-  <p:transition/>
-</p:sld>
-</file>
-
-<file path=ppt/slides/slide65.xml><?xml version="1.0" encoding="utf-8"?>
-<p:sld xmlns:a="http://schemas.openxmlformats.org/drawingml/2006/main" xmlns:r="http://schemas.openxmlformats.org/officeDocument/2006/relationships" xmlns:p="http://schemas.openxmlformats.org/presentationml/2006/main">
-  <p:cSld>
-    <p:spTree>
-      <p:nvGrpSpPr>
-        <p:cNvPr id="1" name=""/>
-        <p:cNvGrpSpPr/>
-        <p:nvPr/>
-      </p:nvGrpSpPr>
-      <p:grpSpPr>
-        <a:xfrm>
-          <a:off x="0" y="0"/>
-          <a:ext cx="0" cy="0"/>
-          <a:chOff x="0" y="0"/>
-          <a:chExt cx="0" cy="0"/>
-        </a:xfrm>
-      </p:grpSpPr>
-      <p:sp>
-        <p:nvSpPr>
-          <p:cNvPr id="66562" name="标题 1"/>
-          <p:cNvSpPr>
-            <a:spLocks noGrp="1"/>
-          </p:cNvSpPr>
-          <p:nvPr>
-            <p:ph type="title" idx="4294967295"/>
-          </p:nvPr>
-        </p:nvSpPr>
-        <p:spPr>
-          <a:xfrm>
-            <a:off x="755576" y="3212976"/>
-            <a:ext cx="8001000" cy="1216025"/>
-          </a:xfrm>
-        </p:spPr>
-        <p:txBody>
-          <a:bodyPr/>
-          <a:lstStyle/>
-          <a:p>
-            <a:pPr algn="ctr"/>
-            <a:r>
-              <a:rPr lang="zh-CN" b="1" dirty="0" smtClean="0">
-                <a:latin typeface="黑体" pitchFamily="49" charset="-122"/>
-                <a:ea typeface="黑体" pitchFamily="49" charset="-122"/>
-              </a:rPr>
-              <a:t>谢 谢</a:t>
-            </a:r>
-          </a:p>
-        </p:txBody>
-      </p:sp>
-      <p:sp>
-        <p:nvSpPr>
-          <p:cNvPr id="66563" name="内容占位符 2"/>
-          <p:cNvSpPr>
-            <a:spLocks noGrp="1"/>
-          </p:cNvSpPr>
-          <p:nvPr>
-            <p:ph idx="4294967295"/>
-          </p:nvPr>
-        </p:nvSpPr>
-        <p:spPr/>
-        <p:txBody>
-          <a:bodyPr/>
-          <a:lstStyle/>
-          <a:p>
-            <a:endParaRPr lang="zh-CN" altLang="zh-CN" smtClean="0"/>
-          </a:p>
-        </p:txBody>
-      </p:sp>
-      <p:sp>
-        <p:nvSpPr>
-          <p:cNvPr id="66564" name="灯片编号占位符 3"/>
-          <p:cNvSpPr txBox="1">
-            <a:spLocks noGrp="1" noChangeArrowheads="1"/>
-          </p:cNvSpPr>
-          <p:nvPr/>
-        </p:nvSpPr>
-        <p:spPr bwMode="auto">
-          <a:xfrm>
-            <a:off x="6553200" y="6245225"/>
-            <a:ext cx="1981200" cy="476250"/>
-          </a:xfrm>
-          <a:prstGeom prst="rect">
-            <a:avLst/>
-          </a:prstGeom>
-          <a:noFill/>
-          <a:ln>
-            <a:noFill/>
-          </a:ln>
-          <a:extLst>
-            <a:ext uri="{909E8E84-426E-40DD-AFC4-6F175D3DCCD1}">
-              <a14:hiddenFill xmlns:a14="http://schemas.microsoft.com/office/drawing/2010/main">
-                <a:solidFill>
-                  <a:srgbClr val="FFFFFF"/>
-                </a:solidFill>
-              </a14:hiddenFill>
-            </a:ext>
-            <a:ext uri="{91240B29-F687-4F45-9708-019B960494DF}">
-              <a14:hiddenLine xmlns:a14="http://schemas.microsoft.com/office/drawing/2010/main" w="9525">
-                <a:solidFill>
-                  <a:srgbClr val="000000"/>
-                </a:solidFill>
-                <a:miter lim="800000"/>
-                <a:headEnd/>
-                <a:tailEnd/>
-              </a14:hiddenLine>
-            </a:ext>
-          </a:extLst>
-        </p:spPr>
-        <p:txBody>
-          <a:bodyPr/>
-          <a:lstStyle>
-            <a:lvl1pPr eaLnBrk="0" hangingPunct="0">
-              <a:defRPr>
-                <a:solidFill>
-                  <a:schemeClr val="tx1"/>
-                </a:solidFill>
-                <a:latin typeface="Verdana" pitchFamily="34" charset="0"/>
-                <a:ea typeface="宋体" charset="-122"/>
-              </a:defRPr>
-            </a:lvl1pPr>
-            <a:lvl2pPr marL="742950" indent="-285750" eaLnBrk="0" hangingPunct="0">
-              <a:defRPr>
-                <a:solidFill>
-                  <a:schemeClr val="tx1"/>
-                </a:solidFill>
-                <a:latin typeface="Verdana" pitchFamily="34" charset="0"/>
-                <a:ea typeface="宋体" charset="-122"/>
-              </a:defRPr>
-            </a:lvl2pPr>
-            <a:lvl3pPr marL="1143000" indent="-228600" eaLnBrk="0" hangingPunct="0">
-              <a:defRPr>
-                <a:solidFill>
-                  <a:schemeClr val="tx1"/>
-                </a:solidFill>
-                <a:latin typeface="Verdana" pitchFamily="34" charset="0"/>
-                <a:ea typeface="宋体" charset="-122"/>
-              </a:defRPr>
-            </a:lvl3pPr>
-            <a:lvl4pPr marL="1600200" indent="-228600" eaLnBrk="0" hangingPunct="0">
-              <a:defRPr>
-                <a:solidFill>
-                  <a:schemeClr val="tx1"/>
-                </a:solidFill>
-                <a:latin typeface="Verdana" pitchFamily="34" charset="0"/>
-                <a:ea typeface="宋体" charset="-122"/>
-              </a:defRPr>
-            </a:lvl4pPr>
-            <a:lvl5pPr marL="2057400" indent="-228600" eaLnBrk="0" hangingPunct="0">
-              <a:defRPr>
-                <a:solidFill>
-                  <a:schemeClr val="tx1"/>
-                </a:solidFill>
-                <a:latin typeface="Verdana" pitchFamily="34" charset="0"/>
-                <a:ea typeface="宋体" charset="-122"/>
-              </a:defRPr>
-            </a:lvl5pPr>
-            <a:lvl6pPr marL="2514600" indent="-228600" eaLnBrk="0" fontAlgn="base" hangingPunct="0">
-              <a:spcBef>
-                <a:spcPct val="0"/>
-              </a:spcBef>
-              <a:spcAft>
-                <a:spcPct val="0"/>
-              </a:spcAft>
-              <a:defRPr>
-                <a:solidFill>
-                  <a:schemeClr val="tx1"/>
-                </a:solidFill>
-                <a:latin typeface="Verdana" pitchFamily="34" charset="0"/>
-                <a:ea typeface="宋体" charset="-122"/>
-              </a:defRPr>
-            </a:lvl6pPr>
-            <a:lvl7pPr marL="2971800" indent="-228600" eaLnBrk="0" fontAlgn="base" hangingPunct="0">
-              <a:spcBef>
-                <a:spcPct val="0"/>
-              </a:spcBef>
-              <a:spcAft>
-                <a:spcPct val="0"/>
-              </a:spcAft>
-              <a:defRPr>
-                <a:solidFill>
-                  <a:schemeClr val="tx1"/>
-                </a:solidFill>
-                <a:latin typeface="Verdana" pitchFamily="34" charset="0"/>
-                <a:ea typeface="宋体" charset="-122"/>
-              </a:defRPr>
-            </a:lvl7pPr>
-            <a:lvl8pPr marL="3429000" indent="-228600" eaLnBrk="0" fontAlgn="base" hangingPunct="0">
-              <a:spcBef>
-                <a:spcPct val="0"/>
-              </a:spcBef>
-              <a:spcAft>
-                <a:spcPct val="0"/>
-              </a:spcAft>
-              <a:defRPr>
-                <a:solidFill>
-                  <a:schemeClr val="tx1"/>
-                </a:solidFill>
-                <a:latin typeface="Verdana" pitchFamily="34" charset="0"/>
-                <a:ea typeface="宋体" charset="-122"/>
-              </a:defRPr>
-            </a:lvl8pPr>
-            <a:lvl9pPr marL="3886200" indent="-228600" eaLnBrk="0" fontAlgn="base" hangingPunct="0">
-              <a:spcBef>
-                <a:spcPct val="0"/>
-              </a:spcBef>
-              <a:spcAft>
-                <a:spcPct val="0"/>
-              </a:spcAft>
-              <a:defRPr>
-                <a:solidFill>
-                  <a:schemeClr val="tx1"/>
-                </a:solidFill>
-                <a:latin typeface="Verdana" pitchFamily="34" charset="0"/>
-                <a:ea typeface="宋体" charset="-122"/>
-              </a:defRPr>
-            </a:lvl9pPr>
-          </a:lstStyle>
-          <a:p>
-            <a:pPr algn="r" eaLnBrk="1" hangingPunct="1"/>
-            <a:fld id="{2C94674F-49E1-416F-9C4D-1B58472BEB2A}" type="slidenum">
-              <a:rPr lang="en-US" altLang="zh-CN" sz="1200"/>
-              <a:pPr algn="r" eaLnBrk="1" hangingPunct="1"/>
-              <a:t>65</a:t>
-            </a:fld>
-            <a:endParaRPr lang="en-US" altLang="zh-CN" sz="1200"/>
-          </a:p>
-        </p:txBody>
-      </p:sp>
-    </p:spTree>
-  </p:cSld>
-  <p:clrMapOvr>
-    <a:masterClrMapping/>
-  </p:clrMapOvr>
-  <p:transition/>
 </p:sld>
 </file>
 
@@ -33925,8 +30003,8 @@
         </p:nvSpPr>
         <p:spPr>
           <a:xfrm>
-            <a:off x="827088" y="765175"/>
-            <a:ext cx="4587875" cy="676275"/>
+            <a:off x="827089" y="765176"/>
+            <a:ext cx="4588115" cy="677108"/>
           </a:xfrm>
           <a:prstGeom prst="rect">
             <a:avLst/>
@@ -34339,7 +30417,7 @@
         </p:nvSpPr>
         <p:spPr bwMode="auto">
           <a:xfrm>
-            <a:off x="574675" y="304800"/>
+            <a:off x="574675" y="304801"/>
             <a:ext cx="8001000" cy="1216025"/>
           </a:xfrm>
           <a:prstGeom prst="rect">
@@ -34660,7 +30738,7 @@
         <p:spPr bwMode="auto">
           <a:xfrm>
             <a:off x="6553200" y="6245225"/>
-            <a:ext cx="1981200" cy="476250"/>
+            <a:ext cx="1981200" cy="476251"/>
           </a:xfrm>
           <a:prstGeom prst="rect">
             <a:avLst/>
@@ -34854,7 +30932,7 @@
         </p:nvSpPr>
         <p:spPr>
           <a:xfrm>
-            <a:off x="323850" y="1773238"/>
+            <a:off x="323851" y="1773239"/>
             <a:ext cx="8901113" cy="4267200"/>
           </a:xfrm>
         </p:spPr>
